--- a/etl_documentation.pptx
+++ b/etl_documentation.pptx
@@ -2,13 +2,20 @@
 <file path=ppt/presentation.xml><?xml version="1.0" encoding="utf-8"?>
 <p:presentation xmlns:a="http://schemas.openxmlformats.org/drawingml/2006/main" xmlns:r="http://schemas.openxmlformats.org/officeDocument/2006/relationships" xmlns:p="http://schemas.openxmlformats.org/presentationml/2006/main" saveSubsetFonts="1">
   <p:sldMasterIdLst>
-    <p:sldMasterId id="2147483648" r:id="rId1"/>
+    <p:sldMasterId id="2147483811" r:id="rId1"/>
   </p:sldMasterIdLst>
+  <p:notesMasterIdLst>
+    <p:notesMasterId r:id="rId10"/>
+  </p:notesMasterIdLst>
   <p:sldIdLst>
     <p:sldId id="256" r:id="rId2"/>
-    <p:sldId id="257" r:id="rId3"/>
-    <p:sldId id="258" r:id="rId4"/>
-    <p:sldId id="259" r:id="rId5"/>
+    <p:sldId id="261" r:id="rId3"/>
+    <p:sldId id="263" r:id="rId4"/>
+    <p:sldId id="264" r:id="rId5"/>
+    <p:sldId id="265" r:id="rId6"/>
+    <p:sldId id="266" r:id="rId7"/>
+    <p:sldId id="267" r:id="rId8"/>
+    <p:sldId id="268" r:id="rId9"/>
   </p:sldIdLst>
   <p:sldSz cx="12192000" cy="6858000"/>
   <p:notesSz cx="6858000" cy="9144000"/>
@@ -16,7 +23,7 @@
     <a:defPPr>
       <a:defRPr lang="en-US"/>
     </a:defPPr>
-    <a:lvl1pPr marL="0" algn="l" defTabSz="914400" rtl="0" eaLnBrk="1" latinLnBrk="0" hangingPunct="1">
+    <a:lvl1pPr marL="0" algn="l" defTabSz="457200" rtl="0" eaLnBrk="1" latinLnBrk="0" hangingPunct="1">
       <a:defRPr sz="1800" kern="1200">
         <a:solidFill>
           <a:schemeClr val="tx1"/>
@@ -26,7 +33,7 @@
         <a:cs typeface="+mn-cs"/>
       </a:defRPr>
     </a:lvl1pPr>
-    <a:lvl2pPr marL="457200" algn="l" defTabSz="914400" rtl="0" eaLnBrk="1" latinLnBrk="0" hangingPunct="1">
+    <a:lvl2pPr marL="457200" algn="l" defTabSz="457200" rtl="0" eaLnBrk="1" latinLnBrk="0" hangingPunct="1">
       <a:defRPr sz="1800" kern="1200">
         <a:solidFill>
           <a:schemeClr val="tx1"/>
@@ -36,7 +43,7 @@
         <a:cs typeface="+mn-cs"/>
       </a:defRPr>
     </a:lvl2pPr>
-    <a:lvl3pPr marL="914400" algn="l" defTabSz="914400" rtl="0" eaLnBrk="1" latinLnBrk="0" hangingPunct="1">
+    <a:lvl3pPr marL="914400" algn="l" defTabSz="457200" rtl="0" eaLnBrk="1" latinLnBrk="0" hangingPunct="1">
       <a:defRPr sz="1800" kern="1200">
         <a:solidFill>
           <a:schemeClr val="tx1"/>
@@ -46,7 +53,7 @@
         <a:cs typeface="+mn-cs"/>
       </a:defRPr>
     </a:lvl3pPr>
-    <a:lvl4pPr marL="1371600" algn="l" defTabSz="914400" rtl="0" eaLnBrk="1" latinLnBrk="0" hangingPunct="1">
+    <a:lvl4pPr marL="1371600" algn="l" defTabSz="457200" rtl="0" eaLnBrk="1" latinLnBrk="0" hangingPunct="1">
       <a:defRPr sz="1800" kern="1200">
         <a:solidFill>
           <a:schemeClr val="tx1"/>
@@ -56,7 +63,7 @@
         <a:cs typeface="+mn-cs"/>
       </a:defRPr>
     </a:lvl4pPr>
-    <a:lvl5pPr marL="1828800" algn="l" defTabSz="914400" rtl="0" eaLnBrk="1" latinLnBrk="0" hangingPunct="1">
+    <a:lvl5pPr marL="1828800" algn="l" defTabSz="457200" rtl="0" eaLnBrk="1" latinLnBrk="0" hangingPunct="1">
       <a:defRPr sz="1800" kern="1200">
         <a:solidFill>
           <a:schemeClr val="tx1"/>
@@ -66,7 +73,7 @@
         <a:cs typeface="+mn-cs"/>
       </a:defRPr>
     </a:lvl5pPr>
-    <a:lvl6pPr marL="2286000" algn="l" defTabSz="914400" rtl="0" eaLnBrk="1" latinLnBrk="0" hangingPunct="1">
+    <a:lvl6pPr marL="2286000" algn="l" defTabSz="457200" rtl="0" eaLnBrk="1" latinLnBrk="0" hangingPunct="1">
       <a:defRPr sz="1800" kern="1200">
         <a:solidFill>
           <a:schemeClr val="tx1"/>
@@ -76,7 +83,7 @@
         <a:cs typeface="+mn-cs"/>
       </a:defRPr>
     </a:lvl6pPr>
-    <a:lvl7pPr marL="2743200" algn="l" defTabSz="914400" rtl="0" eaLnBrk="1" latinLnBrk="0" hangingPunct="1">
+    <a:lvl7pPr marL="2743200" algn="l" defTabSz="457200" rtl="0" eaLnBrk="1" latinLnBrk="0" hangingPunct="1">
       <a:defRPr sz="1800" kern="1200">
         <a:solidFill>
           <a:schemeClr val="tx1"/>
@@ -86,7 +93,7 @@
         <a:cs typeface="+mn-cs"/>
       </a:defRPr>
     </a:lvl7pPr>
-    <a:lvl8pPr marL="3200400" algn="l" defTabSz="914400" rtl="0" eaLnBrk="1" latinLnBrk="0" hangingPunct="1">
+    <a:lvl8pPr marL="3200400" algn="l" defTabSz="457200" rtl="0" eaLnBrk="1" latinLnBrk="0" hangingPunct="1">
       <a:defRPr sz="1800" kern="1200">
         <a:solidFill>
           <a:schemeClr val="tx1"/>
@@ -96,7 +103,7 @@
         <a:cs typeface="+mn-cs"/>
       </a:defRPr>
     </a:lvl8pPr>
-    <a:lvl9pPr marL="3657600" algn="l" defTabSz="914400" rtl="0" eaLnBrk="1" latinLnBrk="0" hangingPunct="1">
+    <a:lvl9pPr marL="3657600" algn="l" defTabSz="457200" rtl="0" eaLnBrk="1" latinLnBrk="0" hangingPunct="1">
       <a:defRPr sz="1800" kern="1200">
         <a:solidFill>
           <a:schemeClr val="tx1"/>
@@ -107,11 +114,365 @@
       </a:defRPr>
     </a:lvl9pPr>
   </p:defaultTextStyle>
+  <p:extLst>
+    <p:ext uri="{EFAFB233-063F-42B5-8137-9DF3F51BA10A}">
+      <p15:sldGuideLst xmlns:p15="http://schemas.microsoft.com/office/powerpoint/2012/main"/>
+    </p:ext>
+  </p:extLst>
 </p:presentation>
 </file>
 
+<file path=ppt/notesMasters/notesMaster1.xml><?xml version="1.0" encoding="utf-8"?>
+<p:notesMaster xmlns:a="http://schemas.openxmlformats.org/drawingml/2006/main" xmlns:r="http://schemas.openxmlformats.org/officeDocument/2006/relationships" xmlns:p="http://schemas.openxmlformats.org/presentationml/2006/main">
+  <p:cSld>
+    <p:bg>
+      <p:bgRef idx="1001">
+        <a:schemeClr val="bg1"/>
+      </p:bgRef>
+    </p:bg>
+    <p:spTree>
+      <p:nvGrpSpPr>
+        <p:cNvPr id="1" name=""/>
+        <p:cNvGrpSpPr/>
+        <p:nvPr/>
+      </p:nvGrpSpPr>
+      <p:grpSpPr>
+        <a:xfrm>
+          <a:off x="0" y="0"/>
+          <a:ext cx="0" cy="0"/>
+          <a:chOff x="0" y="0"/>
+          <a:chExt cx="0" cy="0"/>
+        </a:xfrm>
+      </p:grpSpPr>
+      <p:sp>
+        <p:nvSpPr>
+          <p:cNvPr id="2" name="Header Placeholder 1"/>
+          <p:cNvSpPr>
+            <a:spLocks noGrp="1"/>
+          </p:cNvSpPr>
+          <p:nvPr>
+            <p:ph type="hdr" sz="quarter"/>
+          </p:nvPr>
+        </p:nvSpPr>
+        <p:spPr>
+          <a:xfrm>
+            <a:off x="0" y="0"/>
+            <a:ext cx="2971800" cy="458788"/>
+          </a:xfrm>
+          <a:prstGeom prst="rect">
+            <a:avLst/>
+          </a:prstGeom>
+        </p:spPr>
+        <p:txBody>
+          <a:bodyPr vert="horz" lIns="91440" tIns="45720" rIns="91440" bIns="45720" rtlCol="0"/>
+          <a:lstStyle>
+            <a:lvl1pPr algn="l">
+              <a:defRPr sz="1200"/>
+            </a:lvl1pPr>
+          </a:lstStyle>
+          <a:p>
+            <a:endParaRPr lang="en-US"/>
+          </a:p>
+        </p:txBody>
+      </p:sp>
+      <p:sp>
+        <p:nvSpPr>
+          <p:cNvPr id="3" name="Date Placeholder 2"/>
+          <p:cNvSpPr>
+            <a:spLocks noGrp="1"/>
+          </p:cNvSpPr>
+          <p:nvPr>
+            <p:ph type="dt" idx="1"/>
+          </p:nvPr>
+        </p:nvSpPr>
+        <p:spPr>
+          <a:xfrm>
+            <a:off x="3884613" y="0"/>
+            <a:ext cx="2971800" cy="458788"/>
+          </a:xfrm>
+          <a:prstGeom prst="rect">
+            <a:avLst/>
+          </a:prstGeom>
+        </p:spPr>
+        <p:txBody>
+          <a:bodyPr vert="horz" lIns="91440" tIns="45720" rIns="91440" bIns="45720" rtlCol="0"/>
+          <a:lstStyle>
+            <a:lvl1pPr algn="r">
+              <a:defRPr sz="1200"/>
+            </a:lvl1pPr>
+          </a:lstStyle>
+          <a:p>
+            <a:fld id="{D79CABEE-9EF7-42D2-A46F-823E087757C8}" type="datetimeFigureOut">
+              <a:rPr lang="en-US" smtClean="0"/>
+              <a:t>3/3/2019</a:t>
+            </a:fld>
+            <a:endParaRPr lang="en-US"/>
+          </a:p>
+        </p:txBody>
+      </p:sp>
+      <p:sp>
+        <p:nvSpPr>
+          <p:cNvPr id="4" name="Slide Image Placeholder 3"/>
+          <p:cNvSpPr>
+            <a:spLocks noGrp="1" noRot="1" noChangeAspect="1"/>
+          </p:cNvSpPr>
+          <p:nvPr>
+            <p:ph type="sldImg" idx="2"/>
+          </p:nvPr>
+        </p:nvSpPr>
+        <p:spPr>
+          <a:xfrm>
+            <a:off x="685800" y="1143000"/>
+            <a:ext cx="5486400" cy="3086100"/>
+          </a:xfrm>
+          <a:prstGeom prst="rect">
+            <a:avLst/>
+          </a:prstGeom>
+          <a:noFill/>
+          <a:ln w="12700">
+            <a:solidFill>
+              <a:prstClr val="black"/>
+            </a:solidFill>
+          </a:ln>
+        </p:spPr>
+        <p:txBody>
+          <a:bodyPr vert="horz" lIns="91440" tIns="45720" rIns="91440" bIns="45720" rtlCol="0" anchor="ctr"/>
+          <a:lstStyle/>
+          <a:p>
+            <a:endParaRPr lang="en-US"/>
+          </a:p>
+        </p:txBody>
+      </p:sp>
+      <p:sp>
+        <p:nvSpPr>
+          <p:cNvPr id="5" name="Notes Placeholder 4"/>
+          <p:cNvSpPr>
+            <a:spLocks noGrp="1"/>
+          </p:cNvSpPr>
+          <p:nvPr>
+            <p:ph type="body" sz="quarter" idx="3"/>
+          </p:nvPr>
+        </p:nvSpPr>
+        <p:spPr>
+          <a:xfrm>
+            <a:off x="685800" y="4400550"/>
+            <a:ext cx="5486400" cy="3600450"/>
+          </a:xfrm>
+          <a:prstGeom prst="rect">
+            <a:avLst/>
+          </a:prstGeom>
+        </p:spPr>
+        <p:txBody>
+          <a:bodyPr vert="horz" lIns="91440" tIns="45720" rIns="91440" bIns="45720" rtlCol="0"/>
+          <a:lstStyle/>
+          <a:p>
+            <a:pPr lvl="0"/>
+            <a:r>
+              <a:rPr lang="en-US"/>
+              <a:t>Edit Master text styles</a:t>
+            </a:r>
+          </a:p>
+          <a:p>
+            <a:pPr lvl="1"/>
+            <a:r>
+              <a:rPr lang="en-US"/>
+              <a:t>Second level</a:t>
+            </a:r>
+          </a:p>
+          <a:p>
+            <a:pPr lvl="2"/>
+            <a:r>
+              <a:rPr lang="en-US"/>
+              <a:t>Third level</a:t>
+            </a:r>
+          </a:p>
+          <a:p>
+            <a:pPr lvl="3"/>
+            <a:r>
+              <a:rPr lang="en-US"/>
+              <a:t>Fourth level</a:t>
+            </a:r>
+          </a:p>
+          <a:p>
+            <a:pPr lvl="4"/>
+            <a:r>
+              <a:rPr lang="en-US"/>
+              <a:t>Fifth level</a:t>
+            </a:r>
+          </a:p>
+        </p:txBody>
+      </p:sp>
+      <p:sp>
+        <p:nvSpPr>
+          <p:cNvPr id="6" name="Footer Placeholder 5"/>
+          <p:cNvSpPr>
+            <a:spLocks noGrp="1"/>
+          </p:cNvSpPr>
+          <p:nvPr>
+            <p:ph type="ftr" sz="quarter" idx="4"/>
+          </p:nvPr>
+        </p:nvSpPr>
+        <p:spPr>
+          <a:xfrm>
+            <a:off x="0" y="8685213"/>
+            <a:ext cx="2971800" cy="458787"/>
+          </a:xfrm>
+          <a:prstGeom prst="rect">
+            <a:avLst/>
+          </a:prstGeom>
+        </p:spPr>
+        <p:txBody>
+          <a:bodyPr vert="horz" lIns="91440" tIns="45720" rIns="91440" bIns="45720" rtlCol="0" anchor="b"/>
+          <a:lstStyle>
+            <a:lvl1pPr algn="l">
+              <a:defRPr sz="1200"/>
+            </a:lvl1pPr>
+          </a:lstStyle>
+          <a:p>
+            <a:endParaRPr lang="en-US"/>
+          </a:p>
+        </p:txBody>
+      </p:sp>
+      <p:sp>
+        <p:nvSpPr>
+          <p:cNvPr id="7" name="Slide Number Placeholder 6"/>
+          <p:cNvSpPr>
+            <a:spLocks noGrp="1"/>
+          </p:cNvSpPr>
+          <p:nvPr>
+            <p:ph type="sldNum" sz="quarter" idx="5"/>
+          </p:nvPr>
+        </p:nvSpPr>
+        <p:spPr>
+          <a:xfrm>
+            <a:off x="3884613" y="8685213"/>
+            <a:ext cx="2971800" cy="458787"/>
+          </a:xfrm>
+          <a:prstGeom prst="rect">
+            <a:avLst/>
+          </a:prstGeom>
+        </p:spPr>
+        <p:txBody>
+          <a:bodyPr vert="horz" lIns="91440" tIns="45720" rIns="91440" bIns="45720" rtlCol="0" anchor="b"/>
+          <a:lstStyle>
+            <a:lvl1pPr algn="r">
+              <a:defRPr sz="1200"/>
+            </a:lvl1pPr>
+          </a:lstStyle>
+          <a:p>
+            <a:fld id="{10D3E8B1-D6E5-48CD-AE85-10131E770859}" type="slidenum">
+              <a:rPr lang="en-US" smtClean="0"/>
+              <a:t>‹#›</a:t>
+            </a:fld>
+            <a:endParaRPr lang="en-US"/>
+          </a:p>
+        </p:txBody>
+      </p:sp>
+    </p:spTree>
+    <p:extLst>
+      <p:ext uri="{BB962C8B-B14F-4D97-AF65-F5344CB8AC3E}">
+        <p14:creationId xmlns:p14="http://schemas.microsoft.com/office/powerpoint/2010/main" val="2401847194"/>
+      </p:ext>
+    </p:extLst>
+  </p:cSld>
+  <p:clrMap bg1="lt1" tx1="dk1" bg2="lt2" tx2="dk2" accent1="accent1" accent2="accent2" accent3="accent3" accent4="accent4" accent5="accent5" accent6="accent6" hlink="hlink" folHlink="folHlink"/>
+  <p:notesStyle>
+    <a:lvl1pPr marL="0" algn="l" defTabSz="914400" rtl="0" eaLnBrk="1" latinLnBrk="0" hangingPunct="1">
+      <a:defRPr sz="1200" kern="1200">
+        <a:solidFill>
+          <a:schemeClr val="tx1"/>
+        </a:solidFill>
+        <a:latin typeface="+mn-lt"/>
+        <a:ea typeface="+mn-ea"/>
+        <a:cs typeface="+mn-cs"/>
+      </a:defRPr>
+    </a:lvl1pPr>
+    <a:lvl2pPr marL="457200" algn="l" defTabSz="914400" rtl="0" eaLnBrk="1" latinLnBrk="0" hangingPunct="1">
+      <a:defRPr sz="1200" kern="1200">
+        <a:solidFill>
+          <a:schemeClr val="tx1"/>
+        </a:solidFill>
+        <a:latin typeface="+mn-lt"/>
+        <a:ea typeface="+mn-ea"/>
+        <a:cs typeface="+mn-cs"/>
+      </a:defRPr>
+    </a:lvl2pPr>
+    <a:lvl3pPr marL="914400" algn="l" defTabSz="914400" rtl="0" eaLnBrk="1" latinLnBrk="0" hangingPunct="1">
+      <a:defRPr sz="1200" kern="1200">
+        <a:solidFill>
+          <a:schemeClr val="tx1"/>
+        </a:solidFill>
+        <a:latin typeface="+mn-lt"/>
+        <a:ea typeface="+mn-ea"/>
+        <a:cs typeface="+mn-cs"/>
+      </a:defRPr>
+    </a:lvl3pPr>
+    <a:lvl4pPr marL="1371600" algn="l" defTabSz="914400" rtl="0" eaLnBrk="1" latinLnBrk="0" hangingPunct="1">
+      <a:defRPr sz="1200" kern="1200">
+        <a:solidFill>
+          <a:schemeClr val="tx1"/>
+        </a:solidFill>
+        <a:latin typeface="+mn-lt"/>
+        <a:ea typeface="+mn-ea"/>
+        <a:cs typeface="+mn-cs"/>
+      </a:defRPr>
+    </a:lvl4pPr>
+    <a:lvl5pPr marL="1828800" algn="l" defTabSz="914400" rtl="0" eaLnBrk="1" latinLnBrk="0" hangingPunct="1">
+      <a:defRPr sz="1200" kern="1200">
+        <a:solidFill>
+          <a:schemeClr val="tx1"/>
+        </a:solidFill>
+        <a:latin typeface="+mn-lt"/>
+        <a:ea typeface="+mn-ea"/>
+        <a:cs typeface="+mn-cs"/>
+      </a:defRPr>
+    </a:lvl5pPr>
+    <a:lvl6pPr marL="2286000" algn="l" defTabSz="914400" rtl="0" eaLnBrk="1" latinLnBrk="0" hangingPunct="1">
+      <a:defRPr sz="1200" kern="1200">
+        <a:solidFill>
+          <a:schemeClr val="tx1"/>
+        </a:solidFill>
+        <a:latin typeface="+mn-lt"/>
+        <a:ea typeface="+mn-ea"/>
+        <a:cs typeface="+mn-cs"/>
+      </a:defRPr>
+    </a:lvl6pPr>
+    <a:lvl7pPr marL="2743200" algn="l" defTabSz="914400" rtl="0" eaLnBrk="1" latinLnBrk="0" hangingPunct="1">
+      <a:defRPr sz="1200" kern="1200">
+        <a:solidFill>
+          <a:schemeClr val="tx1"/>
+        </a:solidFill>
+        <a:latin typeface="+mn-lt"/>
+        <a:ea typeface="+mn-ea"/>
+        <a:cs typeface="+mn-cs"/>
+      </a:defRPr>
+    </a:lvl7pPr>
+    <a:lvl8pPr marL="3200400" algn="l" defTabSz="914400" rtl="0" eaLnBrk="1" latinLnBrk="0" hangingPunct="1">
+      <a:defRPr sz="1200" kern="1200">
+        <a:solidFill>
+          <a:schemeClr val="tx1"/>
+        </a:solidFill>
+        <a:latin typeface="+mn-lt"/>
+        <a:ea typeface="+mn-ea"/>
+        <a:cs typeface="+mn-cs"/>
+      </a:defRPr>
+    </a:lvl8pPr>
+    <a:lvl9pPr marL="3657600" algn="l" defTabSz="914400" rtl="0" eaLnBrk="1" latinLnBrk="0" hangingPunct="1">
+      <a:defRPr sz="1200" kern="1200">
+        <a:solidFill>
+          <a:schemeClr val="tx1"/>
+        </a:solidFill>
+        <a:latin typeface="+mn-lt"/>
+        <a:ea typeface="+mn-ea"/>
+        <a:cs typeface="+mn-cs"/>
+      </a:defRPr>
+    </a:lvl9pPr>
+  </p:notesStyle>
+</p:notesMaster>
+</file>
+
 <file path=ppt/slideLayouts/slideLayout1.xml><?xml version="1.0" encoding="utf-8"?>
-<p:sldLayout xmlns:a="http://schemas.openxmlformats.org/drawingml/2006/main" xmlns:r="http://schemas.openxmlformats.org/officeDocument/2006/relationships" xmlns:p="http://schemas.openxmlformats.org/presentationml/2006/main" type="title" preserve="1">
+<p:sldLayout xmlns:a="http://schemas.openxmlformats.org/drawingml/2006/main" xmlns:r="http://schemas.openxmlformats.org/officeDocument/2006/relationships" xmlns:p="http://schemas.openxmlformats.org/presentationml/2006/main" showMasterSp="0" type="title" preserve="1">
   <p:cSld name="Title Slide">
     <p:spTree>
       <p:nvGrpSpPr>
@@ -129,31 +490,113 @@
       </p:grpSpPr>
       <p:sp>
         <p:nvSpPr>
-          <p:cNvPr id="2" name="Title 1">
-            <a:extLst>
-              <a:ext uri="{FF2B5EF4-FFF2-40B4-BE49-F238E27FC236}">
-                <a16:creationId xmlns:a16="http://schemas.microsoft.com/office/drawing/2014/main" id="{4D568B52-80E7-4747-914E-E0018F0785D0}"/>
-              </a:ext>
-            </a:extLst>
-          </p:cNvPr>
-          <p:cNvSpPr>
-            <a:spLocks noGrp="1"/>
-          </p:cNvSpPr>
-          <p:nvPr>
-            <p:ph type="ctrTitle"/>
-          </p:nvPr>
+          <p:cNvPr id="7" name="Rectangle 6"/>
+          <p:cNvSpPr/>
+          <p:nvPr/>
         </p:nvSpPr>
         <p:spPr>
           <a:xfrm>
-            <a:off x="1524000" y="1122363"/>
-            <a:ext cx="9144000" cy="2387600"/>
+            <a:off x="3175" y="6400800"/>
+            <a:ext cx="12188825" cy="457200"/>
+          </a:xfrm>
+          <a:prstGeom prst="rect">
+            <a:avLst/>
+          </a:prstGeom>
+          <a:solidFill>
+            <a:schemeClr val="accent2"/>
+          </a:solidFill>
+          <a:ln>
+            <a:noFill/>
+          </a:ln>
+        </p:spPr>
+        <p:style>
+          <a:lnRef idx="2">
+            <a:schemeClr val="accent1">
+              <a:shade val="50000"/>
+            </a:schemeClr>
+          </a:lnRef>
+          <a:fillRef idx="1">
+            <a:schemeClr val="accent1"/>
+          </a:fillRef>
+          <a:effectRef idx="0">
+            <a:schemeClr val="accent1"/>
+          </a:effectRef>
+          <a:fontRef idx="minor">
+            <a:schemeClr val="lt1"/>
+          </a:fontRef>
+        </p:style>
+      </p:sp>
+      <p:sp>
+        <p:nvSpPr>
+          <p:cNvPr id="8" name="Rectangle 7"/>
+          <p:cNvSpPr/>
+          <p:nvPr/>
+        </p:nvSpPr>
+        <p:spPr>
+          <a:xfrm>
+            <a:off x="15" y="6334316"/>
+            <a:ext cx="12188825" cy="64008"/>
+          </a:xfrm>
+          <a:prstGeom prst="rect">
+            <a:avLst/>
+          </a:prstGeom>
+          <a:solidFill>
+            <a:schemeClr val="accent1"/>
+          </a:solidFill>
+          <a:ln>
+            <a:noFill/>
+          </a:ln>
+        </p:spPr>
+        <p:style>
+          <a:lnRef idx="2">
+            <a:schemeClr val="accent1">
+              <a:shade val="50000"/>
+            </a:schemeClr>
+          </a:lnRef>
+          <a:fillRef idx="1">
+            <a:schemeClr val="accent1"/>
+          </a:fillRef>
+          <a:effectRef idx="0">
+            <a:schemeClr val="accent1"/>
+          </a:effectRef>
+          <a:fontRef idx="minor">
+            <a:schemeClr val="lt1"/>
+          </a:fontRef>
+        </p:style>
+      </p:sp>
+      <p:sp>
+        <p:nvSpPr>
+          <p:cNvPr id="2" name="Title 1"/>
+          <p:cNvSpPr>
+            <a:spLocks noGrp="1"/>
+          </p:cNvSpPr>
+          <p:nvPr>
+            <p:ph type="ctrTitle"/>
+          </p:nvPr>
+        </p:nvSpPr>
+        <p:spPr>
+          <a:xfrm>
+            <a:off x="1097280" y="758952"/>
+            <a:ext cx="10058400" cy="3566160"/>
           </a:xfrm>
         </p:spPr>
         <p:txBody>
-          <a:bodyPr anchor="b"/>
+          <a:bodyPr anchor="b">
+            <a:normAutofit/>
+          </a:bodyPr>
           <a:lstStyle>
-            <a:lvl1pPr algn="ctr">
-              <a:defRPr sz="6000"/>
+            <a:lvl1pPr algn="l">
+              <a:lnSpc>
+                <a:spcPct val="85000"/>
+              </a:lnSpc>
+              <a:defRPr sz="8000" spc="-50" baseline="0">
+                <a:solidFill>
+                  <a:schemeClr val="tx1">
+                    <a:lumMod val="85000"/>
+                    <a:lumOff val="15000"/>
+                  </a:schemeClr>
+                </a:solidFill>
+              </a:defRPr>
             </a:lvl1pPr>
           </a:lstStyle>
           <a:p>
@@ -161,18 +604,13 @@
               <a:rPr lang="en-US"/>
               <a:t>Click to edit Master title style</a:t>
             </a:r>
-          </a:p>
-        </p:txBody>
-      </p:sp>
-      <p:sp>
-        <p:nvSpPr>
-          <p:cNvPr id="3" name="Subtitle 2">
-            <a:extLst>
-              <a:ext uri="{FF2B5EF4-FFF2-40B4-BE49-F238E27FC236}">
-                <a16:creationId xmlns:a16="http://schemas.microsoft.com/office/drawing/2014/main" id="{66D3571A-4815-4DF3-8F58-2173F2B8EFE2}"/>
-              </a:ext>
-            </a:extLst>
-          </p:cNvPr>
+            <a:endParaRPr lang="en-US" dirty="0"/>
+          </a:p>
+        </p:txBody>
+      </p:sp>
+      <p:sp>
+        <p:nvSpPr>
+          <p:cNvPr id="3" name="Subtitle 2"/>
           <p:cNvSpPr>
             <a:spLocks noGrp="1"/>
           </p:cNvSpPr>
@@ -182,48 +620,55 @@
         </p:nvSpPr>
         <p:spPr>
           <a:xfrm>
-            <a:off x="1524000" y="3602038"/>
-            <a:ext cx="9144000" cy="1655762"/>
+            <a:off x="1100051" y="4455620"/>
+            <a:ext cx="10058400" cy="1143000"/>
           </a:xfrm>
         </p:spPr>
         <p:txBody>
-          <a:bodyPr/>
+          <a:bodyPr lIns="91440" rIns="91440">
+            <a:normAutofit/>
+          </a:bodyPr>
           <a:lstStyle>
-            <a:lvl1pPr marL="0" indent="0" algn="ctr">
+            <a:lvl1pPr marL="0" indent="0" algn="l">
               <a:buNone/>
-              <a:defRPr sz="2400"/>
+              <a:defRPr sz="2400" cap="all" spc="200" baseline="0">
+                <a:solidFill>
+                  <a:schemeClr val="tx2"/>
+                </a:solidFill>
+                <a:latin typeface="+mj-lt"/>
+              </a:defRPr>
             </a:lvl1pPr>
             <a:lvl2pPr marL="457200" indent="0" algn="ctr">
               <a:buNone/>
-              <a:defRPr sz="2000"/>
+              <a:defRPr sz="2400"/>
             </a:lvl2pPr>
             <a:lvl3pPr marL="914400" indent="0" algn="ctr">
               <a:buNone/>
-              <a:defRPr sz="1800"/>
+              <a:defRPr sz="2400"/>
             </a:lvl3pPr>
             <a:lvl4pPr marL="1371600" indent="0" algn="ctr">
               <a:buNone/>
-              <a:defRPr sz="1600"/>
+              <a:defRPr sz="2000"/>
             </a:lvl4pPr>
             <a:lvl5pPr marL="1828800" indent="0" algn="ctr">
               <a:buNone/>
-              <a:defRPr sz="1600"/>
+              <a:defRPr sz="2000"/>
             </a:lvl5pPr>
             <a:lvl6pPr marL="2286000" indent="0" algn="ctr">
               <a:buNone/>
-              <a:defRPr sz="1600"/>
+              <a:defRPr sz="2000"/>
             </a:lvl6pPr>
             <a:lvl7pPr marL="2743200" indent="0" algn="ctr">
               <a:buNone/>
-              <a:defRPr sz="1600"/>
+              <a:defRPr sz="2000"/>
             </a:lvl7pPr>
             <a:lvl8pPr marL="3200400" indent="0" algn="ctr">
               <a:buNone/>
-              <a:defRPr sz="1600"/>
+              <a:defRPr sz="2000"/>
             </a:lvl8pPr>
             <a:lvl9pPr marL="3657600" indent="0" algn="ctr">
               <a:buNone/>
-              <a:defRPr sz="1600"/>
+              <a:defRPr sz="2000"/>
             </a:lvl9pPr>
           </a:lstStyle>
           <a:p>
@@ -231,18 +676,13 @@
               <a:rPr lang="en-US"/>
               <a:t>Click to edit Master subtitle style</a:t>
             </a:r>
-          </a:p>
-        </p:txBody>
-      </p:sp>
-      <p:sp>
-        <p:nvSpPr>
-          <p:cNvPr id="4" name="Date Placeholder 3">
-            <a:extLst>
-              <a:ext uri="{FF2B5EF4-FFF2-40B4-BE49-F238E27FC236}">
-                <a16:creationId xmlns:a16="http://schemas.microsoft.com/office/drawing/2014/main" id="{4372287F-0B36-4C6E-BCD6-733310CF71D8}"/>
-              </a:ext>
-            </a:extLst>
-          </p:cNvPr>
+            <a:endParaRPr lang="en-US" dirty="0"/>
+          </a:p>
+        </p:txBody>
+      </p:sp>
+      <p:sp>
+        <p:nvSpPr>
+          <p:cNvPr id="4" name="Date Placeholder 3"/>
           <p:cNvSpPr>
             <a:spLocks noGrp="1"/>
           </p:cNvSpPr>
@@ -255,9 +695,9 @@
           <a:bodyPr/>
           <a:lstStyle/>
           <a:p>
-            <a:fld id="{7348CE42-FEE2-4BBD-BBE7-71C347CEF861}" type="datetimeFigureOut">
+            <a:fld id="{1BA9FA04-916A-417D-AF22-0DADEE94FF05}" type="datetime1">
               <a:rPr lang="en-US" smtClean="0"/>
-              <a:t>2/23/2019</a:t>
+              <a:t>3/3/2019</a:t>
             </a:fld>
             <a:endParaRPr lang="en-US"/>
           </a:p>
@@ -265,13 +705,7 @@
       </p:sp>
       <p:sp>
         <p:nvSpPr>
-          <p:cNvPr id="5" name="Footer Placeholder 4">
-            <a:extLst>
-              <a:ext uri="{FF2B5EF4-FFF2-40B4-BE49-F238E27FC236}">
-                <a16:creationId xmlns:a16="http://schemas.microsoft.com/office/drawing/2014/main" id="{EA6DD41B-71AF-4DD1-A1F8-7067C2D470B9}"/>
-              </a:ext>
-            </a:extLst>
-          </p:cNvPr>
+          <p:cNvPr id="5" name="Footer Placeholder 4"/>
           <p:cNvSpPr>
             <a:spLocks noGrp="1"/>
           </p:cNvSpPr>
@@ -290,13 +724,7 @@
       </p:sp>
       <p:sp>
         <p:nvSpPr>
-          <p:cNvPr id="6" name="Slide Number Placeholder 5">
-            <a:extLst>
-              <a:ext uri="{FF2B5EF4-FFF2-40B4-BE49-F238E27FC236}">
-                <a16:creationId xmlns:a16="http://schemas.microsoft.com/office/drawing/2014/main" id="{6FE07948-8940-4BF0-B730-9D1DA99461CF}"/>
-              </a:ext>
-            </a:extLst>
-          </p:cNvPr>
+          <p:cNvPr id="6" name="Slide Number Placeholder 5"/>
           <p:cNvSpPr>
             <a:spLocks noGrp="1"/>
           </p:cNvSpPr>
@@ -317,16 +745,59 @@
           </a:p>
         </p:txBody>
       </p:sp>
+      <p:cxnSp>
+        <p:nvCxnSpPr>
+          <p:cNvPr id="9" name="Straight Connector 8"/>
+          <p:cNvCxnSpPr/>
+          <p:nvPr/>
+        </p:nvCxnSpPr>
+        <p:spPr>
+          <a:xfrm>
+            <a:off x="1207658" y="4343400"/>
+            <a:ext cx="9875520" cy="0"/>
+          </a:xfrm>
+          <a:prstGeom prst="line">
+            <a:avLst/>
+          </a:prstGeom>
+          <a:ln w="6350">
+            <a:solidFill>
+              <a:schemeClr val="tx1">
+                <a:lumMod val="50000"/>
+                <a:lumOff val="50000"/>
+              </a:schemeClr>
+            </a:solidFill>
+          </a:ln>
+        </p:spPr>
+        <p:style>
+          <a:lnRef idx="1">
+            <a:schemeClr val="accent1"/>
+          </a:lnRef>
+          <a:fillRef idx="0">
+            <a:schemeClr val="accent1"/>
+          </a:fillRef>
+          <a:effectRef idx="0">
+            <a:schemeClr val="accent1"/>
+          </a:effectRef>
+          <a:fontRef idx="minor">
+            <a:schemeClr val="tx1"/>
+          </a:fontRef>
+        </p:style>
+      </p:cxnSp>
     </p:spTree>
     <p:extLst>
       <p:ext uri="{BB962C8B-B14F-4D97-AF65-F5344CB8AC3E}">
-        <p14:creationId xmlns:p14="http://schemas.microsoft.com/office/powerpoint/2010/main" val="2528873933"/>
+        <p14:creationId xmlns:p14="http://schemas.microsoft.com/office/powerpoint/2010/main" val="3683413794"/>
       </p:ext>
     </p:extLst>
   </p:cSld>
   <p:clrMapOvr>
     <a:masterClrMapping/>
   </p:clrMapOvr>
+  <p:extLst>
+    <p:ext uri="{DCECCB84-F9BA-43D5-87BE-67443E8EF086}">
+      <p15:sldGuideLst xmlns:p15="http://schemas.microsoft.com/office/powerpoint/2012/main"/>
+    </p:ext>
+  </p:extLst>
 </p:sldLayout>
 </file>
 
@@ -349,13 +820,7 @@
       </p:grpSpPr>
       <p:sp>
         <p:nvSpPr>
-          <p:cNvPr id="2" name="Title 1">
-            <a:extLst>
-              <a:ext uri="{FF2B5EF4-FFF2-40B4-BE49-F238E27FC236}">
-                <a16:creationId xmlns:a16="http://schemas.microsoft.com/office/drawing/2014/main" id="{92D22D7A-79E1-4033-87F2-DA6BAC33F006}"/>
-              </a:ext>
-            </a:extLst>
-          </p:cNvPr>
+          <p:cNvPr id="2" name="Title 1"/>
           <p:cNvSpPr>
             <a:spLocks noGrp="1"/>
           </p:cNvSpPr>
@@ -372,18 +837,13 @@
               <a:rPr lang="en-US"/>
               <a:t>Click to edit Master title style</a:t>
             </a:r>
-          </a:p>
-        </p:txBody>
-      </p:sp>
-      <p:sp>
-        <p:nvSpPr>
-          <p:cNvPr id="3" name="Vertical Text Placeholder 2">
-            <a:extLst>
-              <a:ext uri="{FF2B5EF4-FFF2-40B4-BE49-F238E27FC236}">
-                <a16:creationId xmlns:a16="http://schemas.microsoft.com/office/drawing/2014/main" id="{6988D274-EB23-4F32-8E6A-FDF84E880AB3}"/>
-              </a:ext>
-            </a:extLst>
-          </p:cNvPr>
+            <a:endParaRPr lang="en-US" dirty="0"/>
+          </a:p>
+        </p:txBody>
+      </p:sp>
+      <p:sp>
+        <p:nvSpPr>
+          <p:cNvPr id="3" name="Vertical Text Placeholder 2"/>
           <p:cNvSpPr>
             <a:spLocks noGrp="1"/>
           </p:cNvSpPr>
@@ -393,7 +853,7 @@
         </p:nvSpPr>
         <p:spPr/>
         <p:txBody>
-          <a:bodyPr vert="eaVert"/>
+          <a:bodyPr vert="eaVert" lIns="45720" tIns="0" rIns="45720" bIns="0"/>
           <a:lstStyle/>
           <a:p>
             <a:pPr lvl="0"/>
@@ -429,18 +889,13 @@
               <a:rPr lang="en-US"/>
               <a:t>Fifth level</a:t>
             </a:r>
-          </a:p>
-        </p:txBody>
-      </p:sp>
-      <p:sp>
-        <p:nvSpPr>
-          <p:cNvPr id="4" name="Date Placeholder 3">
-            <a:extLst>
-              <a:ext uri="{FF2B5EF4-FFF2-40B4-BE49-F238E27FC236}">
-                <a16:creationId xmlns:a16="http://schemas.microsoft.com/office/drawing/2014/main" id="{4272A636-2A77-4420-892E-454233F6CF7A}"/>
-              </a:ext>
-            </a:extLst>
-          </p:cNvPr>
+            <a:endParaRPr lang="en-US" dirty="0"/>
+          </a:p>
+        </p:txBody>
+      </p:sp>
+      <p:sp>
+        <p:nvSpPr>
+          <p:cNvPr id="4" name="Date Placeholder 3"/>
           <p:cNvSpPr>
             <a:spLocks noGrp="1"/>
           </p:cNvSpPr>
@@ -453,9 +908,9 @@
           <a:bodyPr/>
           <a:lstStyle/>
           <a:p>
-            <a:fld id="{7348CE42-FEE2-4BBD-BBE7-71C347CEF861}" type="datetimeFigureOut">
+            <a:fld id="{52FBA88F-997A-4766-9C8A-9AE7CB3BBABF}" type="datetime1">
               <a:rPr lang="en-US" smtClean="0"/>
-              <a:t>2/23/2019</a:t>
+              <a:t>3/3/2019</a:t>
             </a:fld>
             <a:endParaRPr lang="en-US"/>
           </a:p>
@@ -463,13 +918,7 @@
       </p:sp>
       <p:sp>
         <p:nvSpPr>
-          <p:cNvPr id="5" name="Footer Placeholder 4">
-            <a:extLst>
-              <a:ext uri="{FF2B5EF4-FFF2-40B4-BE49-F238E27FC236}">
-                <a16:creationId xmlns:a16="http://schemas.microsoft.com/office/drawing/2014/main" id="{5613D2B2-C39C-48E8-A46B-076E5786A2FD}"/>
-              </a:ext>
-            </a:extLst>
-          </p:cNvPr>
+          <p:cNvPr id="5" name="Footer Placeholder 4"/>
           <p:cNvSpPr>
             <a:spLocks noGrp="1"/>
           </p:cNvSpPr>
@@ -488,13 +937,7 @@
       </p:sp>
       <p:sp>
         <p:nvSpPr>
-          <p:cNvPr id="6" name="Slide Number Placeholder 5">
-            <a:extLst>
-              <a:ext uri="{FF2B5EF4-FFF2-40B4-BE49-F238E27FC236}">
-                <a16:creationId xmlns:a16="http://schemas.microsoft.com/office/drawing/2014/main" id="{041525C4-69A5-475D-9D15-6154D62DBC17}"/>
-              </a:ext>
-            </a:extLst>
-          </p:cNvPr>
+          <p:cNvPr id="6" name="Slide Number Placeholder 5"/>
           <p:cNvSpPr>
             <a:spLocks noGrp="1"/>
           </p:cNvSpPr>
@@ -518,7 +961,7 @@
     </p:spTree>
     <p:extLst>
       <p:ext uri="{BB962C8B-B14F-4D97-AF65-F5344CB8AC3E}">
-        <p14:creationId xmlns:p14="http://schemas.microsoft.com/office/powerpoint/2010/main" val="2357271129"/>
+        <p14:creationId xmlns:p14="http://schemas.microsoft.com/office/powerpoint/2010/main" val="544276530"/>
       </p:ext>
     </p:extLst>
   </p:cSld>
@@ -529,7 +972,7 @@
 </file>
 
 <file path=ppt/slideLayouts/slideLayout11.xml><?xml version="1.0" encoding="utf-8"?>
-<p:sldLayout xmlns:a="http://schemas.openxmlformats.org/drawingml/2006/main" xmlns:r="http://schemas.openxmlformats.org/officeDocument/2006/relationships" xmlns:p="http://schemas.openxmlformats.org/presentationml/2006/main" type="vertTitleAndTx" preserve="1">
+<p:sldLayout xmlns:a="http://schemas.openxmlformats.org/drawingml/2006/main" xmlns:r="http://schemas.openxmlformats.org/officeDocument/2006/relationships" xmlns:p="http://schemas.openxmlformats.org/presentationml/2006/main" showMasterSp="0" type="vertTitleAndTx" preserve="1">
   <p:cSld name="Vertical Title and Text">
     <p:spTree>
       <p:nvGrpSpPr>
@@ -547,24 +990,94 @@
       </p:grpSpPr>
       <p:sp>
         <p:nvSpPr>
-          <p:cNvPr id="2" name="Vertical Title 1">
-            <a:extLst>
-              <a:ext uri="{FF2B5EF4-FFF2-40B4-BE49-F238E27FC236}">
-                <a16:creationId xmlns:a16="http://schemas.microsoft.com/office/drawing/2014/main" id="{45089042-16D5-4113-BFA0-9C2BA5E9D6BD}"/>
-              </a:ext>
-            </a:extLst>
-          </p:cNvPr>
-          <p:cNvSpPr>
-            <a:spLocks noGrp="1"/>
-          </p:cNvSpPr>
-          <p:nvPr>
-            <p:ph type="title" orient="vert"/>
-          </p:nvPr>
+          <p:cNvPr id="7" name="Rectangle 6"/>
+          <p:cNvSpPr/>
+          <p:nvPr/>
         </p:nvSpPr>
         <p:spPr>
           <a:xfrm>
-            <a:off x="8724900" y="365125"/>
-            <a:ext cx="2628900" cy="5811838"/>
+            <a:off x="3175" y="6400800"/>
+            <a:ext cx="12188825" cy="457200"/>
+          </a:xfrm>
+          <a:prstGeom prst="rect">
+            <a:avLst/>
+          </a:prstGeom>
+          <a:solidFill>
+            <a:schemeClr val="accent2"/>
+          </a:solidFill>
+          <a:ln>
+            <a:noFill/>
+          </a:ln>
+        </p:spPr>
+        <p:style>
+          <a:lnRef idx="2">
+            <a:schemeClr val="accent1">
+              <a:shade val="50000"/>
+            </a:schemeClr>
+          </a:lnRef>
+          <a:fillRef idx="1">
+            <a:schemeClr val="accent1"/>
+          </a:fillRef>
+          <a:effectRef idx="0">
+            <a:schemeClr val="accent1"/>
+          </a:effectRef>
+          <a:fontRef idx="minor">
+            <a:schemeClr val="lt1"/>
+          </a:fontRef>
+        </p:style>
+      </p:sp>
+      <p:sp>
+        <p:nvSpPr>
+          <p:cNvPr id="8" name="Rectangle 7"/>
+          <p:cNvSpPr/>
+          <p:nvPr/>
+        </p:nvSpPr>
+        <p:spPr>
+          <a:xfrm>
+            <a:off x="15" y="6334316"/>
+            <a:ext cx="12188825" cy="64008"/>
+          </a:xfrm>
+          <a:prstGeom prst="rect">
+            <a:avLst/>
+          </a:prstGeom>
+          <a:solidFill>
+            <a:schemeClr val="accent1"/>
+          </a:solidFill>
+          <a:ln>
+            <a:noFill/>
+          </a:ln>
+        </p:spPr>
+        <p:style>
+          <a:lnRef idx="2">
+            <a:schemeClr val="accent1">
+              <a:shade val="50000"/>
+            </a:schemeClr>
+          </a:lnRef>
+          <a:fillRef idx="1">
+            <a:schemeClr val="accent1"/>
+          </a:fillRef>
+          <a:effectRef idx="0">
+            <a:schemeClr val="accent1"/>
+          </a:effectRef>
+          <a:fontRef idx="minor">
+            <a:schemeClr val="lt1"/>
+          </a:fontRef>
+        </p:style>
+      </p:sp>
+      <p:sp>
+        <p:nvSpPr>
+          <p:cNvPr id="2" name="Vertical Title 1"/>
+          <p:cNvSpPr>
+            <a:spLocks noGrp="1"/>
+          </p:cNvSpPr>
+          <p:nvPr>
+            <p:ph type="title" orient="vert"/>
+          </p:nvPr>
+        </p:nvSpPr>
+        <p:spPr>
+          <a:xfrm>
+            <a:off x="8724900" y="414778"/>
+            <a:ext cx="2628900" cy="5757421"/>
           </a:xfrm>
         </p:spPr>
         <p:txBody>
@@ -575,18 +1088,13 @@
               <a:rPr lang="en-US"/>
               <a:t>Click to edit Master title style</a:t>
             </a:r>
-          </a:p>
-        </p:txBody>
-      </p:sp>
-      <p:sp>
-        <p:nvSpPr>
-          <p:cNvPr id="3" name="Vertical Text Placeholder 2">
-            <a:extLst>
-              <a:ext uri="{FF2B5EF4-FFF2-40B4-BE49-F238E27FC236}">
-                <a16:creationId xmlns:a16="http://schemas.microsoft.com/office/drawing/2014/main" id="{5BE75F59-6188-401D-AFCF-0D09B25C34AE}"/>
-              </a:ext>
-            </a:extLst>
-          </p:cNvPr>
+            <a:endParaRPr lang="en-US" dirty="0"/>
+          </a:p>
+        </p:txBody>
+      </p:sp>
+      <p:sp>
+        <p:nvSpPr>
+          <p:cNvPr id="3" name="Vertical Text Placeholder 2"/>
           <p:cNvSpPr>
             <a:spLocks noGrp="1"/>
           </p:cNvSpPr>
@@ -596,12 +1104,12 @@
         </p:nvSpPr>
         <p:spPr>
           <a:xfrm>
-            <a:off x="838200" y="365125"/>
-            <a:ext cx="7734300" cy="5811838"/>
+            <a:off x="838200" y="414778"/>
+            <a:ext cx="7734300" cy="5757422"/>
           </a:xfrm>
         </p:spPr>
         <p:txBody>
-          <a:bodyPr vert="eaVert"/>
+          <a:bodyPr vert="eaVert" lIns="45720" tIns="0" rIns="45720" bIns="0"/>
           <a:lstStyle/>
           <a:p>
             <a:pPr lvl="0"/>
@@ -637,18 +1145,13 @@
               <a:rPr lang="en-US"/>
               <a:t>Fifth level</a:t>
             </a:r>
-          </a:p>
-        </p:txBody>
-      </p:sp>
-      <p:sp>
-        <p:nvSpPr>
-          <p:cNvPr id="4" name="Date Placeholder 3">
-            <a:extLst>
-              <a:ext uri="{FF2B5EF4-FFF2-40B4-BE49-F238E27FC236}">
-                <a16:creationId xmlns:a16="http://schemas.microsoft.com/office/drawing/2014/main" id="{845E0796-2232-436C-B87A-81084F71D0F6}"/>
-              </a:ext>
-            </a:extLst>
-          </p:cNvPr>
+            <a:endParaRPr lang="en-US" dirty="0"/>
+          </a:p>
+        </p:txBody>
+      </p:sp>
+      <p:sp>
+        <p:nvSpPr>
+          <p:cNvPr id="4" name="Date Placeholder 3"/>
           <p:cNvSpPr>
             <a:spLocks noGrp="1"/>
           </p:cNvSpPr>
@@ -661,9 +1164,9 @@
           <a:bodyPr/>
           <a:lstStyle/>
           <a:p>
-            <a:fld id="{7348CE42-FEE2-4BBD-BBE7-71C347CEF861}" type="datetimeFigureOut">
+            <a:fld id="{34B933BB-63AA-4D77-BC03-E02B85278560}" type="datetime1">
               <a:rPr lang="en-US" smtClean="0"/>
-              <a:t>2/23/2019</a:t>
+              <a:t>3/3/2019</a:t>
             </a:fld>
             <a:endParaRPr lang="en-US"/>
           </a:p>
@@ -671,13 +1174,7 @@
       </p:sp>
       <p:sp>
         <p:nvSpPr>
-          <p:cNvPr id="5" name="Footer Placeholder 4">
-            <a:extLst>
-              <a:ext uri="{FF2B5EF4-FFF2-40B4-BE49-F238E27FC236}">
-                <a16:creationId xmlns:a16="http://schemas.microsoft.com/office/drawing/2014/main" id="{A516704C-CA72-4B0D-BF9A-2C3926794ED0}"/>
-              </a:ext>
-            </a:extLst>
-          </p:cNvPr>
+          <p:cNvPr id="5" name="Footer Placeholder 4"/>
           <p:cNvSpPr>
             <a:spLocks noGrp="1"/>
           </p:cNvSpPr>
@@ -696,13 +1193,7 @@
       </p:sp>
       <p:sp>
         <p:nvSpPr>
-          <p:cNvPr id="6" name="Slide Number Placeholder 5">
-            <a:extLst>
-              <a:ext uri="{FF2B5EF4-FFF2-40B4-BE49-F238E27FC236}">
-                <a16:creationId xmlns:a16="http://schemas.microsoft.com/office/drawing/2014/main" id="{3766329E-DAE0-4620-A3B0-B79F618952AB}"/>
-              </a:ext>
-            </a:extLst>
-          </p:cNvPr>
+          <p:cNvPr id="6" name="Slide Number Placeholder 5"/>
           <p:cNvSpPr>
             <a:spLocks noGrp="1"/>
           </p:cNvSpPr>
@@ -726,7 +1217,7 @@
     </p:spTree>
     <p:extLst>
       <p:ext uri="{BB962C8B-B14F-4D97-AF65-F5344CB8AC3E}">
-        <p14:creationId xmlns:p14="http://schemas.microsoft.com/office/powerpoint/2010/main" val="1099475526"/>
+        <p14:creationId xmlns:p14="http://schemas.microsoft.com/office/powerpoint/2010/main" val="103762593"/>
       </p:ext>
     </p:extLst>
   </p:cSld>
@@ -755,13 +1246,7 @@
       </p:grpSpPr>
       <p:sp>
         <p:nvSpPr>
-          <p:cNvPr id="2" name="Title 1">
-            <a:extLst>
-              <a:ext uri="{FF2B5EF4-FFF2-40B4-BE49-F238E27FC236}">
-                <a16:creationId xmlns:a16="http://schemas.microsoft.com/office/drawing/2014/main" id="{E74F880B-F2CC-4E4A-97C8-93EB92E1B181}"/>
-              </a:ext>
-            </a:extLst>
-          </p:cNvPr>
+          <p:cNvPr id="2" name="Title 1"/>
           <p:cNvSpPr>
             <a:spLocks noGrp="1"/>
           </p:cNvSpPr>
@@ -769,32 +1254,112 @@
             <p:ph type="title"/>
           </p:nvPr>
         </p:nvSpPr>
+        <p:spPr>
+          <a:xfrm>
+            <a:off x="1097280" y="286603"/>
+            <a:ext cx="10058400" cy="1450757"/>
+          </a:xfrm>
+        </p:spPr>
+        <p:txBody>
+          <a:bodyPr/>
+          <a:lstStyle>
+            <a:lvl1pPr marL="0">
+              <a:defRPr b="0"/>
+            </a:lvl1pPr>
+          </a:lstStyle>
+          <a:p>
+            <a:r>
+              <a:rPr lang="en-US" dirty="0"/>
+              <a:t>Click to edit Master title style</a:t>
+            </a:r>
+          </a:p>
+        </p:txBody>
+      </p:sp>
+      <p:sp>
+        <p:nvSpPr>
+          <p:cNvPr id="3" name="Content Placeholder 2"/>
+          <p:cNvSpPr>
+            <a:spLocks noGrp="1"/>
+          </p:cNvSpPr>
+          <p:nvPr>
+            <p:ph idx="1"/>
+          </p:nvPr>
+        </p:nvSpPr>
         <p:spPr/>
         <p:txBody>
           <a:bodyPr/>
-          <a:lstStyle/>
-          <a:p>
-            <a:r>
-              <a:rPr lang="en-US"/>
-              <a:t>Click to edit Master title style</a:t>
-            </a:r>
-          </a:p>
-        </p:txBody>
-      </p:sp>
-      <p:sp>
-        <p:nvSpPr>
-          <p:cNvPr id="3" name="Content Placeholder 2">
-            <a:extLst>
-              <a:ext uri="{FF2B5EF4-FFF2-40B4-BE49-F238E27FC236}">
-                <a16:creationId xmlns:a16="http://schemas.microsoft.com/office/drawing/2014/main" id="{C66C861A-00F3-4088-9D6E-216457A84482}"/>
-              </a:ext>
-            </a:extLst>
-          </p:cNvPr>
-          <p:cNvSpPr>
-            <a:spLocks noGrp="1"/>
-          </p:cNvSpPr>
-          <p:nvPr>
-            <p:ph idx="1"/>
+          <a:lstStyle>
+            <a:lvl1pPr marL="342900" indent="-342900">
+              <a:buFont typeface="Arial" panose="020B0604020202020204" pitchFamily="34" charset="0"/>
+              <a:buChar char="•"/>
+              <a:defRPr/>
+            </a:lvl1pPr>
+            <a:lvl2pPr marL="486918" indent="-285750">
+              <a:buFont typeface="Arial" panose="020B0604020202020204" pitchFamily="34" charset="0"/>
+              <a:buChar char="•"/>
+              <a:defRPr/>
+            </a:lvl2pPr>
+            <a:lvl3pPr marL="669798" indent="-285750">
+              <a:buFont typeface="Arial" panose="020B0604020202020204" pitchFamily="34" charset="0"/>
+              <a:buChar char="•"/>
+              <a:defRPr/>
+            </a:lvl3pPr>
+            <a:lvl4pPr marL="852678" indent="-285750">
+              <a:buFont typeface="Arial" panose="020B0604020202020204" pitchFamily="34" charset="0"/>
+              <a:buChar char="•"/>
+              <a:defRPr/>
+            </a:lvl4pPr>
+            <a:lvl5pPr marL="1035558" indent="-285750">
+              <a:buFont typeface="Arial" panose="020B0604020202020204" pitchFamily="34" charset="0"/>
+              <a:buChar char="•"/>
+              <a:defRPr/>
+            </a:lvl5pPr>
+          </a:lstStyle>
+          <a:p>
+            <a:pPr lvl="0"/>
+            <a:r>
+              <a:rPr lang="en-US" dirty="0"/>
+              <a:t>Edit Master text styles</a:t>
+            </a:r>
+          </a:p>
+          <a:p>
+            <a:pPr lvl="1"/>
+            <a:r>
+              <a:rPr lang="en-US" dirty="0"/>
+              <a:t>Second level</a:t>
+            </a:r>
+          </a:p>
+          <a:p>
+            <a:pPr lvl="2"/>
+            <a:r>
+              <a:rPr lang="en-US" dirty="0"/>
+              <a:t>Third level</a:t>
+            </a:r>
+          </a:p>
+          <a:p>
+            <a:pPr lvl="3"/>
+            <a:r>
+              <a:rPr lang="en-US" dirty="0"/>
+              <a:t>Fourth level</a:t>
+            </a:r>
+          </a:p>
+          <a:p>
+            <a:pPr lvl="4"/>
+            <a:r>
+              <a:rPr lang="en-US" dirty="0"/>
+              <a:t>Fifth level</a:t>
+            </a:r>
+          </a:p>
+        </p:txBody>
+      </p:sp>
+      <p:sp>
+        <p:nvSpPr>
+          <p:cNvPr id="4" name="Date Placeholder 3"/>
+          <p:cNvSpPr>
+            <a:spLocks noGrp="1"/>
+          </p:cNvSpPr>
+          <p:nvPr>
+            <p:ph type="dt" sz="half" idx="10"/>
           </p:nvPr>
         </p:nvSpPr>
         <p:spPr/>
@@ -802,66 +1367,9 @@
           <a:bodyPr/>
           <a:lstStyle/>
           <a:p>
-            <a:pPr lvl="0"/>
-            <a:r>
-              <a:rPr lang="en-US"/>
-              <a:t>Edit Master text styles</a:t>
-            </a:r>
-          </a:p>
-          <a:p>
-            <a:pPr lvl="1"/>
-            <a:r>
-              <a:rPr lang="en-US"/>
-              <a:t>Second level</a:t>
-            </a:r>
-          </a:p>
-          <a:p>
-            <a:pPr lvl="2"/>
-            <a:r>
-              <a:rPr lang="en-US"/>
-              <a:t>Third level</a:t>
-            </a:r>
-          </a:p>
-          <a:p>
-            <a:pPr lvl="3"/>
-            <a:r>
-              <a:rPr lang="en-US"/>
-              <a:t>Fourth level</a:t>
-            </a:r>
-          </a:p>
-          <a:p>
-            <a:pPr lvl="4"/>
-            <a:r>
-              <a:rPr lang="en-US"/>
-              <a:t>Fifth level</a:t>
-            </a:r>
-          </a:p>
-        </p:txBody>
-      </p:sp>
-      <p:sp>
-        <p:nvSpPr>
-          <p:cNvPr id="4" name="Date Placeholder 3">
-            <a:extLst>
-              <a:ext uri="{FF2B5EF4-FFF2-40B4-BE49-F238E27FC236}">
-                <a16:creationId xmlns:a16="http://schemas.microsoft.com/office/drawing/2014/main" id="{C34D10F4-D011-45AC-8A89-9BC4D3732118}"/>
-              </a:ext>
-            </a:extLst>
-          </p:cNvPr>
-          <p:cNvSpPr>
-            <a:spLocks noGrp="1"/>
-          </p:cNvSpPr>
-          <p:nvPr>
-            <p:ph type="dt" sz="half" idx="10"/>
-          </p:nvPr>
-        </p:nvSpPr>
-        <p:spPr/>
-        <p:txBody>
-          <a:bodyPr/>
-          <a:lstStyle/>
-          <a:p>
-            <a:fld id="{7348CE42-FEE2-4BBD-BBE7-71C347CEF861}" type="datetimeFigureOut">
+            <a:fld id="{8DABA031-DE5F-4306-A4C5-524B902EBD40}" type="datetime1">
               <a:rPr lang="en-US" smtClean="0"/>
-              <a:t>2/23/2019</a:t>
+              <a:t>3/3/2019</a:t>
             </a:fld>
             <a:endParaRPr lang="en-US"/>
           </a:p>
@@ -869,13 +1377,7 @@
       </p:sp>
       <p:sp>
         <p:nvSpPr>
-          <p:cNvPr id="5" name="Footer Placeholder 4">
-            <a:extLst>
-              <a:ext uri="{FF2B5EF4-FFF2-40B4-BE49-F238E27FC236}">
-                <a16:creationId xmlns:a16="http://schemas.microsoft.com/office/drawing/2014/main" id="{DA2A9085-0666-47DF-A75F-B0C2CC174987}"/>
-              </a:ext>
-            </a:extLst>
-          </p:cNvPr>
+          <p:cNvPr id="5" name="Footer Placeholder 4"/>
           <p:cNvSpPr>
             <a:spLocks noGrp="1"/>
           </p:cNvSpPr>
@@ -894,13 +1396,7 @@
       </p:sp>
       <p:sp>
         <p:nvSpPr>
-          <p:cNvPr id="6" name="Slide Number Placeholder 5">
-            <a:extLst>
-              <a:ext uri="{FF2B5EF4-FFF2-40B4-BE49-F238E27FC236}">
-                <a16:creationId xmlns:a16="http://schemas.microsoft.com/office/drawing/2014/main" id="{6EB7C06B-0264-48C6-8502-D6DDAB5968C7}"/>
-              </a:ext>
-            </a:extLst>
-          </p:cNvPr>
+          <p:cNvPr id="6" name="Slide Number Placeholder 5"/>
           <p:cNvSpPr>
             <a:spLocks noGrp="1"/>
           </p:cNvSpPr>
@@ -924,7 +1420,7 @@
     </p:spTree>
     <p:extLst>
       <p:ext uri="{BB962C8B-B14F-4D97-AF65-F5344CB8AC3E}">
-        <p14:creationId xmlns:p14="http://schemas.microsoft.com/office/powerpoint/2010/main" val="1617627400"/>
+        <p14:creationId xmlns:p14="http://schemas.microsoft.com/office/powerpoint/2010/main" val="1579187939"/>
       </p:ext>
     </p:extLst>
   </p:cSld>
@@ -935,8 +1431,16 @@
 </file>
 
 <file path=ppt/slideLayouts/slideLayout3.xml><?xml version="1.0" encoding="utf-8"?>
-<p:sldLayout xmlns:a="http://schemas.openxmlformats.org/drawingml/2006/main" xmlns:r="http://schemas.openxmlformats.org/officeDocument/2006/relationships" xmlns:p="http://schemas.openxmlformats.org/presentationml/2006/main" type="secHead" preserve="1">
+<p:sldLayout xmlns:a="http://schemas.openxmlformats.org/drawingml/2006/main" xmlns:r="http://schemas.openxmlformats.org/officeDocument/2006/relationships" xmlns:p="http://schemas.openxmlformats.org/presentationml/2006/main" showMasterSp="0" type="secHead" preserve="1">
   <p:cSld name="Section Header">
+    <p:bg>
+      <p:bgPr>
+        <a:solidFill>
+          <a:schemeClr val="bg1"/>
+        </a:solidFill>
+        <a:effectLst/>
+      </p:bgPr>
+    </p:bg>
     <p:spTree>
       <p:nvGrpSpPr>
         <p:cNvPr id="1" name=""/>
@@ -953,79 +1457,157 @@
       </p:grpSpPr>
       <p:sp>
         <p:nvSpPr>
-          <p:cNvPr id="2" name="Title 1">
-            <a:extLst>
-              <a:ext uri="{FF2B5EF4-FFF2-40B4-BE49-F238E27FC236}">
-                <a16:creationId xmlns:a16="http://schemas.microsoft.com/office/drawing/2014/main" id="{09311CCD-47F3-4BA4-93F9-82D18D43880B}"/>
-              </a:ext>
-            </a:extLst>
-          </p:cNvPr>
-          <p:cNvSpPr>
-            <a:spLocks noGrp="1"/>
-          </p:cNvSpPr>
-          <p:nvPr>
-            <p:ph type="title"/>
-          </p:nvPr>
+          <p:cNvPr id="7" name="Rectangle 6"/>
+          <p:cNvSpPr/>
+          <p:nvPr/>
         </p:nvSpPr>
         <p:spPr>
           <a:xfrm>
-            <a:off x="831850" y="1709738"/>
-            <a:ext cx="10515600" cy="2852737"/>
+            <a:off x="3175" y="6400800"/>
+            <a:ext cx="12188825" cy="457200"/>
+          </a:xfrm>
+          <a:prstGeom prst="rect">
+            <a:avLst/>
+          </a:prstGeom>
+          <a:solidFill>
+            <a:schemeClr val="accent2"/>
+          </a:solidFill>
+          <a:ln>
+            <a:noFill/>
+          </a:ln>
+        </p:spPr>
+        <p:style>
+          <a:lnRef idx="2">
+            <a:schemeClr val="accent1">
+              <a:shade val="50000"/>
+            </a:schemeClr>
+          </a:lnRef>
+          <a:fillRef idx="1">
+            <a:schemeClr val="accent1"/>
+          </a:fillRef>
+          <a:effectRef idx="0">
+            <a:schemeClr val="accent1"/>
+          </a:effectRef>
+          <a:fontRef idx="minor">
+            <a:schemeClr val="lt1"/>
+          </a:fontRef>
+        </p:style>
+      </p:sp>
+      <p:sp>
+        <p:nvSpPr>
+          <p:cNvPr id="8" name="Rectangle 7"/>
+          <p:cNvSpPr/>
+          <p:nvPr/>
+        </p:nvSpPr>
+        <p:spPr>
+          <a:xfrm>
+            <a:off x="15" y="6334316"/>
+            <a:ext cx="12188825" cy="64008"/>
+          </a:xfrm>
+          <a:prstGeom prst="rect">
+            <a:avLst/>
+          </a:prstGeom>
+          <a:solidFill>
+            <a:schemeClr val="accent1"/>
+          </a:solidFill>
+          <a:ln>
+            <a:noFill/>
+          </a:ln>
+        </p:spPr>
+        <p:style>
+          <a:lnRef idx="2">
+            <a:schemeClr val="accent1">
+              <a:shade val="50000"/>
+            </a:schemeClr>
+          </a:lnRef>
+          <a:fillRef idx="1">
+            <a:schemeClr val="accent1"/>
+          </a:fillRef>
+          <a:effectRef idx="0">
+            <a:schemeClr val="accent1"/>
+          </a:effectRef>
+          <a:fontRef idx="minor">
+            <a:schemeClr val="lt1"/>
+          </a:fontRef>
+        </p:style>
+      </p:sp>
+      <p:sp>
+        <p:nvSpPr>
+          <p:cNvPr id="2" name="Title 1"/>
+          <p:cNvSpPr>
+            <a:spLocks noGrp="1"/>
+          </p:cNvSpPr>
+          <p:nvPr>
+            <p:ph type="title"/>
+          </p:nvPr>
+        </p:nvSpPr>
+        <p:spPr>
+          <a:xfrm>
+            <a:off x="1097280" y="758952"/>
+            <a:ext cx="10058400" cy="3566160"/>
           </a:xfrm>
         </p:spPr>
         <p:txBody>
-          <a:bodyPr anchor="b"/>
+          <a:bodyPr anchor="b" anchorCtr="0">
+            <a:normAutofit/>
+          </a:bodyPr>
           <a:lstStyle>
             <a:lvl1pPr>
-              <a:defRPr sz="6000"/>
-            </a:lvl1pPr>
-          </a:lstStyle>
-          <a:p>
-            <a:r>
-              <a:rPr lang="en-US"/>
-              <a:t>Click to edit Master title style</a:t>
-            </a:r>
-          </a:p>
-        </p:txBody>
-      </p:sp>
-      <p:sp>
-        <p:nvSpPr>
-          <p:cNvPr id="3" name="Text Placeholder 2">
-            <a:extLst>
-              <a:ext uri="{FF2B5EF4-FFF2-40B4-BE49-F238E27FC236}">
-                <a16:creationId xmlns:a16="http://schemas.microsoft.com/office/drawing/2014/main" id="{C8935E39-902A-4326-BE61-7992F3DDA235}"/>
-              </a:ext>
-            </a:extLst>
-          </p:cNvPr>
-          <p:cNvSpPr>
-            <a:spLocks noGrp="1"/>
-          </p:cNvSpPr>
-          <p:nvPr>
-            <p:ph type="body" idx="1"/>
-          </p:nvPr>
-        </p:nvSpPr>
-        <p:spPr>
-          <a:xfrm>
-            <a:off x="831850" y="4589463"/>
-            <a:ext cx="10515600" cy="1500187"/>
-          </a:xfrm>
-        </p:spPr>
-        <p:txBody>
-          <a:bodyPr/>
-          <a:lstStyle>
-            <a:lvl1pPr marL="0" indent="0">
-              <a:buNone/>
-              <a:defRPr sz="2400">
+              <a:lnSpc>
+                <a:spcPct val="85000"/>
+              </a:lnSpc>
+              <a:defRPr sz="8000" b="0">
                 <a:solidFill>
                   <a:schemeClr val="tx1">
-                    <a:tint val="75000"/>
+                    <a:lumMod val="85000"/>
+                    <a:lumOff val="15000"/>
                   </a:schemeClr>
                 </a:solidFill>
               </a:defRPr>
             </a:lvl1pPr>
+          </a:lstStyle>
+          <a:p>
+            <a:r>
+              <a:rPr lang="en-US"/>
+              <a:t>Click to edit Master title style</a:t>
+            </a:r>
+            <a:endParaRPr lang="en-US" dirty="0"/>
+          </a:p>
+        </p:txBody>
+      </p:sp>
+      <p:sp>
+        <p:nvSpPr>
+          <p:cNvPr id="3" name="Text Placeholder 2"/>
+          <p:cNvSpPr>
+            <a:spLocks noGrp="1"/>
+          </p:cNvSpPr>
+          <p:nvPr>
+            <p:ph type="body" idx="1"/>
+          </p:nvPr>
+        </p:nvSpPr>
+        <p:spPr>
+          <a:xfrm>
+            <a:off x="1097280" y="4453128"/>
+            <a:ext cx="10058400" cy="1143000"/>
+          </a:xfrm>
+        </p:spPr>
+        <p:txBody>
+          <a:bodyPr lIns="91440" rIns="91440" anchor="t" anchorCtr="0">
+            <a:normAutofit/>
+          </a:bodyPr>
+          <a:lstStyle>
+            <a:lvl1pPr marL="0" indent="0">
+              <a:buNone/>
+              <a:defRPr sz="2400" cap="all" spc="200" baseline="0">
+                <a:solidFill>
+                  <a:schemeClr val="tx2"/>
+                </a:solidFill>
+                <a:latin typeface="+mj-lt"/>
+              </a:defRPr>
+            </a:lvl1pPr>
             <a:lvl2pPr marL="457200" indent="0">
               <a:buNone/>
-              <a:defRPr sz="2000">
+              <a:defRPr sz="1800">
                 <a:solidFill>
                   <a:schemeClr val="tx1">
                     <a:tint val="75000"/>
@@ -1035,7 +1617,7 @@
             </a:lvl2pPr>
             <a:lvl3pPr marL="914400" indent="0">
               <a:buNone/>
-              <a:defRPr sz="1800">
+              <a:defRPr sz="1600">
                 <a:solidFill>
                   <a:schemeClr val="tx1">
                     <a:tint val="75000"/>
@@ -1045,7 +1627,7 @@
             </a:lvl3pPr>
             <a:lvl4pPr marL="1371600" indent="0">
               <a:buNone/>
-              <a:defRPr sz="1600">
+              <a:defRPr sz="1400">
                 <a:solidFill>
                   <a:schemeClr val="tx1">
                     <a:tint val="75000"/>
@@ -1055,7 +1637,7 @@
             </a:lvl4pPr>
             <a:lvl5pPr marL="1828800" indent="0">
               <a:buNone/>
-              <a:defRPr sz="1600">
+              <a:defRPr sz="1400">
                 <a:solidFill>
                   <a:schemeClr val="tx1">
                     <a:tint val="75000"/>
@@ -1065,7 +1647,7 @@
             </a:lvl5pPr>
             <a:lvl6pPr marL="2286000" indent="0">
               <a:buNone/>
-              <a:defRPr sz="1600">
+              <a:defRPr sz="1400">
                 <a:solidFill>
                   <a:schemeClr val="tx1">
                     <a:tint val="75000"/>
@@ -1075,7 +1657,7 @@
             </a:lvl6pPr>
             <a:lvl7pPr marL="2743200" indent="0">
               <a:buNone/>
-              <a:defRPr sz="1600">
+              <a:defRPr sz="1400">
                 <a:solidFill>
                   <a:schemeClr val="tx1">
                     <a:tint val="75000"/>
@@ -1085,7 +1667,7 @@
             </a:lvl7pPr>
             <a:lvl8pPr marL="3200400" indent="0">
               <a:buNone/>
-              <a:defRPr sz="1600">
+              <a:defRPr sz="1400">
                 <a:solidFill>
                   <a:schemeClr val="tx1">
                     <a:tint val="75000"/>
@@ -1095,7 +1677,7 @@
             </a:lvl8pPr>
             <a:lvl9pPr marL="3657600" indent="0">
               <a:buNone/>
-              <a:defRPr sz="1600">
+              <a:defRPr sz="1400">
                 <a:solidFill>
                   <a:schemeClr val="tx1">
                     <a:tint val="75000"/>
@@ -1115,13 +1697,7 @@
       </p:sp>
       <p:sp>
         <p:nvSpPr>
-          <p:cNvPr id="4" name="Date Placeholder 3">
-            <a:extLst>
-              <a:ext uri="{FF2B5EF4-FFF2-40B4-BE49-F238E27FC236}">
-                <a16:creationId xmlns:a16="http://schemas.microsoft.com/office/drawing/2014/main" id="{043115ED-10CB-4EDC-AF4E-65FB22AA9A04}"/>
-              </a:ext>
-            </a:extLst>
-          </p:cNvPr>
+          <p:cNvPr id="4" name="Date Placeholder 3"/>
           <p:cNvSpPr>
             <a:spLocks noGrp="1"/>
           </p:cNvSpPr>
@@ -1134,9 +1710,9 @@
           <a:bodyPr/>
           <a:lstStyle/>
           <a:p>
-            <a:fld id="{7348CE42-FEE2-4BBD-BBE7-71C347CEF861}" type="datetimeFigureOut">
+            <a:fld id="{2DA7F5F8-821B-4F23-97DB-A510A2F24926}" type="datetime1">
               <a:rPr lang="en-US" smtClean="0"/>
-              <a:t>2/23/2019</a:t>
+              <a:t>3/3/2019</a:t>
             </a:fld>
             <a:endParaRPr lang="en-US"/>
           </a:p>
@@ -1144,13 +1720,7 @@
       </p:sp>
       <p:sp>
         <p:nvSpPr>
-          <p:cNvPr id="5" name="Footer Placeholder 4">
-            <a:extLst>
-              <a:ext uri="{FF2B5EF4-FFF2-40B4-BE49-F238E27FC236}">
-                <a16:creationId xmlns:a16="http://schemas.microsoft.com/office/drawing/2014/main" id="{A4CF3427-EFFC-4523-9BF1-5CAC1AC46855}"/>
-              </a:ext>
-            </a:extLst>
-          </p:cNvPr>
+          <p:cNvPr id="5" name="Footer Placeholder 4"/>
           <p:cNvSpPr>
             <a:spLocks noGrp="1"/>
           </p:cNvSpPr>
@@ -1169,13 +1739,7 @@
       </p:sp>
       <p:sp>
         <p:nvSpPr>
-          <p:cNvPr id="6" name="Slide Number Placeholder 5">
-            <a:extLst>
-              <a:ext uri="{FF2B5EF4-FFF2-40B4-BE49-F238E27FC236}">
-                <a16:creationId xmlns:a16="http://schemas.microsoft.com/office/drawing/2014/main" id="{C921518C-890C-45FD-97E8-98E2867DB38F}"/>
-              </a:ext>
-            </a:extLst>
-          </p:cNvPr>
+          <p:cNvPr id="6" name="Slide Number Placeholder 5"/>
           <p:cNvSpPr>
             <a:spLocks noGrp="1"/>
           </p:cNvSpPr>
@@ -1196,16 +1760,59 @@
           </a:p>
         </p:txBody>
       </p:sp>
+      <p:cxnSp>
+        <p:nvCxnSpPr>
+          <p:cNvPr id="9" name="Straight Connector 8"/>
+          <p:cNvCxnSpPr/>
+          <p:nvPr/>
+        </p:nvCxnSpPr>
+        <p:spPr>
+          <a:xfrm>
+            <a:off x="1207658" y="4343400"/>
+            <a:ext cx="9875520" cy="0"/>
+          </a:xfrm>
+          <a:prstGeom prst="line">
+            <a:avLst/>
+          </a:prstGeom>
+          <a:ln w="6350">
+            <a:solidFill>
+              <a:schemeClr val="tx1">
+                <a:lumMod val="50000"/>
+                <a:lumOff val="50000"/>
+              </a:schemeClr>
+            </a:solidFill>
+          </a:ln>
+        </p:spPr>
+        <p:style>
+          <a:lnRef idx="1">
+            <a:schemeClr val="accent1"/>
+          </a:lnRef>
+          <a:fillRef idx="0">
+            <a:schemeClr val="accent1"/>
+          </a:fillRef>
+          <a:effectRef idx="0">
+            <a:schemeClr val="accent1"/>
+          </a:effectRef>
+          <a:fontRef idx="minor">
+            <a:schemeClr val="tx1"/>
+          </a:fontRef>
+        </p:style>
+      </p:cxnSp>
     </p:spTree>
     <p:extLst>
       <p:ext uri="{BB962C8B-B14F-4D97-AF65-F5344CB8AC3E}">
-        <p14:creationId xmlns:p14="http://schemas.microsoft.com/office/powerpoint/2010/main" val="3070003223"/>
+        <p14:creationId xmlns:p14="http://schemas.microsoft.com/office/powerpoint/2010/main" val="1086484071"/>
       </p:ext>
     </p:extLst>
   </p:cSld>
   <p:clrMapOvr>
     <a:masterClrMapping/>
   </p:clrMapOvr>
+  <p:extLst>
+    <p:ext uri="{DCECCB84-F9BA-43D5-87BE-67443E8EF086}">
+      <p15:sldGuideLst xmlns:p15="http://schemas.microsoft.com/office/powerpoint/2012/main"/>
+    </p:ext>
+  </p:extLst>
 </p:sldLayout>
 </file>
 
@@ -1228,13 +1835,7 @@
       </p:grpSpPr>
       <p:sp>
         <p:nvSpPr>
-          <p:cNvPr id="2" name="Title 1">
-            <a:extLst>
-              <a:ext uri="{FF2B5EF4-FFF2-40B4-BE49-F238E27FC236}">
-                <a16:creationId xmlns:a16="http://schemas.microsoft.com/office/drawing/2014/main" id="{3BD82FDF-EB9E-4482-B97C-1F0CEF3699A4}"/>
-              </a:ext>
-            </a:extLst>
-          </p:cNvPr>
+          <p:cNvPr id="8" name="Title 7"/>
           <p:cNvSpPr>
             <a:spLocks noGrp="1"/>
           </p:cNvSpPr>
@@ -1242,7 +1843,12 @@
             <p:ph type="title"/>
           </p:nvPr>
         </p:nvSpPr>
-        <p:spPr/>
+        <p:spPr>
+          <a:xfrm>
+            <a:off x="1097280" y="286603"/>
+            <a:ext cx="10058400" cy="1450757"/>
+          </a:xfrm>
+        </p:spPr>
         <p:txBody>
           <a:bodyPr/>
           <a:lstStyle/>
@@ -1251,18 +1857,13 @@
               <a:rPr lang="en-US"/>
               <a:t>Click to edit Master title style</a:t>
             </a:r>
-          </a:p>
-        </p:txBody>
-      </p:sp>
-      <p:sp>
-        <p:nvSpPr>
-          <p:cNvPr id="3" name="Content Placeholder 2">
-            <a:extLst>
-              <a:ext uri="{FF2B5EF4-FFF2-40B4-BE49-F238E27FC236}">
-                <a16:creationId xmlns:a16="http://schemas.microsoft.com/office/drawing/2014/main" id="{50FF07FC-C993-45D2-9ABF-B629D7324ABD}"/>
-              </a:ext>
-            </a:extLst>
-          </p:cNvPr>
+            <a:endParaRPr lang="en-US" dirty="0"/>
+          </a:p>
+        </p:txBody>
+      </p:sp>
+      <p:sp>
+        <p:nvSpPr>
+          <p:cNvPr id="3" name="Content Placeholder 2"/>
           <p:cNvSpPr>
             <a:spLocks noGrp="1"/>
           </p:cNvSpPr>
@@ -1272,45 +1873,153 @@
         </p:nvSpPr>
         <p:spPr>
           <a:xfrm>
-            <a:off x="838200" y="1825625"/>
-            <a:ext cx="5181600" cy="4351338"/>
+            <a:off x="1097279" y="1845734"/>
+            <a:ext cx="4937760" cy="4023360"/>
           </a:xfrm>
         </p:spPr>
         <p:txBody>
-          <a:bodyPr/>
-          <a:lstStyle/>
+          <a:bodyPr>
+            <a:normAutofit/>
+          </a:bodyPr>
+          <a:lstStyle>
+            <a:lvl1pPr marL="91440" indent="-91440" algn="l" defTabSz="914400" rtl="0" eaLnBrk="1" latinLnBrk="0" hangingPunct="1">
+              <a:lnSpc>
+                <a:spcPct val="90000"/>
+              </a:lnSpc>
+              <a:buClr>
+                <a:schemeClr val="accent1"/>
+              </a:buClr>
+              <a:buFont typeface="Arial" panose="020B0604020202020204" pitchFamily="34" charset="0"/>
+              <a:buChar char="•"/>
+              <a:defRPr lang="en-US" sz="2000" kern="1200" dirty="0" smtClean="0">
+                <a:solidFill>
+                  <a:schemeClr val="tx1">
+                    <a:lumMod val="75000"/>
+                    <a:lumOff val="25000"/>
+                  </a:schemeClr>
+                </a:solidFill>
+                <a:latin typeface="+mn-lt"/>
+                <a:ea typeface="+mn-ea"/>
+                <a:cs typeface="+mn-cs"/>
+              </a:defRPr>
+            </a:lvl1pPr>
+            <a:lvl2pPr marL="384048" indent="-182880" algn="l" defTabSz="914400" rtl="0" eaLnBrk="1" latinLnBrk="0" hangingPunct="1">
+              <a:lnSpc>
+                <a:spcPct val="90000"/>
+              </a:lnSpc>
+              <a:buClr>
+                <a:schemeClr val="accent1"/>
+              </a:buClr>
+              <a:buFont typeface="Arial" panose="020B0604020202020204" pitchFamily="34" charset="0"/>
+              <a:buChar char="•"/>
+              <a:defRPr lang="en-US" sz="2000" kern="1200" dirty="0" smtClean="0">
+                <a:solidFill>
+                  <a:schemeClr val="tx1">
+                    <a:lumMod val="75000"/>
+                    <a:lumOff val="25000"/>
+                  </a:schemeClr>
+                </a:solidFill>
+                <a:latin typeface="+mn-lt"/>
+                <a:ea typeface="+mn-ea"/>
+                <a:cs typeface="+mn-cs"/>
+              </a:defRPr>
+            </a:lvl2pPr>
+            <a:lvl3pPr marL="566928" indent="-182880" algn="l" defTabSz="914400" rtl="0" eaLnBrk="1" latinLnBrk="0" hangingPunct="1">
+              <a:lnSpc>
+                <a:spcPct val="90000"/>
+              </a:lnSpc>
+              <a:buClr>
+                <a:schemeClr val="accent1"/>
+              </a:buClr>
+              <a:buFont typeface="Arial" panose="020B0604020202020204" pitchFamily="34" charset="0"/>
+              <a:buChar char="•"/>
+              <a:defRPr lang="en-US" sz="2000" kern="1200" dirty="0" smtClean="0">
+                <a:solidFill>
+                  <a:schemeClr val="tx1">
+                    <a:lumMod val="75000"/>
+                    <a:lumOff val="25000"/>
+                  </a:schemeClr>
+                </a:solidFill>
+                <a:latin typeface="+mn-lt"/>
+                <a:ea typeface="+mn-ea"/>
+                <a:cs typeface="+mn-cs"/>
+              </a:defRPr>
+            </a:lvl3pPr>
+            <a:lvl4pPr marL="749808" indent="-182880" algn="l" defTabSz="914400" rtl="0" eaLnBrk="1" latinLnBrk="0" hangingPunct="1">
+              <a:lnSpc>
+                <a:spcPct val="90000"/>
+              </a:lnSpc>
+              <a:buClr>
+                <a:schemeClr val="accent1"/>
+              </a:buClr>
+              <a:buFont typeface="Arial" panose="020B0604020202020204" pitchFamily="34" charset="0"/>
+              <a:buChar char="•"/>
+              <a:defRPr lang="en-US" sz="2000" kern="1200" dirty="0" smtClean="0">
+                <a:solidFill>
+                  <a:schemeClr val="tx1">
+                    <a:lumMod val="75000"/>
+                    <a:lumOff val="25000"/>
+                  </a:schemeClr>
+                </a:solidFill>
+                <a:latin typeface="+mn-lt"/>
+                <a:ea typeface="+mn-ea"/>
+                <a:cs typeface="+mn-cs"/>
+              </a:defRPr>
+            </a:lvl4pPr>
+            <a:lvl5pPr marL="932688" indent="-182880" algn="l" defTabSz="914400" rtl="0" eaLnBrk="1" latinLnBrk="0" hangingPunct="1">
+              <a:lnSpc>
+                <a:spcPct val="90000"/>
+              </a:lnSpc>
+              <a:buClr>
+                <a:schemeClr val="accent1"/>
+              </a:buClr>
+              <a:buFont typeface="Arial" panose="020B0604020202020204" pitchFamily="34" charset="0"/>
+              <a:buChar char="•"/>
+              <a:defRPr lang="en-US" sz="2000" kern="1200" dirty="0">
+                <a:solidFill>
+                  <a:schemeClr val="tx1">
+                    <a:lumMod val="75000"/>
+                    <a:lumOff val="25000"/>
+                  </a:schemeClr>
+                </a:solidFill>
+                <a:latin typeface="+mn-lt"/>
+                <a:ea typeface="+mn-ea"/>
+                <a:cs typeface="+mn-cs"/>
+              </a:defRPr>
+            </a:lvl5pPr>
+          </a:lstStyle>
           <a:p>
             <a:pPr lvl="0"/>
             <a:r>
-              <a:rPr lang="en-US"/>
+              <a:rPr lang="en-US" dirty="0"/>
               <a:t>Edit Master text styles</a:t>
             </a:r>
           </a:p>
           <a:p>
             <a:pPr lvl="1"/>
             <a:r>
-              <a:rPr lang="en-US"/>
+              <a:rPr lang="en-US" dirty="0"/>
               <a:t>Second level</a:t>
             </a:r>
           </a:p>
           <a:p>
             <a:pPr lvl="2"/>
             <a:r>
-              <a:rPr lang="en-US"/>
+              <a:rPr lang="en-US" dirty="0"/>
               <a:t>Third level</a:t>
             </a:r>
           </a:p>
           <a:p>
             <a:pPr lvl="3"/>
             <a:r>
-              <a:rPr lang="en-US"/>
+              <a:rPr lang="en-US" dirty="0"/>
               <a:t>Fourth level</a:t>
             </a:r>
           </a:p>
           <a:p>
             <a:pPr lvl="4"/>
             <a:r>
-              <a:rPr lang="en-US"/>
+              <a:rPr lang="en-US" dirty="0"/>
               <a:t>Fifth level</a:t>
             </a:r>
           </a:p>
@@ -1318,13 +2027,7 @@
       </p:sp>
       <p:sp>
         <p:nvSpPr>
-          <p:cNvPr id="4" name="Content Placeholder 3">
-            <a:extLst>
-              <a:ext uri="{FF2B5EF4-FFF2-40B4-BE49-F238E27FC236}">
-                <a16:creationId xmlns:a16="http://schemas.microsoft.com/office/drawing/2014/main" id="{A551F660-EECD-4F98-9511-8B1A9DA82BC2}"/>
-              </a:ext>
-            </a:extLst>
-          </p:cNvPr>
+          <p:cNvPr id="4" name="Content Placeholder 3"/>
           <p:cNvSpPr>
             <a:spLocks noGrp="1"/>
           </p:cNvSpPr>
@@ -1334,74 +2037,176 @@
         </p:nvSpPr>
         <p:spPr>
           <a:xfrm>
-            <a:off x="6172200" y="1825625"/>
-            <a:ext cx="5181600" cy="4351338"/>
+            <a:off x="6217920" y="1845735"/>
+            <a:ext cx="4937760" cy="4023360"/>
           </a:xfrm>
         </p:spPr>
         <p:txBody>
+          <a:bodyPr>
+            <a:normAutofit/>
+          </a:bodyPr>
+          <a:lstStyle>
+            <a:lvl1pPr marL="91440" indent="-91440" algn="l" defTabSz="914400" rtl="0" eaLnBrk="1" latinLnBrk="0" hangingPunct="1">
+              <a:lnSpc>
+                <a:spcPct val="90000"/>
+              </a:lnSpc>
+              <a:buClr>
+                <a:schemeClr val="accent1"/>
+              </a:buClr>
+              <a:buFont typeface="Arial" panose="020B0604020202020204" pitchFamily="34" charset="0"/>
+              <a:buChar char="•"/>
+              <a:defRPr lang="en-US" sz="2000" kern="1200" dirty="0" smtClean="0">
+                <a:solidFill>
+                  <a:schemeClr val="tx1">
+                    <a:lumMod val="75000"/>
+                    <a:lumOff val="25000"/>
+                  </a:schemeClr>
+                </a:solidFill>
+                <a:latin typeface="+mn-lt"/>
+                <a:ea typeface="+mn-ea"/>
+                <a:cs typeface="+mn-cs"/>
+              </a:defRPr>
+            </a:lvl1pPr>
+            <a:lvl2pPr marL="384048" indent="-182880" algn="l" defTabSz="914400" rtl="0" eaLnBrk="1" latinLnBrk="0" hangingPunct="1">
+              <a:lnSpc>
+                <a:spcPct val="90000"/>
+              </a:lnSpc>
+              <a:buClr>
+                <a:schemeClr val="accent1"/>
+              </a:buClr>
+              <a:buFont typeface="Arial" panose="020B0604020202020204" pitchFamily="34" charset="0"/>
+              <a:buChar char="•"/>
+              <a:defRPr lang="en-US" sz="2000" kern="1200" dirty="0" smtClean="0">
+                <a:solidFill>
+                  <a:schemeClr val="tx1">
+                    <a:lumMod val="75000"/>
+                    <a:lumOff val="25000"/>
+                  </a:schemeClr>
+                </a:solidFill>
+                <a:latin typeface="+mn-lt"/>
+                <a:ea typeface="+mn-ea"/>
+                <a:cs typeface="+mn-cs"/>
+              </a:defRPr>
+            </a:lvl2pPr>
+            <a:lvl3pPr marL="566928" indent="-182880" algn="l" defTabSz="914400" rtl="0" eaLnBrk="1" latinLnBrk="0" hangingPunct="1">
+              <a:lnSpc>
+                <a:spcPct val="90000"/>
+              </a:lnSpc>
+              <a:buClr>
+                <a:schemeClr val="accent1"/>
+              </a:buClr>
+              <a:buFont typeface="Arial" panose="020B0604020202020204" pitchFamily="34" charset="0"/>
+              <a:buChar char="•"/>
+              <a:defRPr lang="en-US" sz="2000" kern="1200" dirty="0" smtClean="0">
+                <a:solidFill>
+                  <a:schemeClr val="tx1">
+                    <a:lumMod val="75000"/>
+                    <a:lumOff val="25000"/>
+                  </a:schemeClr>
+                </a:solidFill>
+                <a:latin typeface="+mn-lt"/>
+                <a:ea typeface="+mn-ea"/>
+                <a:cs typeface="+mn-cs"/>
+              </a:defRPr>
+            </a:lvl3pPr>
+            <a:lvl4pPr marL="749808" indent="-182880" algn="l" defTabSz="914400" rtl="0" eaLnBrk="1" latinLnBrk="0" hangingPunct="1">
+              <a:lnSpc>
+                <a:spcPct val="90000"/>
+              </a:lnSpc>
+              <a:buClr>
+                <a:schemeClr val="accent1"/>
+              </a:buClr>
+              <a:buFont typeface="Arial" panose="020B0604020202020204" pitchFamily="34" charset="0"/>
+              <a:buChar char="•"/>
+              <a:defRPr lang="en-US" sz="2000" kern="1200" dirty="0" smtClean="0">
+                <a:solidFill>
+                  <a:schemeClr val="tx1">
+                    <a:lumMod val="75000"/>
+                    <a:lumOff val="25000"/>
+                  </a:schemeClr>
+                </a:solidFill>
+                <a:latin typeface="+mn-lt"/>
+                <a:ea typeface="+mn-ea"/>
+                <a:cs typeface="+mn-cs"/>
+              </a:defRPr>
+            </a:lvl4pPr>
+            <a:lvl5pPr marL="932688" indent="-182880" algn="l" defTabSz="914400" rtl="0" eaLnBrk="1" latinLnBrk="0" hangingPunct="1">
+              <a:lnSpc>
+                <a:spcPct val="90000"/>
+              </a:lnSpc>
+              <a:buClr>
+                <a:schemeClr val="accent1"/>
+              </a:buClr>
+              <a:buFont typeface="Arial" panose="020B0604020202020204" pitchFamily="34" charset="0"/>
+              <a:buChar char="•"/>
+              <a:defRPr lang="en-US" sz="2000" kern="1200" dirty="0">
+                <a:solidFill>
+                  <a:schemeClr val="tx1">
+                    <a:lumMod val="75000"/>
+                    <a:lumOff val="25000"/>
+                  </a:schemeClr>
+                </a:solidFill>
+                <a:latin typeface="+mn-lt"/>
+                <a:ea typeface="+mn-ea"/>
+                <a:cs typeface="+mn-cs"/>
+              </a:defRPr>
+            </a:lvl5pPr>
+          </a:lstStyle>
+          <a:p>
+            <a:pPr lvl="0"/>
+            <a:r>
+              <a:rPr lang="en-US" dirty="0"/>
+              <a:t>Edit Master text styles</a:t>
+            </a:r>
+          </a:p>
+          <a:p>
+            <a:pPr lvl="1"/>
+            <a:r>
+              <a:rPr lang="en-US" dirty="0"/>
+              <a:t>Second level</a:t>
+            </a:r>
+          </a:p>
+          <a:p>
+            <a:pPr lvl="2"/>
+            <a:r>
+              <a:rPr lang="en-US" dirty="0"/>
+              <a:t>Third level</a:t>
+            </a:r>
+          </a:p>
+          <a:p>
+            <a:pPr lvl="3"/>
+            <a:r>
+              <a:rPr lang="en-US" dirty="0"/>
+              <a:t>Fourth level</a:t>
+            </a:r>
+          </a:p>
+          <a:p>
+            <a:pPr lvl="4"/>
+            <a:r>
+              <a:rPr lang="en-US" dirty="0"/>
+              <a:t>Fifth level</a:t>
+            </a:r>
+          </a:p>
+        </p:txBody>
+      </p:sp>
+      <p:sp>
+        <p:nvSpPr>
+          <p:cNvPr id="5" name="Date Placeholder 4"/>
+          <p:cNvSpPr>
+            <a:spLocks noGrp="1"/>
+          </p:cNvSpPr>
+          <p:nvPr>
+            <p:ph type="dt" sz="half" idx="10"/>
+          </p:nvPr>
+        </p:nvSpPr>
+        <p:spPr/>
+        <p:txBody>
           <a:bodyPr/>
           <a:lstStyle/>
           <a:p>
-            <a:pPr lvl="0"/>
-            <a:r>
-              <a:rPr lang="en-US"/>
-              <a:t>Edit Master text styles</a:t>
-            </a:r>
-          </a:p>
-          <a:p>
-            <a:pPr lvl="1"/>
-            <a:r>
-              <a:rPr lang="en-US"/>
-              <a:t>Second level</a:t>
-            </a:r>
-          </a:p>
-          <a:p>
-            <a:pPr lvl="2"/>
-            <a:r>
-              <a:rPr lang="en-US"/>
-              <a:t>Third level</a:t>
-            </a:r>
-          </a:p>
-          <a:p>
-            <a:pPr lvl="3"/>
-            <a:r>
-              <a:rPr lang="en-US"/>
-              <a:t>Fourth level</a:t>
-            </a:r>
-          </a:p>
-          <a:p>
-            <a:pPr lvl="4"/>
-            <a:r>
-              <a:rPr lang="en-US"/>
-              <a:t>Fifth level</a:t>
-            </a:r>
-          </a:p>
-        </p:txBody>
-      </p:sp>
-      <p:sp>
-        <p:nvSpPr>
-          <p:cNvPr id="5" name="Date Placeholder 4">
-            <a:extLst>
-              <a:ext uri="{FF2B5EF4-FFF2-40B4-BE49-F238E27FC236}">
-                <a16:creationId xmlns:a16="http://schemas.microsoft.com/office/drawing/2014/main" id="{13E22924-624C-4986-9F76-B332614F0E26}"/>
-              </a:ext>
-            </a:extLst>
-          </p:cNvPr>
-          <p:cNvSpPr>
-            <a:spLocks noGrp="1"/>
-          </p:cNvSpPr>
-          <p:nvPr>
-            <p:ph type="dt" sz="half" idx="10"/>
-          </p:nvPr>
-        </p:nvSpPr>
-        <p:spPr/>
-        <p:txBody>
-          <a:bodyPr/>
-          <a:lstStyle/>
-          <a:p>
-            <a:fld id="{7348CE42-FEE2-4BBD-BBE7-71C347CEF861}" type="datetimeFigureOut">
+            <a:fld id="{097ADEC8-AEC4-46B5-BF5C-EA5094F50D31}" type="datetime1">
               <a:rPr lang="en-US" smtClean="0"/>
-              <a:t>2/23/2019</a:t>
+              <a:t>3/3/2019</a:t>
             </a:fld>
             <a:endParaRPr lang="en-US"/>
           </a:p>
@@ -1409,13 +2214,7 @@
       </p:sp>
       <p:sp>
         <p:nvSpPr>
-          <p:cNvPr id="6" name="Footer Placeholder 5">
-            <a:extLst>
-              <a:ext uri="{FF2B5EF4-FFF2-40B4-BE49-F238E27FC236}">
-                <a16:creationId xmlns:a16="http://schemas.microsoft.com/office/drawing/2014/main" id="{6602193F-C97D-4422-8127-0AD745ABC35E}"/>
-              </a:ext>
-            </a:extLst>
-          </p:cNvPr>
+          <p:cNvPr id="6" name="Footer Placeholder 5"/>
           <p:cNvSpPr>
             <a:spLocks noGrp="1"/>
           </p:cNvSpPr>
@@ -1434,13 +2233,7 @@
       </p:sp>
       <p:sp>
         <p:nvSpPr>
-          <p:cNvPr id="7" name="Slide Number Placeholder 6">
-            <a:extLst>
-              <a:ext uri="{FF2B5EF4-FFF2-40B4-BE49-F238E27FC236}">
-                <a16:creationId xmlns:a16="http://schemas.microsoft.com/office/drawing/2014/main" id="{B35C763C-C338-4EA7-9FD8-69F41F2EC3D4}"/>
-              </a:ext>
-            </a:extLst>
-          </p:cNvPr>
+          <p:cNvPr id="7" name="Slide Number Placeholder 6"/>
           <p:cNvSpPr>
             <a:spLocks noGrp="1"/>
           </p:cNvSpPr>
@@ -1464,7 +2257,7 @@
     </p:spTree>
     <p:extLst>
       <p:ext uri="{BB962C8B-B14F-4D97-AF65-F5344CB8AC3E}">
-        <p14:creationId xmlns:p14="http://schemas.microsoft.com/office/powerpoint/2010/main" val="3076788211"/>
+        <p14:creationId xmlns:p14="http://schemas.microsoft.com/office/powerpoint/2010/main" val="1957168053"/>
       </p:ext>
     </p:extLst>
   </p:cSld>
@@ -1493,13 +2286,7 @@
       </p:grpSpPr>
       <p:sp>
         <p:nvSpPr>
-          <p:cNvPr id="2" name="Title 1">
-            <a:extLst>
-              <a:ext uri="{FF2B5EF4-FFF2-40B4-BE49-F238E27FC236}">
-                <a16:creationId xmlns:a16="http://schemas.microsoft.com/office/drawing/2014/main" id="{0AE56ABA-EEDC-4EE8-8D79-CA1335CD9088}"/>
-              </a:ext>
-            </a:extLst>
-          </p:cNvPr>
+          <p:cNvPr id="10" name="Title 9"/>
           <p:cNvSpPr>
             <a:spLocks noGrp="1"/>
           </p:cNvSpPr>
@@ -1509,8 +2296,8 @@
         </p:nvSpPr>
         <p:spPr>
           <a:xfrm>
-            <a:off x="839788" y="365125"/>
-            <a:ext cx="10515600" cy="1325563"/>
+            <a:off x="1097280" y="286603"/>
+            <a:ext cx="10058400" cy="1450757"/>
           </a:xfrm>
         </p:spPr>
         <p:txBody>
@@ -1521,18 +2308,13 @@
               <a:rPr lang="en-US"/>
               <a:t>Click to edit Master title style</a:t>
             </a:r>
-          </a:p>
-        </p:txBody>
-      </p:sp>
-      <p:sp>
-        <p:nvSpPr>
-          <p:cNvPr id="3" name="Text Placeholder 2">
-            <a:extLst>
-              <a:ext uri="{FF2B5EF4-FFF2-40B4-BE49-F238E27FC236}">
-                <a16:creationId xmlns:a16="http://schemas.microsoft.com/office/drawing/2014/main" id="{C07AD819-D133-4F9A-92F6-4BAF2E4B2581}"/>
-              </a:ext>
-            </a:extLst>
-          </p:cNvPr>
+            <a:endParaRPr lang="en-US" dirty="0"/>
+          </a:p>
+        </p:txBody>
+      </p:sp>
+      <p:sp>
+        <p:nvSpPr>
+          <p:cNvPr id="3" name="Text Placeholder 2"/>
           <p:cNvSpPr>
             <a:spLocks noGrp="1"/>
           </p:cNvSpPr>
@@ -1542,16 +2324,22 @@
         </p:nvSpPr>
         <p:spPr>
           <a:xfrm>
-            <a:off x="839788" y="1681163"/>
-            <a:ext cx="5157787" cy="823912"/>
+            <a:off x="1097280" y="1846052"/>
+            <a:ext cx="4937760" cy="736282"/>
           </a:xfrm>
         </p:spPr>
         <p:txBody>
-          <a:bodyPr anchor="b"/>
+          <a:bodyPr lIns="91440" rIns="91440" anchor="ctr">
+            <a:normAutofit/>
+          </a:bodyPr>
           <a:lstStyle>
             <a:lvl1pPr marL="0" indent="0">
               <a:buNone/>
-              <a:defRPr sz="2400" b="1"/>
+              <a:defRPr sz="2000" b="0" cap="all" baseline="0">
+                <a:solidFill>
+                  <a:schemeClr val="tx2"/>
+                </a:solidFill>
+              </a:defRPr>
             </a:lvl1pPr>
             <a:lvl2pPr marL="457200" indent="0">
               <a:buNone/>
@@ -1597,13 +2385,7 @@
       </p:sp>
       <p:sp>
         <p:nvSpPr>
-          <p:cNvPr id="4" name="Content Placeholder 3">
-            <a:extLst>
-              <a:ext uri="{FF2B5EF4-FFF2-40B4-BE49-F238E27FC236}">
-                <a16:creationId xmlns:a16="http://schemas.microsoft.com/office/drawing/2014/main" id="{463EB40B-0774-425E-BDC5-D462949DC94F}"/>
-              </a:ext>
-            </a:extLst>
-          </p:cNvPr>
+          <p:cNvPr id="4" name="Content Placeholder 3"/>
           <p:cNvSpPr>
             <a:spLocks noGrp="1"/>
           </p:cNvSpPr>
@@ -1613,8 +2395,8 @@
         </p:nvSpPr>
         <p:spPr>
           <a:xfrm>
-            <a:off x="839788" y="2505075"/>
-            <a:ext cx="5157787" cy="3684588"/>
+            <a:off x="1097280" y="2582334"/>
+            <a:ext cx="4937760" cy="3378200"/>
           </a:xfrm>
         </p:spPr>
         <p:txBody>
@@ -1654,18 +2436,13 @@
               <a:rPr lang="en-US"/>
               <a:t>Fifth level</a:t>
             </a:r>
-          </a:p>
-        </p:txBody>
-      </p:sp>
-      <p:sp>
-        <p:nvSpPr>
-          <p:cNvPr id="5" name="Text Placeholder 4">
-            <a:extLst>
-              <a:ext uri="{FF2B5EF4-FFF2-40B4-BE49-F238E27FC236}">
-                <a16:creationId xmlns:a16="http://schemas.microsoft.com/office/drawing/2014/main" id="{4923F2C8-F92D-48E1-ABDA-AF7EF0385C18}"/>
-              </a:ext>
-            </a:extLst>
-          </p:cNvPr>
+            <a:endParaRPr lang="en-US" dirty="0"/>
+          </a:p>
+        </p:txBody>
+      </p:sp>
+      <p:sp>
+        <p:nvSpPr>
+          <p:cNvPr id="5" name="Text Placeholder 4"/>
           <p:cNvSpPr>
             <a:spLocks noGrp="1"/>
           </p:cNvSpPr>
@@ -1675,16 +2452,22 @@
         </p:nvSpPr>
         <p:spPr>
           <a:xfrm>
-            <a:off x="6172200" y="1681163"/>
-            <a:ext cx="5183188" cy="823912"/>
+            <a:off x="6217920" y="1846052"/>
+            <a:ext cx="4937760" cy="736282"/>
           </a:xfrm>
         </p:spPr>
         <p:txBody>
-          <a:bodyPr anchor="b"/>
+          <a:bodyPr lIns="91440" rIns="91440" anchor="ctr">
+            <a:normAutofit/>
+          </a:bodyPr>
           <a:lstStyle>
             <a:lvl1pPr marL="0" indent="0">
               <a:buNone/>
-              <a:defRPr sz="2400" b="1"/>
+              <a:defRPr sz="2000" b="0" cap="all" baseline="0">
+                <a:solidFill>
+                  <a:schemeClr val="tx2"/>
+                </a:solidFill>
+              </a:defRPr>
             </a:lvl1pPr>
             <a:lvl2pPr marL="457200" indent="0">
               <a:buNone/>
@@ -1730,13 +2513,7 @@
       </p:sp>
       <p:sp>
         <p:nvSpPr>
-          <p:cNvPr id="6" name="Content Placeholder 5">
-            <a:extLst>
-              <a:ext uri="{FF2B5EF4-FFF2-40B4-BE49-F238E27FC236}">
-                <a16:creationId xmlns:a16="http://schemas.microsoft.com/office/drawing/2014/main" id="{78F1AFAA-1975-4F16-AAF8-9240454D0877}"/>
-              </a:ext>
-            </a:extLst>
-          </p:cNvPr>
+          <p:cNvPr id="6" name="Content Placeholder 5"/>
           <p:cNvSpPr>
             <a:spLocks noGrp="1"/>
           </p:cNvSpPr>
@@ -1746,8 +2523,8 @@
         </p:nvSpPr>
         <p:spPr>
           <a:xfrm>
-            <a:off x="6172200" y="2505075"/>
-            <a:ext cx="5183188" cy="3684588"/>
+            <a:off x="6217920" y="2582334"/>
+            <a:ext cx="4937760" cy="3378200"/>
           </a:xfrm>
         </p:spPr>
         <p:txBody>
@@ -1787,18 +2564,13 @@
               <a:rPr lang="en-US"/>
               <a:t>Fifth level</a:t>
             </a:r>
-          </a:p>
-        </p:txBody>
-      </p:sp>
-      <p:sp>
-        <p:nvSpPr>
-          <p:cNvPr id="7" name="Date Placeholder 6">
-            <a:extLst>
-              <a:ext uri="{FF2B5EF4-FFF2-40B4-BE49-F238E27FC236}">
-                <a16:creationId xmlns:a16="http://schemas.microsoft.com/office/drawing/2014/main" id="{AEBC343D-4BB0-4A21-82CF-5D503F94904B}"/>
-              </a:ext>
-            </a:extLst>
-          </p:cNvPr>
+            <a:endParaRPr lang="en-US" dirty="0"/>
+          </a:p>
+        </p:txBody>
+      </p:sp>
+      <p:sp>
+        <p:nvSpPr>
+          <p:cNvPr id="7" name="Date Placeholder 6"/>
           <p:cNvSpPr>
             <a:spLocks noGrp="1"/>
           </p:cNvSpPr>
@@ -1811,9 +2583,9 @@
           <a:bodyPr/>
           <a:lstStyle/>
           <a:p>
-            <a:fld id="{7348CE42-FEE2-4BBD-BBE7-71C347CEF861}" type="datetimeFigureOut">
+            <a:fld id="{8594FE3C-73BE-4744-8F6D-FBC4E4ABF04C}" type="datetime1">
               <a:rPr lang="en-US" smtClean="0"/>
-              <a:t>2/23/2019</a:t>
+              <a:t>3/3/2019</a:t>
             </a:fld>
             <a:endParaRPr lang="en-US"/>
           </a:p>
@@ -1821,13 +2593,7 @@
       </p:sp>
       <p:sp>
         <p:nvSpPr>
-          <p:cNvPr id="8" name="Footer Placeholder 7">
-            <a:extLst>
-              <a:ext uri="{FF2B5EF4-FFF2-40B4-BE49-F238E27FC236}">
-                <a16:creationId xmlns:a16="http://schemas.microsoft.com/office/drawing/2014/main" id="{C26DA72C-4ABB-4DD7-AFDF-F395EACF97EE}"/>
-              </a:ext>
-            </a:extLst>
-          </p:cNvPr>
+          <p:cNvPr id="8" name="Footer Placeholder 7"/>
           <p:cNvSpPr>
             <a:spLocks noGrp="1"/>
           </p:cNvSpPr>
@@ -1846,13 +2612,7 @@
       </p:sp>
       <p:sp>
         <p:nvSpPr>
-          <p:cNvPr id="9" name="Slide Number Placeholder 8">
-            <a:extLst>
-              <a:ext uri="{FF2B5EF4-FFF2-40B4-BE49-F238E27FC236}">
-                <a16:creationId xmlns:a16="http://schemas.microsoft.com/office/drawing/2014/main" id="{96918523-AA98-4491-8122-395BF40D68C5}"/>
-              </a:ext>
-            </a:extLst>
-          </p:cNvPr>
+          <p:cNvPr id="9" name="Slide Number Placeholder 8"/>
           <p:cNvSpPr>
             <a:spLocks noGrp="1"/>
           </p:cNvSpPr>
@@ -1876,7 +2636,7 @@
     </p:spTree>
     <p:extLst>
       <p:ext uri="{BB962C8B-B14F-4D97-AF65-F5344CB8AC3E}">
-        <p14:creationId xmlns:p14="http://schemas.microsoft.com/office/powerpoint/2010/main" val="3779190477"/>
+        <p14:creationId xmlns:p14="http://schemas.microsoft.com/office/powerpoint/2010/main" val="3005885398"/>
       </p:ext>
     </p:extLst>
   </p:cSld>
@@ -1905,13 +2665,7 @@
       </p:grpSpPr>
       <p:sp>
         <p:nvSpPr>
-          <p:cNvPr id="2" name="Title 1">
-            <a:extLst>
-              <a:ext uri="{FF2B5EF4-FFF2-40B4-BE49-F238E27FC236}">
-                <a16:creationId xmlns:a16="http://schemas.microsoft.com/office/drawing/2014/main" id="{296225BB-C052-4C8F-9062-2FBC74A66829}"/>
-              </a:ext>
-            </a:extLst>
-          </p:cNvPr>
+          <p:cNvPr id="2" name="Title 1"/>
           <p:cNvSpPr>
             <a:spLocks noGrp="1"/>
           </p:cNvSpPr>
@@ -1928,18 +2682,13 @@
               <a:rPr lang="en-US"/>
               <a:t>Click to edit Master title style</a:t>
             </a:r>
-          </a:p>
-        </p:txBody>
-      </p:sp>
-      <p:sp>
-        <p:nvSpPr>
-          <p:cNvPr id="3" name="Date Placeholder 2">
-            <a:extLst>
-              <a:ext uri="{FF2B5EF4-FFF2-40B4-BE49-F238E27FC236}">
-                <a16:creationId xmlns:a16="http://schemas.microsoft.com/office/drawing/2014/main" id="{EBE692D4-9C6F-4A4A-A2D7-A4B1EFE62556}"/>
-              </a:ext>
-            </a:extLst>
-          </p:cNvPr>
+            <a:endParaRPr lang="en-US" dirty="0"/>
+          </a:p>
+        </p:txBody>
+      </p:sp>
+      <p:sp>
+        <p:nvSpPr>
+          <p:cNvPr id="3" name="Date Placeholder 2"/>
           <p:cNvSpPr>
             <a:spLocks noGrp="1"/>
           </p:cNvSpPr>
@@ -1952,9 +2701,9 @@
           <a:bodyPr/>
           <a:lstStyle/>
           <a:p>
-            <a:fld id="{7348CE42-FEE2-4BBD-BBE7-71C347CEF861}" type="datetimeFigureOut">
+            <a:fld id="{4CF0F95E-4FA8-4095-9F59-9AA3C509230E}" type="datetime1">
               <a:rPr lang="en-US" smtClean="0"/>
-              <a:t>2/23/2019</a:t>
+              <a:t>3/3/2019</a:t>
             </a:fld>
             <a:endParaRPr lang="en-US"/>
           </a:p>
@@ -1962,13 +2711,7 @@
       </p:sp>
       <p:sp>
         <p:nvSpPr>
-          <p:cNvPr id="4" name="Footer Placeholder 3">
-            <a:extLst>
-              <a:ext uri="{FF2B5EF4-FFF2-40B4-BE49-F238E27FC236}">
-                <a16:creationId xmlns:a16="http://schemas.microsoft.com/office/drawing/2014/main" id="{3F38DDFE-1F46-4A20-8385-ED56CBAE22FD}"/>
-              </a:ext>
-            </a:extLst>
-          </p:cNvPr>
+          <p:cNvPr id="4" name="Footer Placeholder 3"/>
           <p:cNvSpPr>
             <a:spLocks noGrp="1"/>
           </p:cNvSpPr>
@@ -1987,13 +2730,7 @@
       </p:sp>
       <p:sp>
         <p:nvSpPr>
-          <p:cNvPr id="5" name="Slide Number Placeholder 4">
-            <a:extLst>
-              <a:ext uri="{FF2B5EF4-FFF2-40B4-BE49-F238E27FC236}">
-                <a16:creationId xmlns:a16="http://schemas.microsoft.com/office/drawing/2014/main" id="{EFB39FDA-7724-4F0D-81EC-7D9EDA12A245}"/>
-              </a:ext>
-            </a:extLst>
-          </p:cNvPr>
+          <p:cNvPr id="5" name="Slide Number Placeholder 4"/>
           <p:cNvSpPr>
             <a:spLocks noGrp="1"/>
           </p:cNvSpPr>
@@ -2017,7 +2754,7 @@
     </p:spTree>
     <p:extLst>
       <p:ext uri="{BB962C8B-B14F-4D97-AF65-F5344CB8AC3E}">
-        <p14:creationId xmlns:p14="http://schemas.microsoft.com/office/powerpoint/2010/main" val="930332286"/>
+        <p14:creationId xmlns:p14="http://schemas.microsoft.com/office/powerpoint/2010/main" val="323335401"/>
       </p:ext>
     </p:extLst>
   </p:cSld>
@@ -2028,7 +2765,7 @@
 </file>
 
 <file path=ppt/slideLayouts/slideLayout7.xml><?xml version="1.0" encoding="utf-8"?>
-<p:sldLayout xmlns:a="http://schemas.openxmlformats.org/drawingml/2006/main" xmlns:r="http://schemas.openxmlformats.org/officeDocument/2006/relationships" xmlns:p="http://schemas.openxmlformats.org/presentationml/2006/main" type="blank" preserve="1">
+<p:sldLayout xmlns:a="http://schemas.openxmlformats.org/drawingml/2006/main" xmlns:r="http://schemas.openxmlformats.org/officeDocument/2006/relationships" xmlns:p="http://schemas.openxmlformats.org/presentationml/2006/main" showMasterSp="0" type="blank" preserve="1">
   <p:cSld name="Blank">
     <p:spTree>
       <p:nvGrpSpPr>
@@ -2046,13 +2783,83 @@
       </p:grpSpPr>
       <p:sp>
         <p:nvSpPr>
-          <p:cNvPr id="2" name="Date Placeholder 1">
-            <a:extLst>
-              <a:ext uri="{FF2B5EF4-FFF2-40B4-BE49-F238E27FC236}">
-                <a16:creationId xmlns:a16="http://schemas.microsoft.com/office/drawing/2014/main" id="{53E668FC-431A-4253-9374-5A8581F56219}"/>
-              </a:ext>
-            </a:extLst>
-          </p:cNvPr>
+          <p:cNvPr id="5" name="Rectangle 4"/>
+          <p:cNvSpPr/>
+          <p:nvPr/>
+        </p:nvSpPr>
+        <p:spPr>
+          <a:xfrm>
+            <a:off x="3175" y="6400800"/>
+            <a:ext cx="12188825" cy="457200"/>
+          </a:xfrm>
+          <a:prstGeom prst="rect">
+            <a:avLst/>
+          </a:prstGeom>
+          <a:solidFill>
+            <a:schemeClr val="accent2"/>
+          </a:solidFill>
+          <a:ln>
+            <a:noFill/>
+          </a:ln>
+        </p:spPr>
+        <p:style>
+          <a:lnRef idx="2">
+            <a:schemeClr val="accent1">
+              <a:shade val="50000"/>
+            </a:schemeClr>
+          </a:lnRef>
+          <a:fillRef idx="1">
+            <a:schemeClr val="accent1"/>
+          </a:fillRef>
+          <a:effectRef idx="0">
+            <a:schemeClr val="accent1"/>
+          </a:effectRef>
+          <a:fontRef idx="minor">
+            <a:schemeClr val="lt1"/>
+          </a:fontRef>
+        </p:style>
+      </p:sp>
+      <p:sp>
+        <p:nvSpPr>
+          <p:cNvPr id="6" name="Rectangle 5"/>
+          <p:cNvSpPr/>
+          <p:nvPr/>
+        </p:nvSpPr>
+        <p:spPr>
+          <a:xfrm>
+            <a:off x="15" y="6334316"/>
+            <a:ext cx="12188825" cy="64008"/>
+          </a:xfrm>
+          <a:prstGeom prst="rect">
+            <a:avLst/>
+          </a:prstGeom>
+          <a:solidFill>
+            <a:schemeClr val="accent1"/>
+          </a:solidFill>
+          <a:ln>
+            <a:noFill/>
+          </a:ln>
+        </p:spPr>
+        <p:style>
+          <a:lnRef idx="2">
+            <a:schemeClr val="accent1">
+              <a:shade val="50000"/>
+            </a:schemeClr>
+          </a:lnRef>
+          <a:fillRef idx="1">
+            <a:schemeClr val="accent1"/>
+          </a:fillRef>
+          <a:effectRef idx="0">
+            <a:schemeClr val="accent1"/>
+          </a:effectRef>
+          <a:fontRef idx="minor">
+            <a:schemeClr val="lt1"/>
+          </a:fontRef>
+        </p:style>
+      </p:sp>
+      <p:sp>
+        <p:nvSpPr>
+          <p:cNvPr id="7" name="Date Placeholder 6"/>
           <p:cNvSpPr>
             <a:spLocks noGrp="1"/>
           </p:cNvSpPr>
@@ -2065,9 +2872,9 @@
           <a:bodyPr/>
           <a:lstStyle/>
           <a:p>
-            <a:fld id="{7348CE42-FEE2-4BBD-BBE7-71C347CEF861}" type="datetimeFigureOut">
+            <a:fld id="{6C2D2205-FCE1-474F-B63A-B2A0AA22FD13}" type="datetime1">
               <a:rPr lang="en-US" smtClean="0"/>
-              <a:t>2/23/2019</a:t>
+              <a:t>3/3/2019</a:t>
             </a:fld>
             <a:endParaRPr lang="en-US"/>
           </a:p>
@@ -2075,13 +2882,7 @@
       </p:sp>
       <p:sp>
         <p:nvSpPr>
-          <p:cNvPr id="3" name="Footer Placeholder 2">
-            <a:extLst>
-              <a:ext uri="{FF2B5EF4-FFF2-40B4-BE49-F238E27FC236}">
-                <a16:creationId xmlns:a16="http://schemas.microsoft.com/office/drawing/2014/main" id="{68F2F70E-F7C3-45F6-87C5-4C2850C95BCE}"/>
-              </a:ext>
-            </a:extLst>
-          </p:cNvPr>
+          <p:cNvPr id="8" name="Footer Placeholder 7"/>
           <p:cNvSpPr>
             <a:spLocks noGrp="1"/>
           </p:cNvSpPr>
@@ -2092,7 +2893,15 @@
         <p:spPr/>
         <p:txBody>
           <a:bodyPr/>
-          <a:lstStyle/>
+          <a:lstStyle>
+            <a:lvl1pPr>
+              <a:defRPr>
+                <a:solidFill>
+                  <a:srgbClr val="FFFFFF"/>
+                </a:solidFill>
+              </a:defRPr>
+            </a:lvl1pPr>
+          </a:lstStyle>
           <a:p>
             <a:endParaRPr lang="en-US"/>
           </a:p>
@@ -2100,13 +2909,7 @@
       </p:sp>
       <p:sp>
         <p:nvSpPr>
-          <p:cNvPr id="4" name="Slide Number Placeholder 3">
-            <a:extLst>
-              <a:ext uri="{FF2B5EF4-FFF2-40B4-BE49-F238E27FC236}">
-                <a16:creationId xmlns:a16="http://schemas.microsoft.com/office/drawing/2014/main" id="{E1F53739-715F-46BB-9664-7E9D443EA3B5}"/>
-              </a:ext>
-            </a:extLst>
-          </p:cNvPr>
+          <p:cNvPr id="9" name="Slide Number Placeholder 8"/>
           <p:cNvSpPr>
             <a:spLocks noGrp="1"/>
           </p:cNvSpPr>
@@ -2130,7 +2933,7 @@
     </p:spTree>
     <p:extLst>
       <p:ext uri="{BB962C8B-B14F-4D97-AF65-F5344CB8AC3E}">
-        <p14:creationId xmlns:p14="http://schemas.microsoft.com/office/powerpoint/2010/main" val="3658877929"/>
+        <p14:creationId xmlns:p14="http://schemas.microsoft.com/office/powerpoint/2010/main" val="509510660"/>
       </p:ext>
     </p:extLst>
   </p:cSld>
@@ -2141,7 +2944,7 @@
 </file>
 
 <file path=ppt/slideLayouts/slideLayout8.xml><?xml version="1.0" encoding="utf-8"?>
-<p:sldLayout xmlns:a="http://schemas.openxmlformats.org/drawingml/2006/main" xmlns:r="http://schemas.openxmlformats.org/officeDocument/2006/relationships" xmlns:p="http://schemas.openxmlformats.org/presentationml/2006/main" type="objTx" preserve="1">
+<p:sldLayout xmlns:a="http://schemas.openxmlformats.org/drawingml/2006/main" xmlns:r="http://schemas.openxmlformats.org/officeDocument/2006/relationships" xmlns:p="http://schemas.openxmlformats.org/presentationml/2006/main" showMasterSp="0" type="objTx" preserve="1">
   <p:cSld name="Content with Caption">
     <p:spTree>
       <p:nvGrpSpPr>
@@ -2159,31 +2962,107 @@
       </p:grpSpPr>
       <p:sp>
         <p:nvSpPr>
-          <p:cNvPr id="2" name="Title 1">
-            <a:extLst>
-              <a:ext uri="{FF2B5EF4-FFF2-40B4-BE49-F238E27FC236}">
-                <a16:creationId xmlns:a16="http://schemas.microsoft.com/office/drawing/2014/main" id="{CDD426CB-52CF-43DD-8F46-6A42C2143800}"/>
-              </a:ext>
-            </a:extLst>
-          </p:cNvPr>
-          <p:cNvSpPr>
-            <a:spLocks noGrp="1"/>
-          </p:cNvSpPr>
-          <p:nvPr>
-            <p:ph type="title"/>
-          </p:nvPr>
+          <p:cNvPr id="8" name="Rectangle 7"/>
+          <p:cNvSpPr/>
+          <p:nvPr/>
         </p:nvSpPr>
         <p:spPr>
           <a:xfrm>
-            <a:off x="839788" y="457200"/>
-            <a:ext cx="3932237" cy="1600200"/>
+            <a:off x="16" y="0"/>
+            <a:ext cx="4050791" cy="6858000"/>
+          </a:xfrm>
+          <a:prstGeom prst="rect">
+            <a:avLst/>
+          </a:prstGeom>
+          <a:solidFill>
+            <a:schemeClr val="accent2"/>
+          </a:solidFill>
+          <a:ln>
+            <a:noFill/>
+          </a:ln>
+        </p:spPr>
+        <p:style>
+          <a:lnRef idx="2">
+            <a:schemeClr val="accent1">
+              <a:shade val="50000"/>
+            </a:schemeClr>
+          </a:lnRef>
+          <a:fillRef idx="1">
+            <a:schemeClr val="accent1"/>
+          </a:fillRef>
+          <a:effectRef idx="0">
+            <a:schemeClr val="accent1"/>
+          </a:effectRef>
+          <a:fontRef idx="minor">
+            <a:schemeClr val="lt1"/>
+          </a:fontRef>
+        </p:style>
+      </p:sp>
+      <p:sp>
+        <p:nvSpPr>
+          <p:cNvPr id="9" name="Rectangle 8"/>
+          <p:cNvSpPr/>
+          <p:nvPr/>
+        </p:nvSpPr>
+        <p:spPr>
+          <a:xfrm>
+            <a:off x="4040071" y="0"/>
+            <a:ext cx="64008" cy="6858000"/>
+          </a:xfrm>
+          <a:prstGeom prst="rect">
+            <a:avLst/>
+          </a:prstGeom>
+          <a:solidFill>
+            <a:schemeClr val="accent1"/>
+          </a:solidFill>
+          <a:ln>
+            <a:noFill/>
+          </a:ln>
+        </p:spPr>
+        <p:style>
+          <a:lnRef idx="2">
+            <a:schemeClr val="accent1">
+              <a:shade val="50000"/>
+            </a:schemeClr>
+          </a:lnRef>
+          <a:fillRef idx="1">
+            <a:schemeClr val="accent1"/>
+          </a:fillRef>
+          <a:effectRef idx="0">
+            <a:schemeClr val="accent1"/>
+          </a:effectRef>
+          <a:fontRef idx="minor">
+            <a:schemeClr val="lt1"/>
+          </a:fontRef>
+        </p:style>
+      </p:sp>
+      <p:sp>
+        <p:nvSpPr>
+          <p:cNvPr id="2" name="Title 1"/>
+          <p:cNvSpPr>
+            <a:spLocks noGrp="1"/>
+          </p:cNvSpPr>
+          <p:nvPr>
+            <p:ph type="title"/>
+          </p:nvPr>
+        </p:nvSpPr>
+        <p:spPr>
+          <a:xfrm>
+            <a:off x="457200" y="594359"/>
+            <a:ext cx="3200400" cy="2286000"/>
           </a:xfrm>
         </p:spPr>
         <p:txBody>
-          <a:bodyPr anchor="b"/>
+          <a:bodyPr anchor="b">
+            <a:normAutofit/>
+          </a:bodyPr>
           <a:lstStyle>
             <a:lvl1pPr>
-              <a:defRPr sz="3200"/>
+              <a:defRPr sz="3600" b="0">
+                <a:solidFill>
+                  <a:srgbClr val="FFFFFF"/>
+                </a:solidFill>
+              </a:defRPr>
             </a:lvl1pPr>
           </a:lstStyle>
           <a:p>
@@ -2191,18 +3070,13 @@
               <a:rPr lang="en-US"/>
               <a:t>Click to edit Master title style</a:t>
             </a:r>
-          </a:p>
-        </p:txBody>
-      </p:sp>
-      <p:sp>
-        <p:nvSpPr>
-          <p:cNvPr id="3" name="Content Placeholder 2">
-            <a:extLst>
-              <a:ext uri="{FF2B5EF4-FFF2-40B4-BE49-F238E27FC236}">
-                <a16:creationId xmlns:a16="http://schemas.microsoft.com/office/drawing/2014/main" id="{064B818E-0FBB-49A6-90A4-A2957FA64905}"/>
-              </a:ext>
-            </a:extLst>
-          </p:cNvPr>
+            <a:endParaRPr lang="en-US" dirty="0"/>
+          </a:p>
+        </p:txBody>
+      </p:sp>
+      <p:sp>
+        <p:nvSpPr>
+          <p:cNvPr id="3" name="Content Placeholder 2"/>
           <p:cNvSpPr>
             <a:spLocks noGrp="1"/>
           </p:cNvSpPr>
@@ -2212,223 +3086,208 @@
         </p:nvSpPr>
         <p:spPr>
           <a:xfrm>
-            <a:off x="5183188" y="987425"/>
-            <a:ext cx="6172200" cy="4873625"/>
+            <a:off x="4800600" y="731520"/>
+            <a:ext cx="6492240" cy="5257800"/>
           </a:xfrm>
         </p:spPr>
+        <p:txBody>
+          <a:bodyPr/>
+          <a:lstStyle/>
+          <a:p>
+            <a:pPr lvl="0"/>
+            <a:r>
+              <a:rPr lang="en-US"/>
+              <a:t>Edit Master text styles</a:t>
+            </a:r>
+          </a:p>
+          <a:p>
+            <a:pPr lvl="1"/>
+            <a:r>
+              <a:rPr lang="en-US"/>
+              <a:t>Second level</a:t>
+            </a:r>
+          </a:p>
+          <a:p>
+            <a:pPr lvl="2"/>
+            <a:r>
+              <a:rPr lang="en-US"/>
+              <a:t>Third level</a:t>
+            </a:r>
+          </a:p>
+          <a:p>
+            <a:pPr lvl="3"/>
+            <a:r>
+              <a:rPr lang="en-US"/>
+              <a:t>Fourth level</a:t>
+            </a:r>
+          </a:p>
+          <a:p>
+            <a:pPr lvl="4"/>
+            <a:r>
+              <a:rPr lang="en-US"/>
+              <a:t>Fifth level</a:t>
+            </a:r>
+            <a:endParaRPr lang="en-US" dirty="0"/>
+          </a:p>
+        </p:txBody>
+      </p:sp>
+      <p:sp>
+        <p:nvSpPr>
+          <p:cNvPr id="4" name="Text Placeholder 3"/>
+          <p:cNvSpPr>
+            <a:spLocks noGrp="1"/>
+          </p:cNvSpPr>
+          <p:nvPr>
+            <p:ph type="body" sz="half" idx="2"/>
+          </p:nvPr>
+        </p:nvSpPr>
+        <p:spPr>
+          <a:xfrm>
+            <a:off x="457200" y="2926080"/>
+            <a:ext cx="3200400" cy="3379124"/>
+          </a:xfrm>
+        </p:spPr>
+        <p:txBody>
+          <a:bodyPr lIns="91440" rIns="91440">
+            <a:normAutofit/>
+          </a:bodyPr>
+          <a:lstStyle>
+            <a:lvl1pPr marL="0" indent="0">
+              <a:buNone/>
+              <a:defRPr sz="1500">
+                <a:solidFill>
+                  <a:srgbClr val="FFFFFF"/>
+                </a:solidFill>
+              </a:defRPr>
+            </a:lvl1pPr>
+            <a:lvl2pPr marL="457200" indent="0">
+              <a:buNone/>
+              <a:defRPr sz="1200"/>
+            </a:lvl2pPr>
+            <a:lvl3pPr marL="914400" indent="0">
+              <a:buNone/>
+              <a:defRPr sz="1000"/>
+            </a:lvl3pPr>
+            <a:lvl4pPr marL="1371600" indent="0">
+              <a:buNone/>
+              <a:defRPr sz="900"/>
+            </a:lvl4pPr>
+            <a:lvl5pPr marL="1828800" indent="0">
+              <a:buNone/>
+              <a:defRPr sz="900"/>
+            </a:lvl5pPr>
+            <a:lvl6pPr marL="2286000" indent="0">
+              <a:buNone/>
+              <a:defRPr sz="900"/>
+            </a:lvl6pPr>
+            <a:lvl7pPr marL="2743200" indent="0">
+              <a:buNone/>
+              <a:defRPr sz="900"/>
+            </a:lvl7pPr>
+            <a:lvl8pPr marL="3200400" indent="0">
+              <a:buNone/>
+              <a:defRPr sz="900"/>
+            </a:lvl8pPr>
+            <a:lvl9pPr marL="3657600" indent="0">
+              <a:buNone/>
+              <a:defRPr sz="900"/>
+            </a:lvl9pPr>
+          </a:lstStyle>
+          <a:p>
+            <a:pPr lvl="0"/>
+            <a:r>
+              <a:rPr lang="en-US"/>
+              <a:t>Edit Master text styles</a:t>
+            </a:r>
+          </a:p>
+        </p:txBody>
+      </p:sp>
+      <p:sp>
+        <p:nvSpPr>
+          <p:cNvPr id="5" name="Date Placeholder 4"/>
+          <p:cNvSpPr>
+            <a:spLocks noGrp="1"/>
+          </p:cNvSpPr>
+          <p:nvPr>
+            <p:ph type="dt" sz="half" idx="10"/>
+          </p:nvPr>
+        </p:nvSpPr>
+        <p:spPr>
+          <a:xfrm>
+            <a:off x="465512" y="6459785"/>
+            <a:ext cx="2618510" cy="365125"/>
+          </a:xfrm>
+        </p:spPr>
+        <p:txBody>
+          <a:bodyPr/>
+          <a:lstStyle>
+            <a:lvl1pPr algn="l">
+              <a:defRPr/>
+            </a:lvl1pPr>
+          </a:lstStyle>
+          <a:p>
+            <a:fld id="{FEF234E9-142B-42D5-A1D6-24DC8A9DE70C}" type="datetime1">
+              <a:rPr lang="en-US" smtClean="0"/>
+              <a:t>3/3/2019</a:t>
+            </a:fld>
+            <a:endParaRPr lang="en-US"/>
+          </a:p>
+        </p:txBody>
+      </p:sp>
+      <p:sp>
+        <p:nvSpPr>
+          <p:cNvPr id="6" name="Footer Placeholder 5"/>
+          <p:cNvSpPr>
+            <a:spLocks noGrp="1"/>
+          </p:cNvSpPr>
+          <p:nvPr>
+            <p:ph type="ftr" sz="quarter" idx="11"/>
+          </p:nvPr>
+        </p:nvSpPr>
+        <p:spPr>
+          <a:xfrm>
+            <a:off x="4800600" y="6459785"/>
+            <a:ext cx="4648200" cy="365125"/>
+          </a:xfrm>
+        </p:spPr>
+        <p:txBody>
+          <a:bodyPr/>
+          <a:lstStyle>
+            <a:lvl1pPr algn="l">
+              <a:defRPr>
+                <a:solidFill>
+                  <a:schemeClr val="tx2"/>
+                </a:solidFill>
+              </a:defRPr>
+            </a:lvl1pPr>
+          </a:lstStyle>
+          <a:p>
+            <a:endParaRPr lang="en-US"/>
+          </a:p>
+        </p:txBody>
+      </p:sp>
+      <p:sp>
+        <p:nvSpPr>
+          <p:cNvPr id="7" name="Slide Number Placeholder 6"/>
+          <p:cNvSpPr>
+            <a:spLocks noGrp="1"/>
+          </p:cNvSpPr>
+          <p:nvPr>
+            <p:ph type="sldNum" sz="quarter" idx="12"/>
+          </p:nvPr>
+        </p:nvSpPr>
+        <p:spPr/>
         <p:txBody>
           <a:bodyPr/>
           <a:lstStyle>
             <a:lvl1pPr>
-              <a:defRPr sz="3200"/>
+              <a:defRPr>
+                <a:solidFill>
+                  <a:schemeClr val="tx2"/>
+                </a:solidFill>
+              </a:defRPr>
             </a:lvl1pPr>
-            <a:lvl2pPr>
-              <a:defRPr sz="2800"/>
-            </a:lvl2pPr>
-            <a:lvl3pPr>
-              <a:defRPr sz="2400"/>
-            </a:lvl3pPr>
-            <a:lvl4pPr>
-              <a:defRPr sz="2000"/>
-            </a:lvl4pPr>
-            <a:lvl5pPr>
-              <a:defRPr sz="2000"/>
-            </a:lvl5pPr>
-            <a:lvl6pPr>
-              <a:defRPr sz="2000"/>
-            </a:lvl6pPr>
-            <a:lvl7pPr>
-              <a:defRPr sz="2000"/>
-            </a:lvl7pPr>
-            <a:lvl8pPr>
-              <a:defRPr sz="2000"/>
-            </a:lvl8pPr>
-            <a:lvl9pPr>
-              <a:defRPr sz="2000"/>
-            </a:lvl9pPr>
           </a:lstStyle>
-          <a:p>
-            <a:pPr lvl="0"/>
-            <a:r>
-              <a:rPr lang="en-US"/>
-              <a:t>Edit Master text styles</a:t>
-            </a:r>
-          </a:p>
-          <a:p>
-            <a:pPr lvl="1"/>
-            <a:r>
-              <a:rPr lang="en-US"/>
-              <a:t>Second level</a:t>
-            </a:r>
-          </a:p>
-          <a:p>
-            <a:pPr lvl="2"/>
-            <a:r>
-              <a:rPr lang="en-US"/>
-              <a:t>Third level</a:t>
-            </a:r>
-          </a:p>
-          <a:p>
-            <a:pPr lvl="3"/>
-            <a:r>
-              <a:rPr lang="en-US"/>
-              <a:t>Fourth level</a:t>
-            </a:r>
-          </a:p>
-          <a:p>
-            <a:pPr lvl="4"/>
-            <a:r>
-              <a:rPr lang="en-US"/>
-              <a:t>Fifth level</a:t>
-            </a:r>
-          </a:p>
-        </p:txBody>
-      </p:sp>
-      <p:sp>
-        <p:nvSpPr>
-          <p:cNvPr id="4" name="Text Placeholder 3">
-            <a:extLst>
-              <a:ext uri="{FF2B5EF4-FFF2-40B4-BE49-F238E27FC236}">
-                <a16:creationId xmlns:a16="http://schemas.microsoft.com/office/drawing/2014/main" id="{5C427529-DAD5-4C46-8FA0-D5FBEAEF5A29}"/>
-              </a:ext>
-            </a:extLst>
-          </p:cNvPr>
-          <p:cNvSpPr>
-            <a:spLocks noGrp="1"/>
-          </p:cNvSpPr>
-          <p:nvPr>
-            <p:ph type="body" sz="half" idx="2"/>
-          </p:nvPr>
-        </p:nvSpPr>
-        <p:spPr>
-          <a:xfrm>
-            <a:off x="839788" y="2057400"/>
-            <a:ext cx="3932237" cy="3811588"/>
-          </a:xfrm>
-        </p:spPr>
-        <p:txBody>
-          <a:bodyPr/>
-          <a:lstStyle>
-            <a:lvl1pPr marL="0" indent="0">
-              <a:buNone/>
-              <a:defRPr sz="1600"/>
-            </a:lvl1pPr>
-            <a:lvl2pPr marL="457200" indent="0">
-              <a:buNone/>
-              <a:defRPr sz="1400"/>
-            </a:lvl2pPr>
-            <a:lvl3pPr marL="914400" indent="0">
-              <a:buNone/>
-              <a:defRPr sz="1200"/>
-            </a:lvl3pPr>
-            <a:lvl4pPr marL="1371600" indent="0">
-              <a:buNone/>
-              <a:defRPr sz="1000"/>
-            </a:lvl4pPr>
-            <a:lvl5pPr marL="1828800" indent="0">
-              <a:buNone/>
-              <a:defRPr sz="1000"/>
-            </a:lvl5pPr>
-            <a:lvl6pPr marL="2286000" indent="0">
-              <a:buNone/>
-              <a:defRPr sz="1000"/>
-            </a:lvl6pPr>
-            <a:lvl7pPr marL="2743200" indent="0">
-              <a:buNone/>
-              <a:defRPr sz="1000"/>
-            </a:lvl7pPr>
-            <a:lvl8pPr marL="3200400" indent="0">
-              <a:buNone/>
-              <a:defRPr sz="1000"/>
-            </a:lvl8pPr>
-            <a:lvl9pPr marL="3657600" indent="0">
-              <a:buNone/>
-              <a:defRPr sz="1000"/>
-            </a:lvl9pPr>
-          </a:lstStyle>
-          <a:p>
-            <a:pPr lvl="0"/>
-            <a:r>
-              <a:rPr lang="en-US"/>
-              <a:t>Edit Master text styles</a:t>
-            </a:r>
-          </a:p>
-        </p:txBody>
-      </p:sp>
-      <p:sp>
-        <p:nvSpPr>
-          <p:cNvPr id="5" name="Date Placeholder 4">
-            <a:extLst>
-              <a:ext uri="{FF2B5EF4-FFF2-40B4-BE49-F238E27FC236}">
-                <a16:creationId xmlns:a16="http://schemas.microsoft.com/office/drawing/2014/main" id="{1F3EF126-B368-47A9-8524-92D7F19CBA7A}"/>
-              </a:ext>
-            </a:extLst>
-          </p:cNvPr>
-          <p:cNvSpPr>
-            <a:spLocks noGrp="1"/>
-          </p:cNvSpPr>
-          <p:nvPr>
-            <p:ph type="dt" sz="half" idx="10"/>
-          </p:nvPr>
-        </p:nvSpPr>
-        <p:spPr/>
-        <p:txBody>
-          <a:bodyPr/>
-          <a:lstStyle/>
-          <a:p>
-            <a:fld id="{7348CE42-FEE2-4BBD-BBE7-71C347CEF861}" type="datetimeFigureOut">
-              <a:rPr lang="en-US" smtClean="0"/>
-              <a:t>2/23/2019</a:t>
-            </a:fld>
-            <a:endParaRPr lang="en-US"/>
-          </a:p>
-        </p:txBody>
-      </p:sp>
-      <p:sp>
-        <p:nvSpPr>
-          <p:cNvPr id="6" name="Footer Placeholder 5">
-            <a:extLst>
-              <a:ext uri="{FF2B5EF4-FFF2-40B4-BE49-F238E27FC236}">
-                <a16:creationId xmlns:a16="http://schemas.microsoft.com/office/drawing/2014/main" id="{FCCF795A-8EA9-4FBE-A0A3-86813117CF10}"/>
-              </a:ext>
-            </a:extLst>
-          </p:cNvPr>
-          <p:cNvSpPr>
-            <a:spLocks noGrp="1"/>
-          </p:cNvSpPr>
-          <p:nvPr>
-            <p:ph type="ftr" sz="quarter" idx="11"/>
-          </p:nvPr>
-        </p:nvSpPr>
-        <p:spPr/>
-        <p:txBody>
-          <a:bodyPr/>
-          <a:lstStyle/>
-          <a:p>
-            <a:endParaRPr lang="en-US"/>
-          </a:p>
-        </p:txBody>
-      </p:sp>
-      <p:sp>
-        <p:nvSpPr>
-          <p:cNvPr id="7" name="Slide Number Placeholder 6">
-            <a:extLst>
-              <a:ext uri="{FF2B5EF4-FFF2-40B4-BE49-F238E27FC236}">
-                <a16:creationId xmlns:a16="http://schemas.microsoft.com/office/drawing/2014/main" id="{39B1C57C-0101-494E-8904-653BE361BACB}"/>
-              </a:ext>
-            </a:extLst>
-          </p:cNvPr>
-          <p:cNvSpPr>
-            <a:spLocks noGrp="1"/>
-          </p:cNvSpPr>
-          <p:nvPr>
-            <p:ph type="sldNum" sz="quarter" idx="12"/>
-          </p:nvPr>
-        </p:nvSpPr>
-        <p:spPr/>
-        <p:txBody>
-          <a:bodyPr/>
-          <a:lstStyle/>
           <a:p>
             <a:fld id="{46C42256-0222-41AC-89A0-C0A593D20A1E}" type="slidenum">
               <a:rPr lang="en-US" smtClean="0"/>
@@ -2441,7 +3300,7 @@
     </p:spTree>
     <p:extLst>
       <p:ext uri="{BB962C8B-B14F-4D97-AF65-F5344CB8AC3E}">
-        <p14:creationId xmlns:p14="http://schemas.microsoft.com/office/powerpoint/2010/main" val="3280333394"/>
+        <p14:creationId xmlns:p14="http://schemas.microsoft.com/office/powerpoint/2010/main" val="2853435902"/>
       </p:ext>
     </p:extLst>
   </p:cSld>
@@ -2452,7 +3311,7 @@
 </file>
 
 <file path=ppt/slideLayouts/slideLayout9.xml><?xml version="1.0" encoding="utf-8"?>
-<p:sldLayout xmlns:a="http://schemas.openxmlformats.org/drawingml/2006/main" xmlns:r="http://schemas.openxmlformats.org/officeDocument/2006/relationships" xmlns:p="http://schemas.openxmlformats.org/presentationml/2006/main" type="picTx" preserve="1">
+<p:sldLayout xmlns:a="http://schemas.openxmlformats.org/drawingml/2006/main" xmlns:r="http://schemas.openxmlformats.org/officeDocument/2006/relationships" xmlns:p="http://schemas.openxmlformats.org/presentationml/2006/main" showMasterSp="0" type="picTx" preserve="1">
   <p:cSld name="Picture with Caption">
     <p:spTree>
       <p:nvGrpSpPr>
@@ -2470,31 +3329,107 @@
       </p:grpSpPr>
       <p:sp>
         <p:nvSpPr>
-          <p:cNvPr id="2" name="Title 1">
-            <a:extLst>
-              <a:ext uri="{FF2B5EF4-FFF2-40B4-BE49-F238E27FC236}">
-                <a16:creationId xmlns:a16="http://schemas.microsoft.com/office/drawing/2014/main" id="{E366CB4D-CC4E-4462-BA01-78F98E4C2C43}"/>
-              </a:ext>
-            </a:extLst>
-          </p:cNvPr>
-          <p:cNvSpPr>
-            <a:spLocks noGrp="1"/>
-          </p:cNvSpPr>
-          <p:nvPr>
-            <p:ph type="title"/>
-          </p:nvPr>
+          <p:cNvPr id="8" name="Rectangle 7"/>
+          <p:cNvSpPr/>
+          <p:nvPr/>
         </p:nvSpPr>
         <p:spPr>
           <a:xfrm>
-            <a:off x="839788" y="457200"/>
-            <a:ext cx="3932237" cy="1600200"/>
+            <a:off x="0" y="4953000"/>
+            <a:ext cx="12188825" cy="1905000"/>
+          </a:xfrm>
+          <a:prstGeom prst="rect">
+            <a:avLst/>
+          </a:prstGeom>
+          <a:solidFill>
+            <a:schemeClr val="accent2"/>
+          </a:solidFill>
+          <a:ln>
+            <a:noFill/>
+          </a:ln>
+        </p:spPr>
+        <p:style>
+          <a:lnRef idx="2">
+            <a:schemeClr val="accent1">
+              <a:shade val="50000"/>
+            </a:schemeClr>
+          </a:lnRef>
+          <a:fillRef idx="1">
+            <a:schemeClr val="accent1"/>
+          </a:fillRef>
+          <a:effectRef idx="0">
+            <a:schemeClr val="accent1"/>
+          </a:effectRef>
+          <a:fontRef idx="minor">
+            <a:schemeClr val="lt1"/>
+          </a:fontRef>
+        </p:style>
+      </p:sp>
+      <p:sp>
+        <p:nvSpPr>
+          <p:cNvPr id="9" name="Rectangle 8"/>
+          <p:cNvSpPr/>
+          <p:nvPr/>
+        </p:nvSpPr>
+        <p:spPr>
+          <a:xfrm>
+            <a:off x="15" y="4915076"/>
+            <a:ext cx="12188825" cy="64008"/>
+          </a:xfrm>
+          <a:prstGeom prst="rect">
+            <a:avLst/>
+          </a:prstGeom>
+          <a:solidFill>
+            <a:schemeClr val="accent1"/>
+          </a:solidFill>
+          <a:ln>
+            <a:noFill/>
+          </a:ln>
+        </p:spPr>
+        <p:style>
+          <a:lnRef idx="2">
+            <a:schemeClr val="accent1">
+              <a:shade val="50000"/>
+            </a:schemeClr>
+          </a:lnRef>
+          <a:fillRef idx="1">
+            <a:schemeClr val="accent1"/>
+          </a:fillRef>
+          <a:effectRef idx="0">
+            <a:schemeClr val="accent1"/>
+          </a:effectRef>
+          <a:fontRef idx="minor">
+            <a:schemeClr val="lt1"/>
+          </a:fontRef>
+        </p:style>
+      </p:sp>
+      <p:sp>
+        <p:nvSpPr>
+          <p:cNvPr id="2" name="Title 1"/>
+          <p:cNvSpPr>
+            <a:spLocks noGrp="1"/>
+          </p:cNvSpPr>
+          <p:nvPr>
+            <p:ph type="title"/>
+          </p:nvPr>
+        </p:nvSpPr>
+        <p:spPr>
+          <a:xfrm>
+            <a:off x="1097280" y="5074920"/>
+            <a:ext cx="10113264" cy="822960"/>
           </a:xfrm>
         </p:spPr>
         <p:txBody>
-          <a:bodyPr anchor="b"/>
+          <a:bodyPr lIns="91440" tIns="0" rIns="91440" bIns="0" anchor="b">
+            <a:noAutofit/>
+          </a:bodyPr>
           <a:lstStyle>
             <a:lvl1pPr>
-              <a:defRPr sz="3200"/>
+              <a:defRPr sz="3600" b="0">
+                <a:solidFill>
+                  <a:srgbClr val="FFFFFF"/>
+                </a:solidFill>
+              </a:defRPr>
             </a:lvl1pPr>
           </a:lstStyle>
           <a:p>
@@ -2502,20 +3437,15 @@
               <a:rPr lang="en-US"/>
               <a:t>Click to edit Master title style</a:t>
             </a:r>
-          </a:p>
-        </p:txBody>
-      </p:sp>
-      <p:sp>
-        <p:nvSpPr>
-          <p:cNvPr id="3" name="Picture Placeholder 2">
-            <a:extLst>
-              <a:ext uri="{FF2B5EF4-FFF2-40B4-BE49-F238E27FC236}">
-                <a16:creationId xmlns:a16="http://schemas.microsoft.com/office/drawing/2014/main" id="{18B61E67-B2EE-4451-B12F-886B2DB07A38}"/>
-              </a:ext>
-            </a:extLst>
-          </p:cNvPr>
-          <p:cNvSpPr>
-            <a:spLocks noGrp="1"/>
+            <a:endParaRPr lang="en-US" dirty="0"/>
+          </a:p>
+        </p:txBody>
+      </p:sp>
+      <p:sp>
+        <p:nvSpPr>
+          <p:cNvPr id="3" name="Picture Placeholder 2"/>
+          <p:cNvSpPr>
+            <a:spLocks noGrp="1" noChangeAspect="1"/>
           </p:cNvSpPr>
           <p:nvPr>
             <p:ph type="pic" idx="1"/>
@@ -2523,16 +3453,26 @@
         </p:nvSpPr>
         <p:spPr>
           <a:xfrm>
-            <a:off x="5183188" y="987425"/>
-            <a:ext cx="6172200" cy="4873625"/>
+            <a:off x="15" y="0"/>
+            <a:ext cx="12191985" cy="4915076"/>
           </a:xfrm>
+          <a:blipFill>
+            <a:blip r:embed="rId2"/>
+            <a:stretch>
+              <a:fillRect/>
+            </a:stretch>
+          </a:blipFill>
         </p:spPr>
         <p:txBody>
-          <a:bodyPr/>
+          <a:bodyPr lIns="457200" tIns="457200" anchor="t"/>
           <a:lstStyle>
             <a:lvl1pPr marL="0" indent="0">
               <a:buNone/>
-              <a:defRPr sz="3200"/>
+              <a:defRPr sz="3200">
+                <a:solidFill>
+                  <a:schemeClr val="bg1"/>
+                </a:solidFill>
+              </a:defRPr>
             </a:lvl1pPr>
             <a:lvl2pPr marL="457200" indent="0">
               <a:buNone/>
@@ -2568,19 +3508,17 @@
             </a:lvl9pPr>
           </a:lstStyle>
           <a:p>
-            <a:endParaRPr lang="en-US"/>
-          </a:p>
-        </p:txBody>
-      </p:sp>
-      <p:sp>
-        <p:nvSpPr>
-          <p:cNvPr id="4" name="Text Placeholder 3">
-            <a:extLst>
-              <a:ext uri="{FF2B5EF4-FFF2-40B4-BE49-F238E27FC236}">
-                <a16:creationId xmlns:a16="http://schemas.microsoft.com/office/drawing/2014/main" id="{B17CA267-C7BF-4591-BBF7-A15DB0AE9B08}"/>
-              </a:ext>
-            </a:extLst>
-          </p:cNvPr>
+            <a:r>
+              <a:rPr lang="en-US"/>
+              <a:t>Click icon to add picture</a:t>
+            </a:r>
+            <a:endParaRPr lang="en-US" dirty="0"/>
+          </a:p>
+        </p:txBody>
+      </p:sp>
+      <p:sp>
+        <p:nvSpPr>
+          <p:cNvPr id="4" name="Text Placeholder 3"/>
           <p:cNvSpPr>
             <a:spLocks noGrp="1"/>
           </p:cNvSpPr>
@@ -2590,48 +3528,60 @@
         </p:nvSpPr>
         <p:spPr>
           <a:xfrm>
-            <a:off x="839788" y="2057400"/>
-            <a:ext cx="3932237" cy="3811588"/>
+            <a:off x="1097280" y="5907023"/>
+            <a:ext cx="10113264" cy="594360"/>
           </a:xfrm>
         </p:spPr>
         <p:txBody>
-          <a:bodyPr/>
+          <a:bodyPr lIns="91440" tIns="0" rIns="91440" bIns="0">
+            <a:normAutofit/>
+          </a:bodyPr>
           <a:lstStyle>
             <a:lvl1pPr marL="0" indent="0">
+              <a:spcBef>
+                <a:spcPts val="0"/>
+              </a:spcBef>
+              <a:spcAft>
+                <a:spcPts val="600"/>
+              </a:spcAft>
               <a:buNone/>
-              <a:defRPr sz="1600"/>
+              <a:defRPr sz="1500">
+                <a:solidFill>
+                  <a:srgbClr val="FFFFFF"/>
+                </a:solidFill>
+              </a:defRPr>
             </a:lvl1pPr>
             <a:lvl2pPr marL="457200" indent="0">
               <a:buNone/>
-              <a:defRPr sz="1400"/>
+              <a:defRPr sz="1200"/>
             </a:lvl2pPr>
             <a:lvl3pPr marL="914400" indent="0">
               <a:buNone/>
-              <a:defRPr sz="1200"/>
+              <a:defRPr sz="1000"/>
             </a:lvl3pPr>
             <a:lvl4pPr marL="1371600" indent="0">
               <a:buNone/>
-              <a:defRPr sz="1000"/>
+              <a:defRPr sz="900"/>
             </a:lvl4pPr>
             <a:lvl5pPr marL="1828800" indent="0">
               <a:buNone/>
-              <a:defRPr sz="1000"/>
+              <a:defRPr sz="900"/>
             </a:lvl5pPr>
             <a:lvl6pPr marL="2286000" indent="0">
               <a:buNone/>
-              <a:defRPr sz="1000"/>
+              <a:defRPr sz="900"/>
             </a:lvl6pPr>
             <a:lvl7pPr marL="2743200" indent="0">
               <a:buNone/>
-              <a:defRPr sz="1000"/>
+              <a:defRPr sz="900"/>
             </a:lvl7pPr>
             <a:lvl8pPr marL="3200400" indent="0">
               <a:buNone/>
-              <a:defRPr sz="1000"/>
+              <a:defRPr sz="900"/>
             </a:lvl8pPr>
             <a:lvl9pPr marL="3657600" indent="0">
               <a:buNone/>
-              <a:defRPr sz="1000"/>
+              <a:defRPr sz="900"/>
             </a:lvl9pPr>
           </a:lstStyle>
           <a:p>
@@ -2645,13 +3595,7 @@
       </p:sp>
       <p:sp>
         <p:nvSpPr>
-          <p:cNvPr id="5" name="Date Placeholder 4">
-            <a:extLst>
-              <a:ext uri="{FF2B5EF4-FFF2-40B4-BE49-F238E27FC236}">
-                <a16:creationId xmlns:a16="http://schemas.microsoft.com/office/drawing/2014/main" id="{D9CBE251-5367-4AB3-8561-501F221062FC}"/>
-              </a:ext>
-            </a:extLst>
-          </p:cNvPr>
+          <p:cNvPr id="5" name="Date Placeholder 4"/>
           <p:cNvSpPr>
             <a:spLocks noGrp="1"/>
           </p:cNvSpPr>
@@ -2664,9 +3608,9 @@
           <a:bodyPr/>
           <a:lstStyle/>
           <a:p>
-            <a:fld id="{7348CE42-FEE2-4BBD-BBE7-71C347CEF861}" type="datetimeFigureOut">
+            <a:fld id="{191063BD-3D3A-406A-A3BB-49C600A5BA1A}" type="datetime1">
               <a:rPr lang="en-US" smtClean="0"/>
-              <a:t>2/23/2019</a:t>
+              <a:t>3/3/2019</a:t>
             </a:fld>
             <a:endParaRPr lang="en-US"/>
           </a:p>
@@ -2674,13 +3618,7 @@
       </p:sp>
       <p:sp>
         <p:nvSpPr>
-          <p:cNvPr id="6" name="Footer Placeholder 5">
-            <a:extLst>
-              <a:ext uri="{FF2B5EF4-FFF2-40B4-BE49-F238E27FC236}">
-                <a16:creationId xmlns:a16="http://schemas.microsoft.com/office/drawing/2014/main" id="{174D3674-DE17-4C81-BF2A-50002D97CD12}"/>
-              </a:ext>
-            </a:extLst>
-          </p:cNvPr>
+          <p:cNvPr id="6" name="Footer Placeholder 5"/>
           <p:cNvSpPr>
             <a:spLocks noGrp="1"/>
           </p:cNvSpPr>
@@ -2699,13 +3637,7 @@
       </p:sp>
       <p:sp>
         <p:nvSpPr>
-          <p:cNvPr id="7" name="Slide Number Placeholder 6">
-            <a:extLst>
-              <a:ext uri="{FF2B5EF4-FFF2-40B4-BE49-F238E27FC236}">
-                <a16:creationId xmlns:a16="http://schemas.microsoft.com/office/drawing/2014/main" id="{9E32EC80-BE46-4355-96FB-EAA9BF72B009}"/>
-              </a:ext>
-            </a:extLst>
-          </p:cNvPr>
+          <p:cNvPr id="7" name="Slide Number Placeholder 6"/>
           <p:cNvSpPr>
             <a:spLocks noGrp="1"/>
           </p:cNvSpPr>
@@ -2729,7 +3661,7 @@
     </p:spTree>
     <p:extLst>
       <p:ext uri="{BB962C8B-B14F-4D97-AF65-F5344CB8AC3E}">
-        <p14:creationId xmlns:p14="http://schemas.microsoft.com/office/powerpoint/2010/main" val="2736743781"/>
+        <p14:creationId xmlns:p14="http://schemas.microsoft.com/office/powerpoint/2010/main" val="425517305"/>
       </p:ext>
     </p:extLst>
   </p:cSld>
@@ -2763,31 +3695,101 @@
       </p:grpSpPr>
       <p:sp>
         <p:nvSpPr>
-          <p:cNvPr id="2" name="Title Placeholder 1">
-            <a:extLst>
-              <a:ext uri="{FF2B5EF4-FFF2-40B4-BE49-F238E27FC236}">
-                <a16:creationId xmlns:a16="http://schemas.microsoft.com/office/drawing/2014/main" id="{1390DD22-041F-4070-8840-173B17063500}"/>
-              </a:ext>
-            </a:extLst>
-          </p:cNvPr>
-          <p:cNvSpPr>
-            <a:spLocks noGrp="1"/>
-          </p:cNvSpPr>
-          <p:nvPr>
-            <p:ph type="title"/>
-          </p:nvPr>
+          <p:cNvPr id="7" name="Rectangle 6"/>
+          <p:cNvSpPr/>
+          <p:nvPr/>
         </p:nvSpPr>
         <p:spPr>
           <a:xfrm>
-            <a:off x="838200" y="365125"/>
-            <a:ext cx="10515600" cy="1325563"/>
+            <a:off x="1" y="6400800"/>
+            <a:ext cx="12192000" cy="457200"/>
+          </a:xfrm>
+          <a:prstGeom prst="rect">
+            <a:avLst/>
+          </a:prstGeom>
+          <a:solidFill>
+            <a:schemeClr val="accent2"/>
+          </a:solidFill>
+          <a:ln>
+            <a:noFill/>
+          </a:ln>
+        </p:spPr>
+        <p:style>
+          <a:lnRef idx="2">
+            <a:schemeClr val="accent1">
+              <a:shade val="50000"/>
+            </a:schemeClr>
+          </a:lnRef>
+          <a:fillRef idx="1">
+            <a:schemeClr val="accent1"/>
+          </a:fillRef>
+          <a:effectRef idx="0">
+            <a:schemeClr val="accent1"/>
+          </a:effectRef>
+          <a:fontRef idx="minor">
+            <a:schemeClr val="lt1"/>
+          </a:fontRef>
+        </p:style>
+      </p:sp>
+      <p:sp>
+        <p:nvSpPr>
+          <p:cNvPr id="9" name="Rectangle 8"/>
+          <p:cNvSpPr/>
+          <p:nvPr/>
+        </p:nvSpPr>
+        <p:spPr>
+          <a:xfrm>
+            <a:off x="0" y="6334316"/>
+            <a:ext cx="12192001" cy="65998"/>
+          </a:xfrm>
+          <a:prstGeom prst="rect">
+            <a:avLst/>
+          </a:prstGeom>
+          <a:solidFill>
+            <a:schemeClr val="accent1"/>
+          </a:solidFill>
+          <a:ln>
+            <a:noFill/>
+          </a:ln>
+        </p:spPr>
+        <p:style>
+          <a:lnRef idx="2">
+            <a:schemeClr val="accent1">
+              <a:shade val="50000"/>
+            </a:schemeClr>
+          </a:lnRef>
+          <a:fillRef idx="1">
+            <a:schemeClr val="accent1"/>
+          </a:fillRef>
+          <a:effectRef idx="0">
+            <a:schemeClr val="accent1"/>
+          </a:effectRef>
+          <a:fontRef idx="minor">
+            <a:schemeClr val="lt1"/>
+          </a:fontRef>
+        </p:style>
+      </p:sp>
+      <p:sp>
+        <p:nvSpPr>
+          <p:cNvPr id="2" name="Title Placeholder 1"/>
+          <p:cNvSpPr>
+            <a:spLocks noGrp="1"/>
+          </p:cNvSpPr>
+          <p:nvPr>
+            <p:ph type="title"/>
+          </p:nvPr>
+        </p:nvSpPr>
+        <p:spPr>
+          <a:xfrm>
+            <a:off x="1097280" y="286603"/>
+            <a:ext cx="10058400" cy="1450757"/>
           </a:xfrm>
           <a:prstGeom prst="rect">
             <a:avLst/>
           </a:prstGeom>
         </p:spPr>
         <p:txBody>
-          <a:bodyPr vert="horz" lIns="91440" tIns="45720" rIns="91440" bIns="45720" rtlCol="0" anchor="ctr">
+          <a:bodyPr vert="horz" lIns="91440" tIns="45720" rIns="91440" bIns="45720" rtlCol="0" anchor="b">
             <a:normAutofit/>
           </a:bodyPr>
           <a:lstStyle/>
@@ -2796,18 +3798,13 @@
               <a:rPr lang="en-US"/>
               <a:t>Click to edit Master title style</a:t>
             </a:r>
-          </a:p>
-        </p:txBody>
-      </p:sp>
-      <p:sp>
-        <p:nvSpPr>
-          <p:cNvPr id="3" name="Text Placeholder 2">
-            <a:extLst>
-              <a:ext uri="{FF2B5EF4-FFF2-40B4-BE49-F238E27FC236}">
-                <a16:creationId xmlns:a16="http://schemas.microsoft.com/office/drawing/2014/main" id="{1D1BD4CA-EE5D-4905-BCC2-A24CCDB43DC7}"/>
-              </a:ext>
-            </a:extLst>
-          </p:cNvPr>
+            <a:endParaRPr lang="en-US" dirty="0"/>
+          </a:p>
+        </p:txBody>
+      </p:sp>
+      <p:sp>
+        <p:nvSpPr>
+          <p:cNvPr id="3" name="Text Placeholder 2"/>
           <p:cNvSpPr>
             <a:spLocks noGrp="1"/>
           </p:cNvSpPr>
@@ -2817,15 +3814,15 @@
         </p:nvSpPr>
         <p:spPr>
           <a:xfrm>
-            <a:off x="838200" y="1825625"/>
-            <a:ext cx="10515600" cy="4351338"/>
+            <a:off x="1097280" y="1845734"/>
+            <a:ext cx="10058400" cy="4023360"/>
           </a:xfrm>
           <a:prstGeom prst="rect">
             <a:avLst/>
           </a:prstGeom>
         </p:spPr>
         <p:txBody>
-          <a:bodyPr vert="horz" lIns="91440" tIns="45720" rIns="91440" bIns="45720" rtlCol="0">
+          <a:bodyPr vert="horz" lIns="0" tIns="45720" rIns="0" bIns="45720" rtlCol="0">
             <a:normAutofit/>
           </a:bodyPr>
           <a:lstStyle/>
@@ -2863,18 +3860,13 @@
               <a:rPr lang="en-US"/>
               <a:t>Fifth level</a:t>
             </a:r>
-          </a:p>
-        </p:txBody>
-      </p:sp>
-      <p:sp>
-        <p:nvSpPr>
-          <p:cNvPr id="4" name="Date Placeholder 3">
-            <a:extLst>
-              <a:ext uri="{FF2B5EF4-FFF2-40B4-BE49-F238E27FC236}">
-                <a16:creationId xmlns:a16="http://schemas.microsoft.com/office/drawing/2014/main" id="{FE166475-3BCF-4899-AA4D-43B6CAFBBD67}"/>
-              </a:ext>
-            </a:extLst>
-          </p:cNvPr>
+            <a:endParaRPr lang="en-US" dirty="0"/>
+          </a:p>
+        </p:txBody>
+      </p:sp>
+      <p:sp>
+        <p:nvSpPr>
+          <p:cNvPr id="4" name="Date Placeholder 3"/>
           <p:cNvSpPr>
             <a:spLocks noGrp="1"/>
           </p:cNvSpPr>
@@ -2884,8 +3876,8 @@
         </p:nvSpPr>
         <p:spPr>
           <a:xfrm>
-            <a:off x="838200" y="6356350"/>
-            <a:ext cx="2743200" cy="365125"/>
+            <a:off x="1097280" y="6459785"/>
+            <a:ext cx="2472271" cy="365125"/>
           </a:xfrm>
           <a:prstGeom prst="rect">
             <a:avLst/>
@@ -2895,19 +3887,17 @@
           <a:bodyPr vert="horz" lIns="91440" tIns="45720" rIns="91440" bIns="45720" rtlCol="0" anchor="ctr"/>
           <a:lstStyle>
             <a:lvl1pPr algn="l">
-              <a:defRPr sz="1200">
+              <a:defRPr sz="900">
                 <a:solidFill>
-                  <a:schemeClr val="tx1">
-                    <a:tint val="75000"/>
-                  </a:schemeClr>
+                  <a:srgbClr val="FFFFFF"/>
                 </a:solidFill>
               </a:defRPr>
             </a:lvl1pPr>
           </a:lstStyle>
           <a:p>
-            <a:fld id="{7348CE42-FEE2-4BBD-BBE7-71C347CEF861}" type="datetimeFigureOut">
+            <a:fld id="{72E285E5-ADE8-4EC5-82B7-9ADCF8BCF5E6}" type="datetime1">
               <a:rPr lang="en-US" smtClean="0"/>
-              <a:t>2/23/2019</a:t>
+              <a:t>3/3/2019</a:t>
             </a:fld>
             <a:endParaRPr lang="en-US"/>
           </a:p>
@@ -2915,13 +3905,7 @@
       </p:sp>
       <p:sp>
         <p:nvSpPr>
-          <p:cNvPr id="5" name="Footer Placeholder 4">
-            <a:extLst>
-              <a:ext uri="{FF2B5EF4-FFF2-40B4-BE49-F238E27FC236}">
-                <a16:creationId xmlns:a16="http://schemas.microsoft.com/office/drawing/2014/main" id="{81D1A55A-1330-4535-AAB4-F0FE59EF11AF}"/>
-              </a:ext>
-            </a:extLst>
-          </p:cNvPr>
+          <p:cNvPr id="5" name="Footer Placeholder 4"/>
           <p:cNvSpPr>
             <a:spLocks noGrp="1"/>
           </p:cNvSpPr>
@@ -2931,8 +3915,8 @@
         </p:nvSpPr>
         <p:spPr>
           <a:xfrm>
-            <a:off x="4038600" y="6356350"/>
-            <a:ext cx="4114800" cy="365125"/>
+            <a:off x="3686185" y="6459785"/>
+            <a:ext cx="4822804" cy="365125"/>
           </a:xfrm>
           <a:prstGeom prst="rect">
             <a:avLst/>
@@ -2942,11 +3926,9 @@
           <a:bodyPr vert="horz" lIns="91440" tIns="45720" rIns="91440" bIns="45720" rtlCol="0" anchor="ctr"/>
           <a:lstStyle>
             <a:lvl1pPr algn="ctr">
-              <a:defRPr sz="1200">
+              <a:defRPr sz="900" cap="all" baseline="0">
                 <a:solidFill>
-                  <a:schemeClr val="tx1">
-                    <a:tint val="75000"/>
-                  </a:schemeClr>
+                  <a:srgbClr val="FFFFFF"/>
                 </a:solidFill>
               </a:defRPr>
             </a:lvl1pPr>
@@ -2958,13 +3940,7 @@
       </p:sp>
       <p:sp>
         <p:nvSpPr>
-          <p:cNvPr id="6" name="Slide Number Placeholder 5">
-            <a:extLst>
-              <a:ext uri="{FF2B5EF4-FFF2-40B4-BE49-F238E27FC236}">
-                <a16:creationId xmlns:a16="http://schemas.microsoft.com/office/drawing/2014/main" id="{19D27785-4ECA-4789-9D65-21BBBA27EDBD}"/>
-              </a:ext>
-            </a:extLst>
-          </p:cNvPr>
+          <p:cNvPr id="6" name="Slide Number Placeholder 5"/>
           <p:cNvSpPr>
             <a:spLocks noGrp="1"/>
           </p:cNvSpPr>
@@ -2974,8 +3950,8 @@
         </p:nvSpPr>
         <p:spPr>
           <a:xfrm>
-            <a:off x="8610600" y="6356350"/>
-            <a:ext cx="2743200" cy="365125"/>
+            <a:off x="9900458" y="6459785"/>
+            <a:ext cx="1312025" cy="365125"/>
           </a:xfrm>
           <a:prstGeom prst="rect">
             <a:avLst/>
@@ -2985,11 +3961,9 @@
           <a:bodyPr vert="horz" lIns="91440" tIns="45720" rIns="91440" bIns="45720" rtlCol="0" anchor="ctr"/>
           <a:lstStyle>
             <a:lvl1pPr algn="r">
-              <a:defRPr sz="1200">
+              <a:defRPr sz="1050">
                 <a:solidFill>
-                  <a:schemeClr val="tx1">
-                    <a:tint val="75000"/>
-                  </a:schemeClr>
+                  <a:srgbClr val="FFFFFF"/>
                 </a:solidFill>
               </a:defRPr>
             </a:lvl1pPr>
@@ -3003,40 +3977,82 @@
           </a:p>
         </p:txBody>
       </p:sp>
+      <p:cxnSp>
+        <p:nvCxnSpPr>
+          <p:cNvPr id="10" name="Straight Connector 9"/>
+          <p:cNvCxnSpPr/>
+          <p:nvPr/>
+        </p:nvCxnSpPr>
+        <p:spPr>
+          <a:xfrm>
+            <a:off x="1193532" y="1737845"/>
+            <a:ext cx="9966960" cy="0"/>
+          </a:xfrm>
+          <a:prstGeom prst="line">
+            <a:avLst/>
+          </a:prstGeom>
+          <a:ln w="6350">
+            <a:solidFill>
+              <a:schemeClr val="tx1">
+                <a:lumMod val="50000"/>
+                <a:lumOff val="50000"/>
+              </a:schemeClr>
+            </a:solidFill>
+          </a:ln>
+        </p:spPr>
+        <p:style>
+          <a:lnRef idx="1">
+            <a:schemeClr val="accent1"/>
+          </a:lnRef>
+          <a:fillRef idx="0">
+            <a:schemeClr val="accent1"/>
+          </a:fillRef>
+          <a:effectRef idx="0">
+            <a:schemeClr val="accent1"/>
+          </a:effectRef>
+          <a:fontRef idx="minor">
+            <a:schemeClr val="tx1"/>
+          </a:fontRef>
+        </p:style>
+      </p:cxnSp>
     </p:spTree>
     <p:extLst>
       <p:ext uri="{BB962C8B-B14F-4D97-AF65-F5344CB8AC3E}">
-        <p14:creationId xmlns:p14="http://schemas.microsoft.com/office/powerpoint/2010/main" val="3628169119"/>
+        <p14:creationId xmlns:p14="http://schemas.microsoft.com/office/powerpoint/2010/main" val="1874478332"/>
       </p:ext>
     </p:extLst>
   </p:cSld>
   <p:clrMap bg1="lt1" tx1="dk1" bg2="lt2" tx2="dk2" accent1="accent1" accent2="accent2" accent3="accent3" accent4="accent4" accent5="accent5" accent6="accent6" hlink="hlink" folHlink="folHlink"/>
   <p:sldLayoutIdLst>
-    <p:sldLayoutId id="2147483649" r:id="rId1"/>
-    <p:sldLayoutId id="2147483650" r:id="rId2"/>
-    <p:sldLayoutId id="2147483651" r:id="rId3"/>
-    <p:sldLayoutId id="2147483652" r:id="rId4"/>
-    <p:sldLayoutId id="2147483653" r:id="rId5"/>
-    <p:sldLayoutId id="2147483654" r:id="rId6"/>
-    <p:sldLayoutId id="2147483655" r:id="rId7"/>
-    <p:sldLayoutId id="2147483656" r:id="rId8"/>
-    <p:sldLayoutId id="2147483657" r:id="rId9"/>
-    <p:sldLayoutId id="2147483658" r:id="rId10"/>
-    <p:sldLayoutId id="2147483659" r:id="rId11"/>
+    <p:sldLayoutId id="2147483812" r:id="rId1"/>
+    <p:sldLayoutId id="2147483813" r:id="rId2"/>
+    <p:sldLayoutId id="2147483814" r:id="rId3"/>
+    <p:sldLayoutId id="2147483815" r:id="rId4"/>
+    <p:sldLayoutId id="2147483816" r:id="rId5"/>
+    <p:sldLayoutId id="2147483817" r:id="rId6"/>
+    <p:sldLayoutId id="2147483818" r:id="rId7"/>
+    <p:sldLayoutId id="2147483819" r:id="rId8"/>
+    <p:sldLayoutId id="2147483820" r:id="rId9"/>
+    <p:sldLayoutId id="2147483821" r:id="rId10"/>
+    <p:sldLayoutId id="2147483822" r:id="rId11"/>
   </p:sldLayoutIdLst>
+  <p:hf hdr="0" ftr="0" dt="0"/>
   <p:txStyles>
     <p:titleStyle>
       <a:lvl1pPr algn="l" defTabSz="914400" rtl="0" eaLnBrk="1" latinLnBrk="0" hangingPunct="1">
         <a:lnSpc>
-          <a:spcPct val="90000"/>
+          <a:spcPct val="85000"/>
         </a:lnSpc>
         <a:spcBef>
           <a:spcPct val="0"/>
         </a:spcBef>
         <a:buNone/>
-        <a:defRPr sz="4400" kern="1200">
+        <a:defRPr sz="4800" kern="1200" spc="-50" baseline="0">
           <a:solidFill>
-            <a:schemeClr val="tx1"/>
+            <a:schemeClr val="tx1">
+              <a:lumMod val="75000"/>
+              <a:lumOff val="25000"/>
+            </a:schemeClr>
           </a:solidFill>
           <a:latin typeface="+mj-lt"/>
           <a:ea typeface="+mj-ea"/>
@@ -3045,162 +4061,244 @@
       </a:lvl1pPr>
     </p:titleStyle>
     <p:bodyStyle>
-      <a:lvl1pPr marL="228600" indent="-228600" algn="l" defTabSz="914400" rtl="0" eaLnBrk="1" latinLnBrk="0" hangingPunct="1">
+      <a:lvl1pPr marL="91440" indent="-91440" algn="l" defTabSz="914400" rtl="0" eaLnBrk="1" latinLnBrk="0" hangingPunct="1">
         <a:lnSpc>
           <a:spcPct val="90000"/>
         </a:lnSpc>
         <a:spcBef>
-          <a:spcPts val="1000"/>
+          <a:spcPts val="1200"/>
         </a:spcBef>
-        <a:buFont typeface="Arial" panose="020B0604020202020204" pitchFamily="34" charset="0"/>
-        <a:buChar char="•"/>
-        <a:defRPr sz="2800" kern="1200">
+        <a:spcAft>
+          <a:spcPts val="200"/>
+        </a:spcAft>
+        <a:buClr>
+          <a:schemeClr val="accent1"/>
+        </a:buClr>
+        <a:buSzPct val="100000"/>
+        <a:buFont typeface="Calibri" panose="020F0502020204030204" pitchFamily="34" charset="0"/>
+        <a:buChar char=" "/>
+        <a:defRPr sz="2000" kern="1200">
           <a:solidFill>
-            <a:schemeClr val="tx1"/>
+            <a:schemeClr val="tx1">
+              <a:lumMod val="75000"/>
+              <a:lumOff val="25000"/>
+            </a:schemeClr>
           </a:solidFill>
           <a:latin typeface="+mn-lt"/>
           <a:ea typeface="+mn-ea"/>
           <a:cs typeface="+mn-cs"/>
         </a:defRPr>
       </a:lvl1pPr>
-      <a:lvl2pPr marL="685800" indent="-228600" algn="l" defTabSz="914400" rtl="0" eaLnBrk="1" latinLnBrk="0" hangingPunct="1">
+      <a:lvl2pPr marL="384048" indent="-182880" algn="l" defTabSz="914400" rtl="0" eaLnBrk="1" latinLnBrk="0" hangingPunct="1">
         <a:lnSpc>
           <a:spcPct val="90000"/>
         </a:lnSpc>
         <a:spcBef>
-          <a:spcPts val="500"/>
+          <a:spcPts val="200"/>
         </a:spcBef>
-        <a:buFont typeface="Arial" panose="020B0604020202020204" pitchFamily="34" charset="0"/>
-        <a:buChar char="•"/>
-        <a:defRPr sz="2400" kern="1200">
+        <a:spcAft>
+          <a:spcPts val="400"/>
+        </a:spcAft>
+        <a:buClr>
+          <a:schemeClr val="accent1"/>
+        </a:buClr>
+        <a:buFont typeface="Calibri" pitchFamily="34" charset="0"/>
+        <a:buChar char="◦"/>
+        <a:defRPr sz="1800" kern="1200">
           <a:solidFill>
-            <a:schemeClr val="tx1"/>
+            <a:schemeClr val="tx1">
+              <a:lumMod val="75000"/>
+              <a:lumOff val="25000"/>
+            </a:schemeClr>
           </a:solidFill>
           <a:latin typeface="+mn-lt"/>
           <a:ea typeface="+mn-ea"/>
           <a:cs typeface="+mn-cs"/>
         </a:defRPr>
       </a:lvl2pPr>
-      <a:lvl3pPr marL="1143000" indent="-228600" algn="l" defTabSz="914400" rtl="0" eaLnBrk="1" latinLnBrk="0" hangingPunct="1">
+      <a:lvl3pPr marL="566928" indent="-182880" algn="l" defTabSz="914400" rtl="0" eaLnBrk="1" latinLnBrk="0" hangingPunct="1">
         <a:lnSpc>
           <a:spcPct val="90000"/>
         </a:lnSpc>
         <a:spcBef>
-          <a:spcPts val="500"/>
+          <a:spcPts val="200"/>
         </a:spcBef>
-        <a:buFont typeface="Arial" panose="020B0604020202020204" pitchFamily="34" charset="0"/>
-        <a:buChar char="•"/>
-        <a:defRPr sz="2000" kern="1200">
+        <a:spcAft>
+          <a:spcPts val="400"/>
+        </a:spcAft>
+        <a:buClr>
+          <a:schemeClr val="accent1"/>
+        </a:buClr>
+        <a:buFont typeface="Calibri" pitchFamily="34" charset="0"/>
+        <a:buChar char="◦"/>
+        <a:defRPr sz="1400" kern="1200">
           <a:solidFill>
-            <a:schemeClr val="tx1"/>
+            <a:schemeClr val="tx1">
+              <a:lumMod val="75000"/>
+              <a:lumOff val="25000"/>
+            </a:schemeClr>
           </a:solidFill>
           <a:latin typeface="+mn-lt"/>
           <a:ea typeface="+mn-ea"/>
           <a:cs typeface="+mn-cs"/>
         </a:defRPr>
       </a:lvl3pPr>
-      <a:lvl4pPr marL="1600200" indent="-228600" algn="l" defTabSz="914400" rtl="0" eaLnBrk="1" latinLnBrk="0" hangingPunct="1">
+      <a:lvl4pPr marL="749808" indent="-182880" algn="l" defTabSz="914400" rtl="0" eaLnBrk="1" latinLnBrk="0" hangingPunct="1">
         <a:lnSpc>
           <a:spcPct val="90000"/>
         </a:lnSpc>
         <a:spcBef>
-          <a:spcPts val="500"/>
+          <a:spcPts val="200"/>
         </a:spcBef>
-        <a:buFont typeface="Arial" panose="020B0604020202020204" pitchFamily="34" charset="0"/>
-        <a:buChar char="•"/>
-        <a:defRPr sz="1800" kern="1200">
+        <a:spcAft>
+          <a:spcPts val="400"/>
+        </a:spcAft>
+        <a:buClr>
+          <a:schemeClr val="accent1"/>
+        </a:buClr>
+        <a:buFont typeface="Calibri" pitchFamily="34" charset="0"/>
+        <a:buChar char="◦"/>
+        <a:defRPr sz="1400" kern="1200">
           <a:solidFill>
-            <a:schemeClr val="tx1"/>
+            <a:schemeClr val="tx1">
+              <a:lumMod val="75000"/>
+              <a:lumOff val="25000"/>
+            </a:schemeClr>
           </a:solidFill>
           <a:latin typeface="+mn-lt"/>
           <a:ea typeface="+mn-ea"/>
           <a:cs typeface="+mn-cs"/>
         </a:defRPr>
       </a:lvl4pPr>
-      <a:lvl5pPr marL="2057400" indent="-228600" algn="l" defTabSz="914400" rtl="0" eaLnBrk="1" latinLnBrk="0" hangingPunct="1">
+      <a:lvl5pPr marL="932688" indent="-182880" algn="l" defTabSz="914400" rtl="0" eaLnBrk="1" latinLnBrk="0" hangingPunct="1">
         <a:lnSpc>
           <a:spcPct val="90000"/>
         </a:lnSpc>
         <a:spcBef>
-          <a:spcPts val="500"/>
+          <a:spcPts val="200"/>
         </a:spcBef>
-        <a:buFont typeface="Arial" panose="020B0604020202020204" pitchFamily="34" charset="0"/>
-        <a:buChar char="•"/>
-        <a:defRPr sz="1800" kern="1200">
+        <a:spcAft>
+          <a:spcPts val="400"/>
+        </a:spcAft>
+        <a:buClr>
+          <a:schemeClr val="accent1"/>
+        </a:buClr>
+        <a:buFont typeface="Calibri" pitchFamily="34" charset="0"/>
+        <a:buChar char="◦"/>
+        <a:defRPr sz="1400" kern="1200">
           <a:solidFill>
-            <a:schemeClr val="tx1"/>
+            <a:schemeClr val="tx1">
+              <a:lumMod val="75000"/>
+              <a:lumOff val="25000"/>
+            </a:schemeClr>
           </a:solidFill>
           <a:latin typeface="+mn-lt"/>
           <a:ea typeface="+mn-ea"/>
           <a:cs typeface="+mn-cs"/>
         </a:defRPr>
       </a:lvl5pPr>
-      <a:lvl6pPr marL="2514600" indent="-228600" algn="l" defTabSz="914400" rtl="0" eaLnBrk="1" latinLnBrk="0" hangingPunct="1">
+      <a:lvl6pPr marL="1100000" indent="-228600" algn="l" defTabSz="914400" rtl="0" eaLnBrk="1" latinLnBrk="0" hangingPunct="1">
         <a:lnSpc>
           <a:spcPct val="90000"/>
         </a:lnSpc>
         <a:spcBef>
-          <a:spcPts val="500"/>
+          <a:spcPts val="200"/>
         </a:spcBef>
-        <a:buFont typeface="Arial" panose="020B0604020202020204" pitchFamily="34" charset="0"/>
-        <a:buChar char="•"/>
-        <a:defRPr sz="1800" kern="1200">
+        <a:spcAft>
+          <a:spcPts val="400"/>
+        </a:spcAft>
+        <a:buClr>
+          <a:schemeClr val="accent1"/>
+        </a:buClr>
+        <a:buFont typeface="Calibri" pitchFamily="34" charset="0"/>
+        <a:buChar char="◦"/>
+        <a:defRPr sz="1400" kern="1200">
           <a:solidFill>
-            <a:schemeClr val="tx1"/>
+            <a:schemeClr val="tx1">
+              <a:lumMod val="75000"/>
+              <a:lumOff val="25000"/>
+            </a:schemeClr>
           </a:solidFill>
           <a:latin typeface="+mn-lt"/>
           <a:ea typeface="+mn-ea"/>
           <a:cs typeface="+mn-cs"/>
         </a:defRPr>
       </a:lvl6pPr>
-      <a:lvl7pPr marL="2971800" indent="-228600" algn="l" defTabSz="914400" rtl="0" eaLnBrk="1" latinLnBrk="0" hangingPunct="1">
+      <a:lvl7pPr marL="1300000" indent="-228600" algn="l" defTabSz="914400" rtl="0" eaLnBrk="1" latinLnBrk="0" hangingPunct="1">
         <a:lnSpc>
           <a:spcPct val="90000"/>
         </a:lnSpc>
         <a:spcBef>
-          <a:spcPts val="500"/>
+          <a:spcPts val="200"/>
         </a:spcBef>
-        <a:buFont typeface="Arial" panose="020B0604020202020204" pitchFamily="34" charset="0"/>
-        <a:buChar char="•"/>
-        <a:defRPr sz="1800" kern="1200">
+        <a:spcAft>
+          <a:spcPts val="400"/>
+        </a:spcAft>
+        <a:buClr>
+          <a:schemeClr val="accent1"/>
+        </a:buClr>
+        <a:buFont typeface="Calibri" pitchFamily="34" charset="0"/>
+        <a:buChar char="◦"/>
+        <a:defRPr sz="1400" kern="1200">
           <a:solidFill>
-            <a:schemeClr val="tx1"/>
+            <a:schemeClr val="tx1">
+              <a:lumMod val="75000"/>
+              <a:lumOff val="25000"/>
+            </a:schemeClr>
           </a:solidFill>
           <a:latin typeface="+mn-lt"/>
           <a:ea typeface="+mn-ea"/>
           <a:cs typeface="+mn-cs"/>
         </a:defRPr>
       </a:lvl7pPr>
-      <a:lvl8pPr marL="3429000" indent="-228600" algn="l" defTabSz="914400" rtl="0" eaLnBrk="1" latinLnBrk="0" hangingPunct="1">
+      <a:lvl8pPr marL="1500000" indent="-228600" algn="l" defTabSz="914400" rtl="0" eaLnBrk="1" latinLnBrk="0" hangingPunct="1">
         <a:lnSpc>
           <a:spcPct val="90000"/>
         </a:lnSpc>
         <a:spcBef>
-          <a:spcPts val="500"/>
+          <a:spcPts val="200"/>
         </a:spcBef>
-        <a:buFont typeface="Arial" panose="020B0604020202020204" pitchFamily="34" charset="0"/>
-        <a:buChar char="•"/>
-        <a:defRPr sz="1800" kern="1200">
+        <a:spcAft>
+          <a:spcPts val="400"/>
+        </a:spcAft>
+        <a:buClr>
+          <a:schemeClr val="accent1"/>
+        </a:buClr>
+        <a:buFont typeface="Calibri" pitchFamily="34" charset="0"/>
+        <a:buChar char="◦"/>
+        <a:defRPr sz="1400" kern="1200">
           <a:solidFill>
-            <a:schemeClr val="tx1"/>
+            <a:schemeClr val="tx1">
+              <a:lumMod val="75000"/>
+              <a:lumOff val="25000"/>
+            </a:schemeClr>
           </a:solidFill>
           <a:latin typeface="+mn-lt"/>
           <a:ea typeface="+mn-ea"/>
           <a:cs typeface="+mn-cs"/>
         </a:defRPr>
       </a:lvl8pPr>
-      <a:lvl9pPr marL="3886200" indent="-228600" algn="l" defTabSz="914400" rtl="0" eaLnBrk="1" latinLnBrk="0" hangingPunct="1">
+      <a:lvl9pPr marL="1700000" indent="-228600" algn="l" defTabSz="914400" rtl="0" eaLnBrk="1" latinLnBrk="0" hangingPunct="1">
         <a:lnSpc>
           <a:spcPct val="90000"/>
         </a:lnSpc>
         <a:spcBef>
-          <a:spcPts val="500"/>
+          <a:spcPts val="200"/>
         </a:spcBef>
-        <a:buFont typeface="Arial" panose="020B0604020202020204" pitchFamily="34" charset="0"/>
-        <a:buChar char="•"/>
-        <a:defRPr sz="1800" kern="1200">
+        <a:spcAft>
+          <a:spcPts val="400"/>
+        </a:spcAft>
+        <a:buClr>
+          <a:schemeClr val="accent1"/>
+        </a:buClr>
+        <a:buFont typeface="Calibri" pitchFamily="34" charset="0"/>
+        <a:buChar char="◦"/>
+        <a:defRPr sz="1400" kern="1200">
           <a:solidFill>
-            <a:schemeClr val="tx1"/>
+            <a:schemeClr val="tx1">
+              <a:lumMod val="75000"/>
+              <a:lumOff val="25000"/>
+            </a:schemeClr>
           </a:solidFill>
           <a:latin typeface="+mn-lt"/>
           <a:ea typeface="+mn-ea"/>
@@ -3304,6 +4402,11 @@
       </a:lvl9pPr>
     </p:otherStyle>
   </p:txStyles>
+  <p:extLst>
+    <p:ext uri="{27BBF7A9-308A-43DC-89C8-2F10F3537804}">
+      <p15:sldGuideLst xmlns:p15="http://schemas.microsoft.com/office/powerpoint/2012/main"/>
+    </p:ext>
+  </p:extLst>
 </p:sldMaster>
 </file>
 
@@ -3345,7 +4448,10 @@
           <a:bodyPr/>
           <a:lstStyle/>
           <a:p>
-            <a:endParaRPr lang="en-US"/>
+            <a:r>
+              <a:rPr lang="en-US" dirty="0"/>
+              <a:t>ETL – Mini Project</a:t>
+            </a:r>
           </a:p>
         </p:txBody>
       </p:sp>
@@ -3367,9 +4473,49 @@
         </p:nvSpPr>
         <p:spPr/>
         <p:txBody>
+          <a:bodyPr>
+            <a:normAutofit/>
+          </a:bodyPr>
+          <a:lstStyle/>
+          <a:p>
+            <a:r>
+              <a:rPr lang="en-US" dirty="0"/>
+              <a:t>Pat Wolfe</a:t>
+            </a:r>
+          </a:p>
+          <a:p>
+            <a:r>
+              <a:rPr lang="en-US" dirty="0"/>
+              <a:t>Alpesh Patel</a:t>
+            </a:r>
+          </a:p>
+        </p:txBody>
+      </p:sp>
+      <p:sp>
+        <p:nvSpPr>
+          <p:cNvPr id="5" name="Slide Number Placeholder 4">
+            <a:extLst>
+              <a:ext uri="{FF2B5EF4-FFF2-40B4-BE49-F238E27FC236}">
+                <a16:creationId xmlns:a16="http://schemas.microsoft.com/office/drawing/2014/main" id="{C8C16486-4B28-4C2B-83F8-E436A8601835}"/>
+              </a:ext>
+            </a:extLst>
+          </p:cNvPr>
+          <p:cNvSpPr>
+            <a:spLocks noGrp="1"/>
+          </p:cNvSpPr>
+          <p:nvPr>
+            <p:ph type="sldNum" sz="quarter" idx="12"/>
+          </p:nvPr>
+        </p:nvSpPr>
+        <p:spPr/>
+        <p:txBody>
           <a:bodyPr/>
           <a:lstStyle/>
           <a:p>
+            <a:fld id="{46C42256-0222-41AC-89A0-C0A593D20A1E}" type="slidenum">
+              <a:rPr lang="en-US" smtClean="0"/>
+              <a:t>1</a:t>
+            </a:fld>
             <a:endParaRPr lang="en-US"/>
           </a:p>
         </p:txBody>
@@ -3409,7 +4555,7 @@
           <p:cNvPr id="2" name="Title 1">
             <a:extLst>
               <a:ext uri="{FF2B5EF4-FFF2-40B4-BE49-F238E27FC236}">
-                <a16:creationId xmlns:a16="http://schemas.microsoft.com/office/drawing/2014/main" id="{F7979AE1-0389-4BED-94EC-57C8965DA623}"/>
+                <a16:creationId xmlns:a16="http://schemas.microsoft.com/office/drawing/2014/main" id="{B63F01A9-D019-47D2-B879-985FBE572B5A}"/>
               </a:ext>
             </a:extLst>
           </p:cNvPr>
@@ -3427,398 +4573,95 @@
           <a:p>
             <a:r>
               <a:rPr lang="en-US" dirty="0"/>
-              <a:t>OpenSecrets.org</a:t>
-            </a:r>
-          </a:p>
-        </p:txBody>
-      </p:sp>
-      <p:graphicFrame>
-        <p:nvGraphicFramePr>
-          <p:cNvPr id="4" name="Content Placeholder 3">
+              <a:t>Background for ETL</a:t>
+            </a:r>
+          </a:p>
+        </p:txBody>
+      </p:sp>
+      <p:sp>
+        <p:nvSpPr>
+          <p:cNvPr id="3" name="Content Placeholder 2">
             <a:extLst>
               <a:ext uri="{FF2B5EF4-FFF2-40B4-BE49-F238E27FC236}">
-                <a16:creationId xmlns:a16="http://schemas.microsoft.com/office/drawing/2014/main" id="{BC31C69B-8CBF-46CC-8A4D-4A8569BD8592}"/>
+                <a16:creationId xmlns:a16="http://schemas.microsoft.com/office/drawing/2014/main" id="{C7348673-3174-4C35-A203-6920AA3BF900}"/>
               </a:ext>
             </a:extLst>
           </p:cNvPr>
-          <p:cNvGraphicFramePr>
-            <a:graphicFrameLocks noGrp="1"/>
-          </p:cNvGraphicFramePr>
+          <p:cNvSpPr>
+            <a:spLocks noGrp="1"/>
+          </p:cNvSpPr>
           <p:nvPr>
             <p:ph idx="1"/>
-            <p:extLst>
-              <p:ext uri="{D42A27DB-BD31-4B8C-83A1-F6EECF244321}">
-                <p14:modId xmlns:p14="http://schemas.microsoft.com/office/powerpoint/2010/main" val="1969806560"/>
-              </p:ext>
-            </p:extLst>
-          </p:nvPr>
-        </p:nvGraphicFramePr>
-        <p:xfrm>
-          <a:off x="985421" y="1526959"/>
-          <a:ext cx="10076156" cy="3830695"/>
-        </p:xfrm>
-        <a:graphic>
-          <a:graphicData uri="http://schemas.openxmlformats.org/drawingml/2006/table">
-            <a:tbl>
-              <a:tblPr/>
-              <a:tblGrid>
-                <a:gridCol w="2101504">
-                  <a:extLst>
-                    <a:ext uri="{9D8B030D-6E8A-4147-A177-3AD203B41FA5}">
-                      <a16:colId xmlns:a16="http://schemas.microsoft.com/office/drawing/2014/main" val="2979050487"/>
-                    </a:ext>
-                  </a:extLst>
-                </a:gridCol>
-                <a:gridCol w="6204965">
-                  <a:extLst>
-                    <a:ext uri="{9D8B030D-6E8A-4147-A177-3AD203B41FA5}">
-                      <a16:colId xmlns:a16="http://schemas.microsoft.com/office/drawing/2014/main" val="1027438655"/>
-                    </a:ext>
-                  </a:extLst>
-                </a:gridCol>
-                <a:gridCol w="1769687">
-                  <a:extLst>
-                    <a:ext uri="{9D8B030D-6E8A-4147-A177-3AD203B41FA5}">
-                      <a16:colId xmlns:a16="http://schemas.microsoft.com/office/drawing/2014/main" val="2332098489"/>
-                    </a:ext>
-                  </a:extLst>
-                </a:gridCol>
-              </a:tblGrid>
-              <a:tr h="946913">
-                <a:tc>
-                  <a:txBody>
-                    <a:bodyPr/>
-                    <a:lstStyle/>
-                    <a:p>
-                      <a:r>
-                        <a:rPr lang="en-US">
-                          <a:solidFill>
-                            <a:srgbClr val="FFFFFF"/>
-                          </a:solidFill>
-                          <a:effectLst/>
-                        </a:rPr>
-                        <a:t>Method Name</a:t>
-                      </a:r>
-                    </a:p>
-                  </a:txBody>
-                  <a:tcPr marL="60960" marR="60960" marT="60960" marB="60960" anchor="ctr">
-                    <a:lnL w="7620" cap="flat" cmpd="sng" algn="ctr">
-                      <a:solidFill>
-                        <a:srgbClr val="999999"/>
-                      </a:solidFill>
-                      <a:prstDash val="solid"/>
-                      <a:round/>
-                      <a:headEnd type="none" w="med" len="med"/>
-                      <a:tailEnd type="none" w="med" len="med"/>
-                    </a:lnL>
-                    <a:lnR w="7620" cap="flat" cmpd="sng" algn="ctr">
-                      <a:solidFill>
-                        <a:srgbClr val="999999"/>
-                      </a:solidFill>
-                      <a:prstDash val="solid"/>
-                      <a:round/>
-                      <a:headEnd type="none" w="med" len="med"/>
-                      <a:tailEnd type="none" w="med" len="med"/>
-                    </a:lnR>
-                    <a:lnT w="7620" cap="flat" cmpd="sng" algn="ctr">
-                      <a:solidFill>
-                        <a:srgbClr val="999999"/>
-                      </a:solidFill>
-                      <a:prstDash val="solid"/>
-                      <a:round/>
-                      <a:headEnd type="none" w="med" len="med"/>
-                      <a:tailEnd type="none" w="med" len="med"/>
-                    </a:lnT>
-                    <a:lnB w="7620" cap="flat" cmpd="sng" algn="ctr">
-                      <a:solidFill>
-                        <a:srgbClr val="999999"/>
-                      </a:solidFill>
-                      <a:prstDash val="solid"/>
-                      <a:round/>
-                      <a:headEnd type="none" w="med" len="med"/>
-                      <a:tailEnd type="none" w="med" len="med"/>
-                    </a:lnB>
-                    <a:solidFill>
-                      <a:srgbClr val="555555"/>
-                    </a:solidFill>
-                  </a:tcPr>
-                </a:tc>
-                <a:tc>
-                  <a:txBody>
-                    <a:bodyPr/>
-                    <a:lstStyle/>
-                    <a:p>
-                      <a:r>
-                        <a:rPr lang="en-US">
-                          <a:solidFill>
-                            <a:srgbClr val="FFFFFF"/>
-                          </a:solidFill>
-                          <a:effectLst/>
-                        </a:rPr>
-                        <a:t>Description</a:t>
-                      </a:r>
-                    </a:p>
-                  </a:txBody>
-                  <a:tcPr marL="60960" marR="60960" marT="60960" marB="60960" anchor="ctr">
-                    <a:lnL w="7620" cap="flat" cmpd="sng" algn="ctr">
-                      <a:solidFill>
-                        <a:srgbClr val="999999"/>
-                      </a:solidFill>
-                      <a:prstDash val="solid"/>
-                      <a:round/>
-                      <a:headEnd type="none" w="med" len="med"/>
-                      <a:tailEnd type="none" w="med" len="med"/>
-                    </a:lnL>
-                    <a:lnR w="7620" cap="flat" cmpd="sng" algn="ctr">
-                      <a:solidFill>
-                        <a:srgbClr val="999999"/>
-                      </a:solidFill>
-                      <a:prstDash val="solid"/>
-                      <a:round/>
-                      <a:headEnd type="none" w="med" len="med"/>
-                      <a:tailEnd type="none" w="med" len="med"/>
-                    </a:lnR>
-                    <a:lnT w="7620" cap="flat" cmpd="sng" algn="ctr">
-                      <a:solidFill>
-                        <a:srgbClr val="999999"/>
-                      </a:solidFill>
-                      <a:prstDash val="solid"/>
-                      <a:round/>
-                      <a:headEnd type="none" w="med" len="med"/>
-                      <a:tailEnd type="none" w="med" len="med"/>
-                    </a:lnT>
-                    <a:lnB w="7620" cap="flat" cmpd="sng" algn="ctr">
-                      <a:solidFill>
-                        <a:srgbClr val="999999"/>
-                      </a:solidFill>
-                      <a:prstDash val="solid"/>
-                      <a:round/>
-                      <a:headEnd type="none" w="med" len="med"/>
-                      <a:tailEnd type="none" w="med" len="med"/>
-                    </a:lnB>
-                    <a:solidFill>
-                      <a:srgbClr val="555555"/>
-                    </a:solidFill>
-                  </a:tcPr>
-                </a:tc>
-                <a:tc>
-                  <a:txBody>
-                    <a:bodyPr/>
-                    <a:lstStyle/>
-                    <a:p>
-                      <a:r>
-                        <a:rPr lang="en-US" dirty="0">
-                          <a:solidFill>
-                            <a:srgbClr val="FFFFFF"/>
-                          </a:solidFill>
-                          <a:effectLst/>
-                        </a:rPr>
-                        <a:t>Cycle</a:t>
-                      </a:r>
-                    </a:p>
-                  </a:txBody>
-                  <a:tcPr marL="60960" marR="60960" marT="60960" marB="60960" anchor="ctr">
-                    <a:lnL w="7620" cap="flat" cmpd="sng" algn="ctr">
-                      <a:solidFill>
-                        <a:srgbClr val="999999"/>
-                      </a:solidFill>
-                      <a:prstDash val="solid"/>
-                      <a:round/>
-                      <a:headEnd type="none" w="med" len="med"/>
-                      <a:tailEnd type="none" w="med" len="med"/>
-                    </a:lnL>
-                    <a:lnR w="7620" cap="flat" cmpd="sng" algn="ctr">
-                      <a:solidFill>
-                        <a:srgbClr val="999999"/>
-                      </a:solidFill>
-                      <a:prstDash val="solid"/>
-                      <a:round/>
-                      <a:headEnd type="none" w="med" len="med"/>
-                      <a:tailEnd type="none" w="med" len="med"/>
-                    </a:lnR>
-                    <a:lnT w="7620" cap="flat" cmpd="sng" algn="ctr">
-                      <a:solidFill>
-                        <a:srgbClr val="999999"/>
-                      </a:solidFill>
-                      <a:prstDash val="solid"/>
-                      <a:round/>
-                      <a:headEnd type="none" w="med" len="med"/>
-                      <a:tailEnd type="none" w="med" len="med"/>
-                    </a:lnT>
-                    <a:lnB w="7620" cap="flat" cmpd="sng" algn="ctr">
-                      <a:solidFill>
-                        <a:srgbClr val="999999"/>
-                      </a:solidFill>
-                      <a:prstDash val="solid"/>
-                      <a:round/>
-                      <a:headEnd type="none" w="med" len="med"/>
-                      <a:tailEnd type="none" w="med" len="med"/>
-                    </a:lnB>
-                    <a:solidFill>
-                      <a:srgbClr val="555555"/>
-                    </a:solidFill>
-                  </a:tcPr>
-                </a:tc>
-                <a:extLst>
-                  <a:ext uri="{0D108BD9-81ED-4DB2-BD59-A6C34878D82A}">
-                    <a16:rowId xmlns:a16="http://schemas.microsoft.com/office/drawing/2014/main" val="3949654504"/>
-                  </a:ext>
-                </a:extLst>
-              </a:tr>
-              <a:tr h="2883782">
-                <a:tc>
-                  <a:txBody>
-                    <a:bodyPr/>
-                    <a:lstStyle/>
-                    <a:p>
-                      <a:r>
-                        <a:rPr lang="en-US">
-                          <a:effectLst/>
-                        </a:rPr>
-                        <a:t>candContrib</a:t>
-                      </a:r>
-                    </a:p>
-                  </a:txBody>
-                  <a:tcPr marL="60960" marR="60960" marT="60960" marB="60960" anchor="ctr">
-                    <a:lnL w="7620" cap="flat" cmpd="sng" algn="ctr">
-                      <a:solidFill>
-                        <a:srgbClr val="999999"/>
-                      </a:solidFill>
-                      <a:prstDash val="solid"/>
-                      <a:round/>
-                      <a:headEnd type="none" w="med" len="med"/>
-                      <a:tailEnd type="none" w="med" len="med"/>
-                    </a:lnL>
-                    <a:lnR w="7620" cap="flat" cmpd="sng" algn="ctr">
-                      <a:solidFill>
-                        <a:srgbClr val="999999"/>
-                      </a:solidFill>
-                      <a:prstDash val="solid"/>
-                      <a:round/>
-                      <a:headEnd type="none" w="med" len="med"/>
-                      <a:tailEnd type="none" w="med" len="med"/>
-                    </a:lnR>
-                    <a:lnT w="7620" cap="flat" cmpd="sng" algn="ctr">
-                      <a:solidFill>
-                        <a:srgbClr val="999999"/>
-                      </a:solidFill>
-                      <a:prstDash val="solid"/>
-                      <a:round/>
-                      <a:headEnd type="none" w="med" len="med"/>
-                      <a:tailEnd type="none" w="med" len="med"/>
-                    </a:lnT>
-                    <a:lnB w="7620" cap="flat" cmpd="sng" algn="ctr">
-                      <a:solidFill>
-                        <a:srgbClr val="999999"/>
-                      </a:solidFill>
-                      <a:prstDash val="solid"/>
-                      <a:round/>
-                      <a:headEnd type="none" w="med" len="med"/>
-                      <a:tailEnd type="none" w="med" len="med"/>
-                    </a:lnB>
-                  </a:tcPr>
-                </a:tc>
-                <a:tc>
-                  <a:txBody>
-                    <a:bodyPr/>
-                    <a:lstStyle/>
-                    <a:p>
-                      <a:r>
-                        <a:rPr lang="en-US">
-                          <a:effectLst/>
-                        </a:rPr>
-                        <a:t>Returns top contributors to specified candidate for a House or Senate seat or member of Congress. These are 6 year numbers for Senators/Senate candidates; 2 years for Representatives/House candidates</a:t>
-                      </a:r>
-                    </a:p>
-                  </a:txBody>
-                  <a:tcPr marL="60960" marR="60960" marT="60960" marB="60960" anchor="ctr">
-                    <a:lnL w="7620" cap="flat" cmpd="sng" algn="ctr">
-                      <a:solidFill>
-                        <a:srgbClr val="999999"/>
-                      </a:solidFill>
-                      <a:prstDash val="solid"/>
-                      <a:round/>
-                      <a:headEnd type="none" w="med" len="med"/>
-                      <a:tailEnd type="none" w="med" len="med"/>
-                    </a:lnL>
-                    <a:lnR w="7620" cap="flat" cmpd="sng" algn="ctr">
-                      <a:solidFill>
-                        <a:srgbClr val="999999"/>
-                      </a:solidFill>
-                      <a:prstDash val="solid"/>
-                      <a:round/>
-                      <a:headEnd type="none" w="med" len="med"/>
-                      <a:tailEnd type="none" w="med" len="med"/>
-                    </a:lnR>
-                    <a:lnT w="7620" cap="flat" cmpd="sng" algn="ctr">
-                      <a:solidFill>
-                        <a:srgbClr val="999999"/>
-                      </a:solidFill>
-                      <a:prstDash val="solid"/>
-                      <a:round/>
-                      <a:headEnd type="none" w="med" len="med"/>
-                      <a:tailEnd type="none" w="med" len="med"/>
-                    </a:lnT>
-                    <a:lnB w="7620" cap="flat" cmpd="sng" algn="ctr">
-                      <a:solidFill>
-                        <a:srgbClr val="999999"/>
-                      </a:solidFill>
-                      <a:prstDash val="solid"/>
-                      <a:round/>
-                      <a:headEnd type="none" w="med" len="med"/>
-                      <a:tailEnd type="none" w="med" len="med"/>
-                    </a:lnB>
-                  </a:tcPr>
-                </a:tc>
-                <a:tc>
-                  <a:txBody>
-                    <a:bodyPr/>
-                    <a:lstStyle/>
-                    <a:p>
-                      <a:br>
-                        <a:rPr lang="en-US" dirty="0"/>
-                      </a:br>
-                      <a:r>
-                        <a:rPr lang="en-US" dirty="0"/>
-                        <a:t>(optional) 2012, 2014, 2016, 2018 (blank or out of range cycle will return most recent cycle)</a:t>
-                      </a:r>
-                    </a:p>
-                  </a:txBody>
-                  <a:tcPr anchor="ctr">
-                    <a:lnL w="7620" cap="flat" cmpd="sng" algn="ctr">
-                      <a:solidFill>
-                        <a:srgbClr val="999999"/>
-                      </a:solidFill>
-                      <a:prstDash val="solid"/>
-                      <a:round/>
-                      <a:headEnd type="none" w="med" len="med"/>
-                      <a:tailEnd type="none" w="med" len="med"/>
-                    </a:lnL>
-                    <a:lnT w="7620" cap="flat" cmpd="sng" algn="ctr">
-                      <a:solidFill>
-                        <a:srgbClr val="999999"/>
-                      </a:solidFill>
-                      <a:prstDash val="solid"/>
-                      <a:round/>
-                      <a:headEnd type="none" w="med" len="med"/>
-                      <a:tailEnd type="none" w="med" len="med"/>
-                    </a:lnT>
-                  </a:tcPr>
-                </a:tc>
-                <a:extLst>
-                  <a:ext uri="{0D108BD9-81ED-4DB2-BD59-A6C34878D82A}">
-                    <a16:rowId xmlns:a16="http://schemas.microsoft.com/office/drawing/2014/main" val="3695025293"/>
-                  </a:ext>
-                </a:extLst>
-              </a:tr>
-            </a:tbl>
-          </a:graphicData>
-        </a:graphic>
-      </p:graphicFrame>
+          </p:nvPr>
+        </p:nvSpPr>
+        <p:spPr/>
+        <p:txBody>
+          <a:bodyPr/>
+          <a:lstStyle/>
+          <a:p>
+            <a:r>
+              <a:rPr lang="en-US" dirty="0"/>
+              <a:t>The intent of this team project was to become familiar with the concept of Extraction, Transformation, and Load</a:t>
+            </a:r>
+          </a:p>
+          <a:p>
+            <a:r>
+              <a:rPr lang="en-US" dirty="0"/>
+              <a:t>Our team decided to take a look at data on Olympic data vs. Gross Domestic Product (GDP)</a:t>
+            </a:r>
+          </a:p>
+          <a:p>
+            <a:r>
+              <a:rPr lang="en-US" dirty="0"/>
+              <a:t>The ambitious goal was to perform ETL on two sets of data provided at (Kaggle.com) and perform an analysis of countries, medals, GDP, </a:t>
+            </a:r>
+            <a:r>
+              <a:rPr lang="en-US" dirty="0" err="1"/>
+              <a:t>etc</a:t>
+            </a:r>
+            <a:endParaRPr lang="en-US" dirty="0"/>
+          </a:p>
+          <a:p>
+            <a:endParaRPr lang="en-US" dirty="0"/>
+          </a:p>
+          <a:p>
+            <a:endParaRPr lang="en-US" dirty="0"/>
+          </a:p>
+        </p:txBody>
+      </p:sp>
+      <p:sp>
+        <p:nvSpPr>
+          <p:cNvPr id="6" name="Slide Number Placeholder 5">
+            <a:extLst>
+              <a:ext uri="{FF2B5EF4-FFF2-40B4-BE49-F238E27FC236}">
+                <a16:creationId xmlns:a16="http://schemas.microsoft.com/office/drawing/2014/main" id="{AAF4F028-041F-49C3-834A-04B24C0209CB}"/>
+              </a:ext>
+            </a:extLst>
+          </p:cNvPr>
+          <p:cNvSpPr>
+            <a:spLocks noGrp="1"/>
+          </p:cNvSpPr>
+          <p:nvPr>
+            <p:ph type="sldNum" sz="quarter" idx="12"/>
+          </p:nvPr>
+        </p:nvSpPr>
+        <p:spPr/>
+        <p:txBody>
+          <a:bodyPr/>
+          <a:lstStyle/>
+          <a:p>
+            <a:fld id="{46C42256-0222-41AC-89A0-C0A593D20A1E}" type="slidenum">
+              <a:rPr lang="en-US" smtClean="0"/>
+              <a:t>2</a:t>
+            </a:fld>
+            <a:endParaRPr lang="en-US"/>
+          </a:p>
+        </p:txBody>
+      </p:sp>
     </p:spTree>
     <p:extLst>
       <p:ext uri="{BB962C8B-B14F-4D97-AF65-F5344CB8AC3E}">
-        <p14:creationId xmlns:p14="http://schemas.microsoft.com/office/powerpoint/2010/main" val="3837617099"/>
+        <p14:creationId xmlns:p14="http://schemas.microsoft.com/office/powerpoint/2010/main" val="160427245"/>
       </p:ext>
     </p:extLst>
   </p:cSld>
@@ -3850,7 +4693,7 @@
           <p:cNvPr id="2" name="Title 1">
             <a:extLst>
               <a:ext uri="{FF2B5EF4-FFF2-40B4-BE49-F238E27FC236}">
-                <a16:creationId xmlns:a16="http://schemas.microsoft.com/office/drawing/2014/main" id="{152C0355-2DE0-4879-8EFD-BA3A8C975FA8}"/>
+                <a16:creationId xmlns:a16="http://schemas.microsoft.com/office/drawing/2014/main" id="{14D5355F-DBC8-491D-B3A1-270E042688DA}"/>
               </a:ext>
             </a:extLst>
           </p:cNvPr>
@@ -3868,7 +4711,19 @@
           <a:p>
             <a:r>
               <a:rPr lang="en-US" dirty="0"/>
-              <a:t>ProPublica Data Store</a:t>
+              <a:t>Sources of Data – </a:t>
+            </a:r>
+            <a:r>
+              <a:rPr lang="en-US" b="1" dirty="0">
+                <a:solidFill>
+                  <a:srgbClr val="00B050"/>
+                </a:solidFill>
+              </a:rPr>
+              <a:t>E</a:t>
+            </a:r>
+            <a:r>
+              <a:rPr lang="en-US" dirty="0"/>
+              <a:t>xtraction </a:t>
             </a:r>
           </a:p>
         </p:txBody>
@@ -3878,7 +4733,7 @@
           <p:cNvPr id="3" name="Content Placeholder 2">
             <a:extLst>
               <a:ext uri="{FF2B5EF4-FFF2-40B4-BE49-F238E27FC236}">
-                <a16:creationId xmlns:a16="http://schemas.microsoft.com/office/drawing/2014/main" id="{26BA3DAB-2038-450A-8B23-9F7C7E50A62D}"/>
+                <a16:creationId xmlns:a16="http://schemas.microsoft.com/office/drawing/2014/main" id="{60BF324C-81F2-4391-A866-646136D004CE}"/>
               </a:ext>
             </a:extLst>
           </p:cNvPr>
@@ -3896,33 +4751,306 @@
           <a:p>
             <a:r>
               <a:rPr lang="en-US" dirty="0"/>
-              <a:t>Pick a specific bill and how it has been voted on by members over time</a:t>
-            </a:r>
-          </a:p>
-          <a:p>
-            <a:r>
-              <a:rPr lang="en-US" dirty="0"/>
-              <a:t>Take a look at the sponsors to see how they impacted the vote</a:t>
-            </a:r>
-          </a:p>
-          <a:p>
-            <a:r>
-              <a:rPr lang="en-US" dirty="0">
-                <a:hlinkClick r:id="rId2"/>
-              </a:rPr>
-              <a:t>https://projects.propublica.org/api-docs/congress-api/bills/#get-recent-bills-by-a-specific-subject</a:t>
-            </a:r>
+              <a:t>3 CSV files that contained:</a:t>
+            </a:r>
+          </a:p>
+          <a:p>
+            <a:pPr lvl="1"/>
+            <a:r>
+              <a:rPr lang="en-US" dirty="0"/>
+              <a:t>Historical Olympics that included events, medals, countries</a:t>
+            </a:r>
+          </a:p>
+          <a:p>
+            <a:pPr lvl="1"/>
+            <a:r>
+              <a:rPr lang="en-US" dirty="0"/>
+              <a:t>Current GDP data of countries of the world</a:t>
+            </a:r>
+          </a:p>
+          <a:p>
+            <a:pPr lvl="1"/>
+            <a:r>
+              <a:rPr lang="en-US" dirty="0"/>
+              <a:t>National Olympic Commit Regions (key for Olympic data)</a:t>
+            </a:r>
+          </a:p>
+          <a:p>
+            <a:pPr lvl="1"/>
             <a:endParaRPr lang="en-US" dirty="0"/>
           </a:p>
-          <a:p>
-            <a:endParaRPr lang="en-US" dirty="0"/>
+        </p:txBody>
+      </p:sp>
+      <p:pic>
+        <p:nvPicPr>
+          <p:cNvPr id="4" name="Picture 3">
+            <a:extLst>
+              <a:ext uri="{FF2B5EF4-FFF2-40B4-BE49-F238E27FC236}">
+                <a16:creationId xmlns:a16="http://schemas.microsoft.com/office/drawing/2014/main" id="{CE5AD0F7-8D71-4E4F-A21C-8EC111942AF3}"/>
+              </a:ext>
+            </a:extLst>
+          </p:cNvPr>
+          <p:cNvPicPr>
+            <a:picLocks noChangeAspect="1"/>
+          </p:cNvPicPr>
+          <p:nvPr/>
+        </p:nvPicPr>
+        <p:blipFill>
+          <a:blip r:embed="rId2"/>
+          <a:stretch>
+            <a:fillRect/>
+          </a:stretch>
+        </p:blipFill>
+        <p:spPr>
+          <a:xfrm>
+            <a:off x="110358" y="5060556"/>
+            <a:ext cx="11971283" cy="1724840"/>
+          </a:xfrm>
+          <a:prstGeom prst="rect">
+            <a:avLst/>
+          </a:prstGeom>
+        </p:spPr>
+      </p:pic>
+      <p:pic>
+        <p:nvPicPr>
+          <p:cNvPr id="5" name="Picture 4">
+            <a:extLst>
+              <a:ext uri="{FF2B5EF4-FFF2-40B4-BE49-F238E27FC236}">
+                <a16:creationId xmlns:a16="http://schemas.microsoft.com/office/drawing/2014/main" id="{A1BCA04E-1252-4BB0-B8E9-95061A6EBF1F}"/>
+              </a:ext>
+            </a:extLst>
+          </p:cNvPr>
+          <p:cNvPicPr>
+            <a:picLocks noChangeAspect="1"/>
+          </p:cNvPicPr>
+          <p:nvPr/>
+        </p:nvPicPr>
+        <p:blipFill>
+          <a:blip r:embed="rId3"/>
+          <a:stretch>
+            <a:fillRect/>
+          </a:stretch>
+        </p:blipFill>
+        <p:spPr>
+          <a:xfrm>
+            <a:off x="110358" y="3158637"/>
+            <a:ext cx="8478029" cy="1724840"/>
+          </a:xfrm>
+          <a:prstGeom prst="rect">
+            <a:avLst/>
+          </a:prstGeom>
+        </p:spPr>
+      </p:pic>
+      <p:pic>
+        <p:nvPicPr>
+          <p:cNvPr id="6" name="Picture 5">
+            <a:extLst>
+              <a:ext uri="{FF2B5EF4-FFF2-40B4-BE49-F238E27FC236}">
+                <a16:creationId xmlns:a16="http://schemas.microsoft.com/office/drawing/2014/main" id="{24329142-EDB8-4C38-8FB7-90D8AAC88ADF}"/>
+              </a:ext>
+            </a:extLst>
+          </p:cNvPr>
+          <p:cNvPicPr>
+            <a:picLocks noChangeAspect="1"/>
+          </p:cNvPicPr>
+          <p:nvPr/>
+        </p:nvPicPr>
+        <p:blipFill>
+          <a:blip r:embed="rId4"/>
+          <a:stretch>
+            <a:fillRect/>
+          </a:stretch>
+        </p:blipFill>
+        <p:spPr>
+          <a:xfrm>
+            <a:off x="8947150" y="1914439"/>
+            <a:ext cx="2940050" cy="2144507"/>
+          </a:xfrm>
+          <a:prstGeom prst="rect">
+            <a:avLst/>
+          </a:prstGeom>
+        </p:spPr>
+      </p:pic>
+      <p:sp>
+        <p:nvSpPr>
+          <p:cNvPr id="7" name="Rectangle 6">
+            <a:extLst>
+              <a:ext uri="{FF2B5EF4-FFF2-40B4-BE49-F238E27FC236}">
+                <a16:creationId xmlns:a16="http://schemas.microsoft.com/office/drawing/2014/main" id="{1D8CF718-3133-49E0-9634-4AF7185D6D57}"/>
+              </a:ext>
+            </a:extLst>
+          </p:cNvPr>
+          <p:cNvSpPr/>
+          <p:nvPr/>
+        </p:nvSpPr>
+        <p:spPr>
+          <a:xfrm>
+            <a:off x="390769" y="4704862"/>
+            <a:ext cx="2227385" cy="247320"/>
+          </a:xfrm>
+          <a:prstGeom prst="rect">
+            <a:avLst/>
+          </a:prstGeom>
+        </p:spPr>
+        <p:style>
+          <a:lnRef idx="2">
+            <a:schemeClr val="accent1">
+              <a:shade val="50000"/>
+            </a:schemeClr>
+          </a:lnRef>
+          <a:fillRef idx="1">
+            <a:schemeClr val="accent1"/>
+          </a:fillRef>
+          <a:effectRef idx="0">
+            <a:schemeClr val="accent1"/>
+          </a:effectRef>
+          <a:fontRef idx="minor">
+            <a:schemeClr val="lt1"/>
+          </a:fontRef>
+        </p:style>
+        <p:txBody>
+          <a:bodyPr rtlCol="0" anchor="ctr"/>
+          <a:lstStyle/>
+          <a:p>
+            <a:pPr algn="ctr"/>
+            <a:r>
+              <a:rPr lang="en-US" dirty="0"/>
+              <a:t>Olympic Data</a:t>
+            </a:r>
+          </a:p>
+        </p:txBody>
+      </p:sp>
+      <p:sp>
+        <p:nvSpPr>
+          <p:cNvPr id="8" name="Rectangle 7">
+            <a:extLst>
+              <a:ext uri="{FF2B5EF4-FFF2-40B4-BE49-F238E27FC236}">
+                <a16:creationId xmlns:a16="http://schemas.microsoft.com/office/drawing/2014/main" id="{5EF6D78E-2828-4FB4-8A0F-0B7463D52EFB}"/>
+              </a:ext>
+            </a:extLst>
+          </p:cNvPr>
+          <p:cNvSpPr/>
+          <p:nvPr/>
+        </p:nvSpPr>
+        <p:spPr>
+          <a:xfrm>
+            <a:off x="390769" y="6538076"/>
+            <a:ext cx="2227385" cy="247320"/>
+          </a:xfrm>
+          <a:prstGeom prst="rect">
+            <a:avLst/>
+          </a:prstGeom>
+        </p:spPr>
+        <p:style>
+          <a:lnRef idx="2">
+            <a:schemeClr val="accent1">
+              <a:shade val="50000"/>
+            </a:schemeClr>
+          </a:lnRef>
+          <a:fillRef idx="1">
+            <a:schemeClr val="accent1"/>
+          </a:fillRef>
+          <a:effectRef idx="0">
+            <a:schemeClr val="accent1"/>
+          </a:effectRef>
+          <a:fontRef idx="minor">
+            <a:schemeClr val="lt1"/>
+          </a:fontRef>
+        </p:style>
+        <p:txBody>
+          <a:bodyPr rtlCol="0" anchor="ctr"/>
+          <a:lstStyle/>
+          <a:p>
+            <a:pPr algn="ctr"/>
+            <a:r>
+              <a:rPr lang="en-US" dirty="0"/>
+              <a:t>GDP Data</a:t>
+            </a:r>
+          </a:p>
+        </p:txBody>
+      </p:sp>
+      <p:sp>
+        <p:nvSpPr>
+          <p:cNvPr id="9" name="Rectangle 8">
+            <a:extLst>
+              <a:ext uri="{FF2B5EF4-FFF2-40B4-BE49-F238E27FC236}">
+                <a16:creationId xmlns:a16="http://schemas.microsoft.com/office/drawing/2014/main" id="{F0421E1C-88B0-4FC1-A00C-D4980062D348}"/>
+              </a:ext>
+            </a:extLst>
+          </p:cNvPr>
+          <p:cNvSpPr/>
+          <p:nvPr/>
+        </p:nvSpPr>
+        <p:spPr>
+          <a:xfrm>
+            <a:off x="9391275" y="1667119"/>
+            <a:ext cx="2227385" cy="247320"/>
+          </a:xfrm>
+          <a:prstGeom prst="rect">
+            <a:avLst/>
+          </a:prstGeom>
+        </p:spPr>
+        <p:style>
+          <a:lnRef idx="2">
+            <a:schemeClr val="accent1">
+              <a:shade val="50000"/>
+            </a:schemeClr>
+          </a:lnRef>
+          <a:fillRef idx="1">
+            <a:schemeClr val="accent1"/>
+          </a:fillRef>
+          <a:effectRef idx="0">
+            <a:schemeClr val="accent1"/>
+          </a:effectRef>
+          <a:fontRef idx="minor">
+            <a:schemeClr val="lt1"/>
+          </a:fontRef>
+        </p:style>
+        <p:txBody>
+          <a:bodyPr rtlCol="0" anchor="ctr"/>
+          <a:lstStyle/>
+          <a:p>
+            <a:pPr algn="ctr"/>
+            <a:r>
+              <a:rPr lang="en-US" dirty="0"/>
+              <a:t>Olympic Key</a:t>
+            </a:r>
+          </a:p>
+        </p:txBody>
+      </p:sp>
+      <p:sp>
+        <p:nvSpPr>
+          <p:cNvPr id="11" name="Slide Number Placeholder 10">
+            <a:extLst>
+              <a:ext uri="{FF2B5EF4-FFF2-40B4-BE49-F238E27FC236}">
+                <a16:creationId xmlns:a16="http://schemas.microsoft.com/office/drawing/2014/main" id="{C351A0A6-6E51-4522-A320-1A8B6D28CA76}"/>
+              </a:ext>
+            </a:extLst>
+          </p:cNvPr>
+          <p:cNvSpPr>
+            <a:spLocks noGrp="1"/>
+          </p:cNvSpPr>
+          <p:nvPr>
+            <p:ph type="sldNum" sz="quarter" idx="12"/>
+          </p:nvPr>
+        </p:nvSpPr>
+        <p:spPr/>
+        <p:txBody>
+          <a:bodyPr/>
+          <a:lstStyle/>
+          <a:p>
+            <a:fld id="{46C42256-0222-41AC-89A0-C0A593D20A1E}" type="slidenum">
+              <a:rPr lang="en-US" smtClean="0"/>
+              <a:t>3</a:t>
+            </a:fld>
+            <a:endParaRPr lang="en-US"/>
           </a:p>
         </p:txBody>
       </p:sp>
     </p:spTree>
     <p:extLst>
       <p:ext uri="{BB962C8B-B14F-4D97-AF65-F5344CB8AC3E}">
-        <p14:creationId xmlns:p14="http://schemas.microsoft.com/office/powerpoint/2010/main" val="2083871342"/>
+        <p14:creationId xmlns:p14="http://schemas.microsoft.com/office/powerpoint/2010/main" val="3599213498"/>
       </p:ext>
     </p:extLst>
   </p:cSld>
@@ -3954,7 +5082,7 @@
           <p:cNvPr id="2" name="Title 1">
             <a:extLst>
               <a:ext uri="{FF2B5EF4-FFF2-40B4-BE49-F238E27FC236}">
-                <a16:creationId xmlns:a16="http://schemas.microsoft.com/office/drawing/2014/main" id="{9D27BC3D-60FD-4B50-8659-0A967C00F8DC}"/>
+                <a16:creationId xmlns:a16="http://schemas.microsoft.com/office/drawing/2014/main" id="{04A9B4D3-5B3A-42C3-B307-28534A505CEF}"/>
               </a:ext>
             </a:extLst>
           </p:cNvPr>
@@ -3971,8 +5099,16 @@
           <a:lstStyle/>
           <a:p>
             <a:r>
-              <a:rPr lang="en-US" dirty="0"/>
-              <a:t>ETL</a:t>
+              <a:rPr lang="en-US" b="1" dirty="0">
+                <a:solidFill>
+                  <a:srgbClr val="00B050"/>
+                </a:solidFill>
+              </a:rPr>
+              <a:t>T</a:t>
+            </a:r>
+            <a:r>
+              <a:rPr lang="en-US" dirty="0"/>
+              <a:t>ransformation</a:t>
             </a:r>
           </a:p>
         </p:txBody>
@@ -3982,7 +5118,7 @@
           <p:cNvPr id="3" name="Content Placeholder 2">
             <a:extLst>
               <a:ext uri="{FF2B5EF4-FFF2-40B4-BE49-F238E27FC236}">
-                <a16:creationId xmlns:a16="http://schemas.microsoft.com/office/drawing/2014/main" id="{41195D3C-23AE-4171-A5AF-C0EBD4AD8107}"/>
+                <a16:creationId xmlns:a16="http://schemas.microsoft.com/office/drawing/2014/main" id="{F01BECB0-41CD-40DB-85AD-9CC1FEE0F2B0}"/>
               </a:ext>
             </a:extLst>
           </p:cNvPr>
@@ -4000,26 +5136,66 @@
           <a:p>
             <a:r>
               <a:rPr lang="en-US" dirty="0"/>
-              <a:t>1 – DB for Congressional Sponsors</a:t>
-            </a:r>
-          </a:p>
-          <a:p>
-            <a:r>
-              <a:rPr lang="en-US" dirty="0"/>
-              <a:t>1 – DB for how they voted on marijuana </a:t>
-            </a:r>
-          </a:p>
-          <a:p>
-            <a:r>
-              <a:rPr lang="en-US" dirty="0"/>
-              <a:t>1 – DB </a:t>
-            </a:r>
-            <a:r>
-              <a:rPr lang="en-US"/>
-              <a:t>for combination of </a:t>
-            </a:r>
-          </a:p>
-          <a:p>
+              <a:t>The initial thought was that with the use of the Olympic Key’s country information we would be able to easily merge data with GDP……. (it wasn’t that simple)</a:t>
+            </a:r>
+          </a:p>
+          <a:p>
+            <a:r>
+              <a:rPr lang="en-US" dirty="0"/>
+              <a:t>We first used Python Pandas (and other libraries) to import the CSVs and created data frames out of each.</a:t>
+            </a:r>
+          </a:p>
+          <a:p>
+            <a:r>
+              <a:rPr lang="en-US" dirty="0"/>
+              <a:t>Once we had them pulled into our environment we focused on the data that we had intent to use (SEX, NOC, Medals, and Sport) </a:t>
+            </a:r>
+          </a:p>
+          <a:p>
+            <a:r>
+              <a:rPr lang="en-US" dirty="0"/>
+              <a:t>Then merge the two data frame together for Olympics Data and a list of regions defined by NOC and renamed the column Region to Country for use with GDP Data</a:t>
+            </a:r>
+          </a:p>
+          <a:p>
+            <a:r>
+              <a:rPr lang="en-US" dirty="0"/>
+              <a:t>Next, for the GDP data, we extracted columns relevant to our work (Country, Population, and GDP) and applied some styling to the data frame</a:t>
+            </a:r>
+          </a:p>
+          <a:p>
+            <a:r>
+              <a:rPr lang="en-US" dirty="0"/>
+              <a:t>…… This is where it gets fun (see next page)</a:t>
+            </a:r>
+          </a:p>
+        </p:txBody>
+      </p:sp>
+      <p:sp>
+        <p:nvSpPr>
+          <p:cNvPr id="5" name="Slide Number Placeholder 4">
+            <a:extLst>
+              <a:ext uri="{FF2B5EF4-FFF2-40B4-BE49-F238E27FC236}">
+                <a16:creationId xmlns:a16="http://schemas.microsoft.com/office/drawing/2014/main" id="{5574DCAE-CD36-4EC8-B8FB-C148454EC885}"/>
+              </a:ext>
+            </a:extLst>
+          </p:cNvPr>
+          <p:cNvSpPr>
+            <a:spLocks noGrp="1"/>
+          </p:cNvSpPr>
+          <p:nvPr>
+            <p:ph type="sldNum" sz="quarter" idx="12"/>
+          </p:nvPr>
+        </p:nvSpPr>
+        <p:spPr/>
+        <p:txBody>
+          <a:bodyPr/>
+          <a:lstStyle/>
+          <a:p>
+            <a:fld id="{46C42256-0222-41AC-89A0-C0A593D20A1E}" type="slidenum">
+              <a:rPr lang="en-US" smtClean="0"/>
+              <a:t>4</a:t>
+            </a:fld>
             <a:endParaRPr lang="en-US"/>
           </a:p>
         </p:txBody>
@@ -4027,7 +5203,755 @@
     </p:spTree>
     <p:extLst>
       <p:ext uri="{BB962C8B-B14F-4D97-AF65-F5344CB8AC3E}">
-        <p14:creationId xmlns:p14="http://schemas.microsoft.com/office/powerpoint/2010/main" val="1658585445"/>
+        <p14:creationId xmlns:p14="http://schemas.microsoft.com/office/powerpoint/2010/main" val="2635393157"/>
+      </p:ext>
+    </p:extLst>
+  </p:cSld>
+  <p:clrMapOvr>
+    <a:masterClrMapping/>
+  </p:clrMapOvr>
+</p:sld>
+</file>
+
+<file path=ppt/slides/slide5.xml><?xml version="1.0" encoding="utf-8"?>
+<p:sld xmlns:a="http://schemas.openxmlformats.org/drawingml/2006/main" xmlns:r="http://schemas.openxmlformats.org/officeDocument/2006/relationships" xmlns:p="http://schemas.openxmlformats.org/presentationml/2006/main">
+  <p:cSld>
+    <p:spTree>
+      <p:nvGrpSpPr>
+        <p:cNvPr id="1" name=""/>
+        <p:cNvGrpSpPr/>
+        <p:nvPr/>
+      </p:nvGrpSpPr>
+      <p:grpSpPr>
+        <a:xfrm>
+          <a:off x="0" y="0"/>
+          <a:ext cx="0" cy="0"/>
+          <a:chOff x="0" y="0"/>
+          <a:chExt cx="0" cy="0"/>
+        </a:xfrm>
+      </p:grpSpPr>
+      <p:sp>
+        <p:nvSpPr>
+          <p:cNvPr id="2" name="Title 1">
+            <a:extLst>
+              <a:ext uri="{FF2B5EF4-FFF2-40B4-BE49-F238E27FC236}">
+                <a16:creationId xmlns:a16="http://schemas.microsoft.com/office/drawing/2014/main" id="{04A9B4D3-5B3A-42C3-B307-28534A505CEF}"/>
+              </a:ext>
+            </a:extLst>
+          </p:cNvPr>
+          <p:cNvSpPr>
+            <a:spLocks noGrp="1"/>
+          </p:cNvSpPr>
+          <p:nvPr>
+            <p:ph type="title"/>
+          </p:nvPr>
+        </p:nvSpPr>
+        <p:spPr/>
+        <p:txBody>
+          <a:bodyPr/>
+          <a:lstStyle/>
+          <a:p>
+            <a:r>
+              <a:rPr lang="en-US" b="1" dirty="0">
+                <a:solidFill>
+                  <a:srgbClr val="00B050"/>
+                </a:solidFill>
+              </a:rPr>
+              <a:t>T</a:t>
+            </a:r>
+            <a:r>
+              <a:rPr lang="en-US" dirty="0"/>
+              <a:t>ransformation</a:t>
+            </a:r>
+          </a:p>
+        </p:txBody>
+      </p:sp>
+      <p:sp>
+        <p:nvSpPr>
+          <p:cNvPr id="3" name="Content Placeholder 2">
+            <a:extLst>
+              <a:ext uri="{FF2B5EF4-FFF2-40B4-BE49-F238E27FC236}">
+                <a16:creationId xmlns:a16="http://schemas.microsoft.com/office/drawing/2014/main" id="{F01BECB0-41CD-40DB-85AD-9CC1FEE0F2B0}"/>
+              </a:ext>
+            </a:extLst>
+          </p:cNvPr>
+          <p:cNvSpPr>
+            <a:spLocks noGrp="1"/>
+          </p:cNvSpPr>
+          <p:nvPr>
+            <p:ph idx="1"/>
+          </p:nvPr>
+        </p:nvSpPr>
+        <p:spPr>
+          <a:xfrm>
+            <a:off x="1097280" y="1845734"/>
+            <a:ext cx="10058400" cy="4476912"/>
+          </a:xfrm>
+        </p:spPr>
+        <p:txBody>
+          <a:bodyPr>
+            <a:normAutofit/>
+          </a:bodyPr>
+          <a:lstStyle/>
+          <a:p>
+            <a:r>
+              <a:rPr lang="en-US" dirty="0"/>
+              <a:t>We tried to merge the Olympics DF with GDP DF on country and quickly learned that it wasn’t going to work and get the results we expected</a:t>
+            </a:r>
+          </a:p>
+          <a:p>
+            <a:pPr lvl="1"/>
+            <a:r>
+              <a:rPr lang="en-US" dirty="0"/>
+              <a:t>There were ~275K rows in Olympics data </a:t>
+            </a:r>
+          </a:p>
+          <a:p>
+            <a:pPr lvl="1"/>
+            <a:r>
+              <a:rPr lang="en-US" dirty="0"/>
+              <a:t>There were ~230 rows in Olympics data</a:t>
+            </a:r>
+          </a:p>
+          <a:p>
+            <a:r>
+              <a:rPr lang="en-US" dirty="0"/>
+              <a:t>What we expected:</a:t>
+            </a:r>
+          </a:p>
+          <a:p>
+            <a:pPr lvl="1"/>
+            <a:r>
+              <a:rPr lang="en-US" dirty="0"/>
+              <a:t>A quick merge to see how each country’s GDP was compared to the medals and events that have happened in the Olympics</a:t>
+            </a:r>
+          </a:p>
+          <a:p>
+            <a:pPr lvl="1"/>
+            <a:r>
+              <a:rPr lang="en-US" b="1" i="1" dirty="0"/>
+              <a:t>The df’s returned a lot of null rows or was not even rendering any data as there were too many rows that had countries listed</a:t>
+            </a:r>
+          </a:p>
+          <a:p>
+            <a:r>
+              <a:rPr lang="en-US" dirty="0"/>
+              <a:t>So we recognized that due to the # of rows that don’t correlate well with each other we decided to Group the Olympic data by Country and Medals and then perform a count on the medals won</a:t>
+            </a:r>
+          </a:p>
+          <a:p>
+            <a:pPr lvl="1"/>
+            <a:r>
+              <a:rPr lang="en-US" dirty="0"/>
+              <a:t>Although we lost the ability to see what events and sex of athletes we were able to perform an “outer join” on the data on “country” </a:t>
+            </a:r>
+          </a:p>
+          <a:p>
+            <a:endParaRPr lang="en-US" dirty="0"/>
+          </a:p>
+        </p:txBody>
+      </p:sp>
+      <p:sp>
+        <p:nvSpPr>
+          <p:cNvPr id="5" name="Slide Number Placeholder 4">
+            <a:extLst>
+              <a:ext uri="{FF2B5EF4-FFF2-40B4-BE49-F238E27FC236}">
+                <a16:creationId xmlns:a16="http://schemas.microsoft.com/office/drawing/2014/main" id="{5574DCAE-CD36-4EC8-B8FB-C148454EC885}"/>
+              </a:ext>
+            </a:extLst>
+          </p:cNvPr>
+          <p:cNvSpPr>
+            <a:spLocks noGrp="1"/>
+          </p:cNvSpPr>
+          <p:nvPr>
+            <p:ph type="sldNum" sz="quarter" idx="12"/>
+          </p:nvPr>
+        </p:nvSpPr>
+        <p:spPr/>
+        <p:txBody>
+          <a:bodyPr/>
+          <a:lstStyle/>
+          <a:p>
+            <a:fld id="{46C42256-0222-41AC-89A0-C0A593D20A1E}" type="slidenum">
+              <a:rPr lang="en-US" smtClean="0"/>
+              <a:t>5</a:t>
+            </a:fld>
+            <a:endParaRPr lang="en-US"/>
+          </a:p>
+        </p:txBody>
+      </p:sp>
+    </p:spTree>
+    <p:extLst>
+      <p:ext uri="{BB962C8B-B14F-4D97-AF65-F5344CB8AC3E}">
+        <p14:creationId xmlns:p14="http://schemas.microsoft.com/office/powerpoint/2010/main" val="2557115964"/>
+      </p:ext>
+    </p:extLst>
+  </p:cSld>
+  <p:clrMapOvr>
+    <a:masterClrMapping/>
+  </p:clrMapOvr>
+</p:sld>
+</file>
+
+<file path=ppt/slides/slide6.xml><?xml version="1.0" encoding="utf-8"?>
+<p:sld xmlns:a="http://schemas.openxmlformats.org/drawingml/2006/main" xmlns:r="http://schemas.openxmlformats.org/officeDocument/2006/relationships" xmlns:p="http://schemas.openxmlformats.org/presentationml/2006/main">
+  <p:cSld>
+    <p:spTree>
+      <p:nvGrpSpPr>
+        <p:cNvPr id="1" name=""/>
+        <p:cNvGrpSpPr/>
+        <p:nvPr/>
+      </p:nvGrpSpPr>
+      <p:grpSpPr>
+        <a:xfrm>
+          <a:off x="0" y="0"/>
+          <a:ext cx="0" cy="0"/>
+          <a:chOff x="0" y="0"/>
+          <a:chExt cx="0" cy="0"/>
+        </a:xfrm>
+      </p:grpSpPr>
+      <p:sp>
+        <p:nvSpPr>
+          <p:cNvPr id="2" name="Title 1">
+            <a:extLst>
+              <a:ext uri="{FF2B5EF4-FFF2-40B4-BE49-F238E27FC236}">
+                <a16:creationId xmlns:a16="http://schemas.microsoft.com/office/drawing/2014/main" id="{1F6A6C2C-7696-43F6-A911-91D8B1873453}"/>
+              </a:ext>
+            </a:extLst>
+          </p:cNvPr>
+          <p:cNvSpPr>
+            <a:spLocks noGrp="1"/>
+          </p:cNvSpPr>
+          <p:nvPr>
+            <p:ph type="title"/>
+          </p:nvPr>
+        </p:nvSpPr>
+        <p:spPr/>
+        <p:txBody>
+          <a:bodyPr/>
+          <a:lstStyle/>
+          <a:p>
+            <a:r>
+              <a:rPr lang="en-US" b="1" dirty="0">
+                <a:solidFill>
+                  <a:srgbClr val="00B050"/>
+                </a:solidFill>
+              </a:rPr>
+              <a:t>T</a:t>
+            </a:r>
+            <a:r>
+              <a:rPr lang="en-US" dirty="0"/>
+              <a:t>ransformation</a:t>
+            </a:r>
+          </a:p>
+        </p:txBody>
+      </p:sp>
+      <p:sp>
+        <p:nvSpPr>
+          <p:cNvPr id="3" name="Content Placeholder 2">
+            <a:extLst>
+              <a:ext uri="{FF2B5EF4-FFF2-40B4-BE49-F238E27FC236}">
+                <a16:creationId xmlns:a16="http://schemas.microsoft.com/office/drawing/2014/main" id="{246E010C-3A3F-4C53-A8D5-1B7C7ABA269F}"/>
+              </a:ext>
+            </a:extLst>
+          </p:cNvPr>
+          <p:cNvSpPr>
+            <a:spLocks noGrp="1"/>
+          </p:cNvSpPr>
+          <p:nvPr>
+            <p:ph idx="1"/>
+          </p:nvPr>
+        </p:nvSpPr>
+        <p:spPr/>
+        <p:txBody>
+          <a:bodyPr/>
+          <a:lstStyle/>
+          <a:p>
+            <a:r>
+              <a:rPr lang="en-US" dirty="0"/>
+              <a:t>Now we had all the rows of the countries with types of count of medals and rows of the GDP that provided population and GDP</a:t>
+            </a:r>
+          </a:p>
+          <a:p>
+            <a:r>
+              <a:rPr lang="en-US" dirty="0" err="1"/>
+              <a:t>pandas.DataFrame.aggregate</a:t>
+            </a:r>
+            <a:r>
+              <a:rPr lang="en-US" dirty="0"/>
+              <a:t> – was used initially to try to aggregate data by the first or max value</a:t>
+            </a:r>
+          </a:p>
+          <a:p>
+            <a:r>
+              <a:rPr lang="en-US" dirty="0"/>
+              <a:t>Once we felt comfortable with our final data frame that provided Total Medal count against GDP and population by country we exported a file to CSV.</a:t>
+            </a:r>
+          </a:p>
+          <a:p>
+            <a:r>
+              <a:rPr lang="en-US" dirty="0"/>
+              <a:t>Attempted to loaded it directly to:</a:t>
+            </a:r>
+          </a:p>
+          <a:p>
+            <a:pPr lvl="1"/>
+            <a:r>
+              <a:rPr lang="en-US" dirty="0"/>
+              <a:t>MongoDB on Azure – receiving too many errors from within </a:t>
+            </a:r>
+            <a:r>
+              <a:rPr lang="en-US" dirty="0" err="1"/>
+              <a:t>Jupyter</a:t>
+            </a:r>
+            <a:r>
+              <a:rPr lang="en-US" dirty="0"/>
+              <a:t> and when running the file</a:t>
+            </a:r>
+          </a:p>
+          <a:p>
+            <a:pPr lvl="1"/>
+            <a:r>
+              <a:rPr lang="en-US" dirty="0"/>
+              <a:t>AWS – Connections wasn’t established</a:t>
+            </a:r>
+          </a:p>
+          <a:p>
+            <a:pPr lvl="1"/>
+            <a:r>
+              <a:rPr lang="en-US" dirty="0"/>
+              <a:t>SQL  - Too time consuming as we already had it structured</a:t>
+            </a:r>
+          </a:p>
+          <a:p>
+            <a:pPr lvl="1"/>
+            <a:r>
+              <a:rPr lang="en-US" dirty="0" err="1"/>
+              <a:t>SalesForce</a:t>
+            </a:r>
+            <a:r>
+              <a:rPr lang="en-US" dirty="0"/>
+              <a:t> – attempted but couldn’t find elements required to connect</a:t>
+            </a:r>
+          </a:p>
+          <a:p>
+            <a:endParaRPr lang="en-US" dirty="0"/>
+          </a:p>
+        </p:txBody>
+      </p:sp>
+      <p:sp>
+        <p:nvSpPr>
+          <p:cNvPr id="4" name="Slide Number Placeholder 3">
+            <a:extLst>
+              <a:ext uri="{FF2B5EF4-FFF2-40B4-BE49-F238E27FC236}">
+                <a16:creationId xmlns:a16="http://schemas.microsoft.com/office/drawing/2014/main" id="{723BFEC7-AFE7-4FE6-BC64-674B6AE9BA3A}"/>
+              </a:ext>
+            </a:extLst>
+          </p:cNvPr>
+          <p:cNvSpPr>
+            <a:spLocks noGrp="1"/>
+          </p:cNvSpPr>
+          <p:nvPr>
+            <p:ph type="sldNum" sz="quarter" idx="12"/>
+          </p:nvPr>
+        </p:nvSpPr>
+        <p:spPr/>
+        <p:txBody>
+          <a:bodyPr/>
+          <a:lstStyle/>
+          <a:p>
+            <a:fld id="{46C42256-0222-41AC-89A0-C0A593D20A1E}" type="slidenum">
+              <a:rPr lang="en-US" smtClean="0"/>
+              <a:t>6</a:t>
+            </a:fld>
+            <a:endParaRPr lang="en-US"/>
+          </a:p>
+        </p:txBody>
+      </p:sp>
+    </p:spTree>
+    <p:extLst>
+      <p:ext uri="{BB962C8B-B14F-4D97-AF65-F5344CB8AC3E}">
+        <p14:creationId xmlns:p14="http://schemas.microsoft.com/office/powerpoint/2010/main" val="3612504848"/>
+      </p:ext>
+    </p:extLst>
+  </p:cSld>
+  <p:clrMapOvr>
+    <a:masterClrMapping/>
+  </p:clrMapOvr>
+</p:sld>
+</file>
+
+<file path=ppt/slides/slide7.xml><?xml version="1.0" encoding="utf-8"?>
+<p:sld xmlns:a="http://schemas.openxmlformats.org/drawingml/2006/main" xmlns:r="http://schemas.openxmlformats.org/officeDocument/2006/relationships" xmlns:p="http://schemas.openxmlformats.org/presentationml/2006/main">
+  <p:cSld>
+    <p:spTree>
+      <p:nvGrpSpPr>
+        <p:cNvPr id="1" name=""/>
+        <p:cNvGrpSpPr/>
+        <p:nvPr/>
+      </p:nvGrpSpPr>
+      <p:grpSpPr>
+        <a:xfrm>
+          <a:off x="0" y="0"/>
+          <a:ext cx="0" cy="0"/>
+          <a:chOff x="0" y="0"/>
+          <a:chExt cx="0" cy="0"/>
+        </a:xfrm>
+      </p:grpSpPr>
+      <p:sp>
+        <p:nvSpPr>
+          <p:cNvPr id="2" name="Title 1">
+            <a:extLst>
+              <a:ext uri="{FF2B5EF4-FFF2-40B4-BE49-F238E27FC236}">
+                <a16:creationId xmlns:a16="http://schemas.microsoft.com/office/drawing/2014/main" id="{FB97E0C1-EDE1-4907-9C3E-5EC123B80697}"/>
+              </a:ext>
+            </a:extLst>
+          </p:cNvPr>
+          <p:cNvSpPr>
+            <a:spLocks noGrp="1"/>
+          </p:cNvSpPr>
+          <p:nvPr>
+            <p:ph type="title"/>
+          </p:nvPr>
+        </p:nvSpPr>
+        <p:spPr/>
+        <p:txBody>
+          <a:bodyPr/>
+          <a:lstStyle/>
+          <a:p>
+            <a:r>
+              <a:rPr lang="en-US" b="1" dirty="0">
+                <a:solidFill>
+                  <a:srgbClr val="00B050"/>
+                </a:solidFill>
+              </a:rPr>
+              <a:t>L</a:t>
+            </a:r>
+            <a:r>
+              <a:rPr lang="en-US" dirty="0"/>
+              <a:t>oad</a:t>
+            </a:r>
+          </a:p>
+        </p:txBody>
+      </p:sp>
+      <p:sp>
+        <p:nvSpPr>
+          <p:cNvPr id="3" name="Content Placeholder 2">
+            <a:extLst>
+              <a:ext uri="{FF2B5EF4-FFF2-40B4-BE49-F238E27FC236}">
+                <a16:creationId xmlns:a16="http://schemas.microsoft.com/office/drawing/2014/main" id="{34562B25-EBCC-47BC-80CB-B836D4F411BA}"/>
+              </a:ext>
+            </a:extLst>
+          </p:cNvPr>
+          <p:cNvSpPr>
+            <a:spLocks noGrp="1"/>
+          </p:cNvSpPr>
+          <p:nvPr>
+            <p:ph idx="1"/>
+          </p:nvPr>
+        </p:nvSpPr>
+        <p:spPr/>
+        <p:txBody>
+          <a:bodyPr/>
+          <a:lstStyle/>
+          <a:p>
+            <a:r>
+              <a:rPr lang="en-US" dirty="0"/>
+              <a:t>Created a python file (see repo) to read our </a:t>
+            </a:r>
+            <a:r>
+              <a:rPr lang="en-US" dirty="0" err="1"/>
+              <a:t>OlympicsGDP</a:t>
+            </a:r>
+            <a:r>
+              <a:rPr lang="en-US" dirty="0"/>
+              <a:t> data into Azure MongoDB</a:t>
+            </a:r>
+          </a:p>
+          <a:p>
+            <a:pPr lvl="1"/>
+            <a:r>
+              <a:rPr lang="en-US" dirty="0">
+                <a:hlinkClick r:id="rId2"/>
+              </a:rPr>
+              <a:t>https://cloud.mongodb.com</a:t>
+            </a:r>
+            <a:r>
+              <a:rPr lang="en-US" dirty="0"/>
+              <a:t> </a:t>
+            </a:r>
+          </a:p>
+          <a:p>
+            <a:r>
+              <a:rPr lang="en-US" dirty="0"/>
+              <a:t>All connections are welcome to write to this database</a:t>
+            </a:r>
+          </a:p>
+          <a:p>
+            <a:r>
+              <a:rPr lang="en-US" dirty="0"/>
+              <a:t> Username/Password to read/write is embedded in code if you want to try</a:t>
+            </a:r>
+          </a:p>
+        </p:txBody>
+      </p:sp>
+      <p:sp>
+        <p:nvSpPr>
+          <p:cNvPr id="4" name="Slide Number Placeholder 3">
+            <a:extLst>
+              <a:ext uri="{FF2B5EF4-FFF2-40B4-BE49-F238E27FC236}">
+                <a16:creationId xmlns:a16="http://schemas.microsoft.com/office/drawing/2014/main" id="{3E806ADF-2C16-4A84-988D-27F12AC73746}"/>
+              </a:ext>
+            </a:extLst>
+          </p:cNvPr>
+          <p:cNvSpPr>
+            <a:spLocks noGrp="1"/>
+          </p:cNvSpPr>
+          <p:nvPr>
+            <p:ph type="sldNum" sz="quarter" idx="12"/>
+          </p:nvPr>
+        </p:nvSpPr>
+        <p:spPr/>
+        <p:txBody>
+          <a:bodyPr/>
+          <a:lstStyle/>
+          <a:p>
+            <a:fld id="{46C42256-0222-41AC-89A0-C0A593D20A1E}" type="slidenum">
+              <a:rPr lang="en-US" smtClean="0"/>
+              <a:t>7</a:t>
+            </a:fld>
+            <a:endParaRPr lang="en-US"/>
+          </a:p>
+        </p:txBody>
+      </p:sp>
+      <p:pic>
+        <p:nvPicPr>
+          <p:cNvPr id="6" name="Picture 5">
+            <a:extLst>
+              <a:ext uri="{FF2B5EF4-FFF2-40B4-BE49-F238E27FC236}">
+                <a16:creationId xmlns:a16="http://schemas.microsoft.com/office/drawing/2014/main" id="{23E894B3-7E0F-4ED4-B892-A89BD6148D7A}"/>
+              </a:ext>
+            </a:extLst>
+          </p:cNvPr>
+          <p:cNvPicPr>
+            <a:picLocks noChangeAspect="1"/>
+          </p:cNvPicPr>
+          <p:nvPr/>
+        </p:nvPicPr>
+        <p:blipFill>
+          <a:blip r:embed="rId3"/>
+          <a:stretch>
+            <a:fillRect/>
+          </a:stretch>
+        </p:blipFill>
+        <p:spPr>
+          <a:xfrm>
+            <a:off x="2235201" y="3546761"/>
+            <a:ext cx="6893168" cy="3278149"/>
+          </a:xfrm>
+          <a:prstGeom prst="rect">
+            <a:avLst/>
+          </a:prstGeom>
+        </p:spPr>
+      </p:pic>
+    </p:spTree>
+    <p:extLst>
+      <p:ext uri="{BB962C8B-B14F-4D97-AF65-F5344CB8AC3E}">
+        <p14:creationId xmlns:p14="http://schemas.microsoft.com/office/powerpoint/2010/main" val="1341644476"/>
+      </p:ext>
+    </p:extLst>
+  </p:cSld>
+  <p:clrMapOvr>
+    <a:masterClrMapping/>
+  </p:clrMapOvr>
+</p:sld>
+</file>
+
+<file path=ppt/slides/slide8.xml><?xml version="1.0" encoding="utf-8"?>
+<p:sld xmlns:a="http://schemas.openxmlformats.org/drawingml/2006/main" xmlns:r="http://schemas.openxmlformats.org/officeDocument/2006/relationships" xmlns:p="http://schemas.openxmlformats.org/presentationml/2006/main">
+  <p:cSld>
+    <p:spTree>
+      <p:nvGrpSpPr>
+        <p:cNvPr id="1" name=""/>
+        <p:cNvGrpSpPr/>
+        <p:nvPr/>
+      </p:nvGrpSpPr>
+      <p:grpSpPr>
+        <a:xfrm>
+          <a:off x="0" y="0"/>
+          <a:ext cx="0" cy="0"/>
+          <a:chOff x="0" y="0"/>
+          <a:chExt cx="0" cy="0"/>
+        </a:xfrm>
+      </p:grpSpPr>
+      <p:sp>
+        <p:nvSpPr>
+          <p:cNvPr id="2" name="Title 1">
+            <a:extLst>
+              <a:ext uri="{FF2B5EF4-FFF2-40B4-BE49-F238E27FC236}">
+                <a16:creationId xmlns:a16="http://schemas.microsoft.com/office/drawing/2014/main" id="{338FE272-8579-4275-B07B-1D48059DF1AA}"/>
+              </a:ext>
+            </a:extLst>
+          </p:cNvPr>
+          <p:cNvSpPr>
+            <a:spLocks noGrp="1"/>
+          </p:cNvSpPr>
+          <p:nvPr>
+            <p:ph type="title"/>
+          </p:nvPr>
+        </p:nvSpPr>
+        <p:spPr/>
+        <p:txBody>
+          <a:bodyPr/>
+          <a:lstStyle/>
+          <a:p>
+            <a:r>
+              <a:rPr lang="en-US" dirty="0"/>
+              <a:t>Final Thoughts	</a:t>
+            </a:r>
+          </a:p>
+        </p:txBody>
+      </p:sp>
+      <p:sp>
+        <p:nvSpPr>
+          <p:cNvPr id="3" name="Content Placeholder 2">
+            <a:extLst>
+              <a:ext uri="{FF2B5EF4-FFF2-40B4-BE49-F238E27FC236}">
+                <a16:creationId xmlns:a16="http://schemas.microsoft.com/office/drawing/2014/main" id="{9650D9F1-438F-4B96-AF38-310A34744E43}"/>
+              </a:ext>
+            </a:extLst>
+          </p:cNvPr>
+          <p:cNvSpPr>
+            <a:spLocks noGrp="1"/>
+          </p:cNvSpPr>
+          <p:nvPr>
+            <p:ph idx="1"/>
+          </p:nvPr>
+        </p:nvSpPr>
+        <p:spPr/>
+        <p:txBody>
+          <a:bodyPr/>
+          <a:lstStyle/>
+          <a:p>
+            <a:r>
+              <a:rPr lang="en-US" dirty="0"/>
+              <a:t>Initial effort attempted was to pull congressional senators campaign contributions and see how industry performed and take a look at the </a:t>
+            </a:r>
+            <a:r>
+              <a:rPr lang="en-US" dirty="0" err="1"/>
+              <a:t>networth</a:t>
+            </a:r>
+            <a:r>
+              <a:rPr lang="en-US" dirty="0"/>
+              <a:t> of senators </a:t>
+            </a:r>
+          </a:p>
+          <a:p>
+            <a:pPr lvl="1"/>
+            <a:r>
+              <a:rPr lang="en-US" dirty="0"/>
+              <a:t>Some API connections worked</a:t>
+            </a:r>
+          </a:p>
+          <a:p>
+            <a:pPr lvl="1"/>
+            <a:r>
+              <a:rPr lang="en-US" dirty="0"/>
+              <a:t>Received 500 errors (server side still to this day (ProPublica)</a:t>
+            </a:r>
+          </a:p>
+          <a:p>
+            <a:r>
+              <a:rPr lang="en-US" dirty="0"/>
+              <a:t>The transformation portion does require a lot of rescoping and redetermining what data to use from the sources you have.  This could be come time consuming if you had various sources with no commonality or data sets were of different sizes.</a:t>
+            </a:r>
+          </a:p>
+          <a:p>
+            <a:r>
+              <a:rPr lang="en-US" dirty="0"/>
+              <a:t>Def should spend more time on the true ETL functions.  </a:t>
+            </a:r>
+          </a:p>
+          <a:p>
+            <a:pPr lvl="1"/>
+            <a:r>
+              <a:rPr lang="en-US" dirty="0"/>
+              <a:t>Extraction could have taken just as much time if APIs, </a:t>
+            </a:r>
+            <a:r>
+              <a:rPr lang="en-US" dirty="0" err="1"/>
+              <a:t>WebScraping</a:t>
+            </a:r>
+            <a:r>
+              <a:rPr lang="en-US" dirty="0"/>
+              <a:t>, and CSV were used.</a:t>
+            </a:r>
+          </a:p>
+          <a:p>
+            <a:pPr lvl="1"/>
+            <a:r>
+              <a:rPr lang="en-US" dirty="0"/>
+              <a:t>Transformation thought about using TALEND </a:t>
+            </a:r>
+            <a:r>
+              <a:rPr lang="en-US" dirty="0" err="1"/>
+              <a:t>OpenStudio</a:t>
+            </a:r>
+            <a:r>
+              <a:rPr lang="en-US" dirty="0"/>
+              <a:t>  - could’ve made it much easier to map and clean</a:t>
+            </a:r>
+          </a:p>
+          <a:p>
+            <a:pPr lvl="1"/>
+            <a:r>
+              <a:rPr lang="en-US" dirty="0"/>
+              <a:t>Loading – Not sure why </a:t>
+            </a:r>
+            <a:r>
+              <a:rPr lang="en-US" dirty="0" err="1"/>
+              <a:t>jupyter</a:t>
+            </a:r>
+            <a:r>
+              <a:rPr lang="en-US" dirty="0"/>
+              <a:t> wasn’t able to help load to azure. </a:t>
+            </a:r>
+          </a:p>
+        </p:txBody>
+      </p:sp>
+      <p:sp>
+        <p:nvSpPr>
+          <p:cNvPr id="4" name="Slide Number Placeholder 3">
+            <a:extLst>
+              <a:ext uri="{FF2B5EF4-FFF2-40B4-BE49-F238E27FC236}">
+                <a16:creationId xmlns:a16="http://schemas.microsoft.com/office/drawing/2014/main" id="{00CB0AA9-C899-46D1-AA57-11D4D1171D3A}"/>
+              </a:ext>
+            </a:extLst>
+          </p:cNvPr>
+          <p:cNvSpPr>
+            <a:spLocks noGrp="1"/>
+          </p:cNvSpPr>
+          <p:nvPr>
+            <p:ph type="sldNum" sz="quarter" idx="12"/>
+          </p:nvPr>
+        </p:nvSpPr>
+        <p:spPr/>
+        <p:txBody>
+          <a:bodyPr/>
+          <a:lstStyle/>
+          <a:p>
+            <a:fld id="{46C42256-0222-41AC-89A0-C0A593D20A1E}" type="slidenum">
+              <a:rPr lang="en-US" smtClean="0"/>
+              <a:t>8</a:t>
+            </a:fld>
+            <a:endParaRPr lang="en-US"/>
+          </a:p>
+        </p:txBody>
+      </p:sp>
+    </p:spTree>
+    <p:extLst>
+      <p:ext uri="{BB962C8B-B14F-4D97-AF65-F5344CB8AC3E}">
+        <p14:creationId xmlns:p14="http://schemas.microsoft.com/office/powerpoint/2010/main" val="907692539"/>
       </p:ext>
     </p:extLst>
   </p:cSld>
@@ -4038,6 +5962,289 @@
 </file>
 
 <file path=ppt/theme/theme1.xml><?xml version="1.0" encoding="utf-8"?>
+<a:theme xmlns:a="http://schemas.openxmlformats.org/drawingml/2006/main" name="Retrospect">
+  <a:themeElements>
+    <a:clrScheme name="Retrospect">
+      <a:dk1>
+        <a:srgbClr val="000000"/>
+      </a:dk1>
+      <a:lt1>
+        <a:sysClr val="window" lastClr="FFFFFF"/>
+      </a:lt1>
+      <a:dk2>
+        <a:srgbClr val="637052"/>
+      </a:dk2>
+      <a:lt2>
+        <a:srgbClr val="CCDDEA"/>
+      </a:lt2>
+      <a:accent1>
+        <a:srgbClr val="E48312"/>
+      </a:accent1>
+      <a:accent2>
+        <a:srgbClr val="BD582C"/>
+      </a:accent2>
+      <a:accent3>
+        <a:srgbClr val="865640"/>
+      </a:accent3>
+      <a:accent4>
+        <a:srgbClr val="9B8357"/>
+      </a:accent4>
+      <a:accent5>
+        <a:srgbClr val="C2BC80"/>
+      </a:accent5>
+      <a:accent6>
+        <a:srgbClr val="94A088"/>
+      </a:accent6>
+      <a:hlink>
+        <a:srgbClr val="2998E3"/>
+      </a:hlink>
+      <a:folHlink>
+        <a:srgbClr val="8C8C8C"/>
+      </a:folHlink>
+    </a:clrScheme>
+    <a:fontScheme name="Retrospect">
+      <a:majorFont>
+        <a:latin typeface="Calibri Light" panose="020F0302020204030204"/>
+        <a:ea typeface=""/>
+        <a:cs typeface=""/>
+        <a:font script="Jpan" typeface="ＭＳ Ｐゴシック"/>
+        <a:font script="Hang" typeface="맑은 고딕"/>
+        <a:font script="Hans" typeface="宋体"/>
+        <a:font script="Hant" typeface="新細明體"/>
+        <a:font script="Arab" typeface="Times New Roman"/>
+        <a:font script="Hebr" typeface="Times New Roman"/>
+        <a:font script="Thai" typeface="Angsana New"/>
+        <a:font script="Ethi" typeface="Nyala"/>
+        <a:font script="Beng" typeface="Vrinda"/>
+        <a:font script="Gujr" typeface="Shruti"/>
+        <a:font script="Khmr" typeface="MoolBoran"/>
+        <a:font script="Knda" typeface="Tunga"/>
+        <a:font script="Guru" typeface="Raavi"/>
+        <a:font script="Cans" typeface="Euphemia"/>
+        <a:font script="Cher" typeface="Plantagenet Cherokee"/>
+        <a:font script="Yiii" typeface="Microsoft Yi Baiti"/>
+        <a:font script="Tibt" typeface="Microsoft Himalaya"/>
+        <a:font script="Thaa" typeface="MV Boli"/>
+        <a:font script="Deva" typeface="Mangal"/>
+        <a:font script="Telu" typeface="Gautami"/>
+        <a:font script="Taml" typeface="Latha"/>
+        <a:font script="Syrc" typeface="Estrangelo Edessa"/>
+        <a:font script="Orya" typeface="Kalinga"/>
+        <a:font script="Mlym" typeface="Kartika"/>
+        <a:font script="Laoo" typeface="DokChampa"/>
+        <a:font script="Sinh" typeface="Iskoola Pota"/>
+        <a:font script="Mong" typeface="Mongolian Baiti"/>
+        <a:font script="Viet" typeface="Times New Roman"/>
+        <a:font script="Uigh" typeface="Microsoft Uighur"/>
+        <a:font script="Geor" typeface="Sylfaen"/>
+      </a:majorFont>
+      <a:minorFont>
+        <a:latin typeface="Calibri" panose="020F0502020204030204"/>
+        <a:ea typeface=""/>
+        <a:cs typeface=""/>
+        <a:font script="Jpan" typeface="ＭＳ Ｐゴシック"/>
+        <a:font script="Hang" typeface="맑은 고딕"/>
+        <a:font script="Hans" typeface="宋体"/>
+        <a:font script="Hant" typeface="新細明體"/>
+        <a:font script="Arab" typeface="Arial"/>
+        <a:font script="Hebr" typeface="Arial"/>
+        <a:font script="Thai" typeface="Cordia New"/>
+        <a:font script="Ethi" typeface="Nyala"/>
+        <a:font script="Beng" typeface="Vrinda"/>
+        <a:font script="Gujr" typeface="Shruti"/>
+        <a:font script="Khmr" typeface="DaunPenh"/>
+        <a:font script="Knda" typeface="Tunga"/>
+        <a:font script="Guru" typeface="Raavi"/>
+        <a:font script="Cans" typeface="Euphemia"/>
+        <a:font script="Cher" typeface="Plantagenet Cherokee"/>
+        <a:font script="Yiii" typeface="Microsoft Yi Baiti"/>
+        <a:font script="Tibt" typeface="Microsoft Himalaya"/>
+        <a:font script="Thaa" typeface="MV Boli"/>
+        <a:font script="Deva" typeface="Mangal"/>
+        <a:font script="Telu" typeface="Gautami"/>
+        <a:font script="Taml" typeface="Latha"/>
+        <a:font script="Syrc" typeface="Estrangelo Edessa"/>
+        <a:font script="Orya" typeface="Kalinga"/>
+        <a:font script="Mlym" typeface="Kartika"/>
+        <a:font script="Laoo" typeface="DokChampa"/>
+        <a:font script="Sinh" typeface="Iskoola Pota"/>
+        <a:font script="Mong" typeface="Mongolian Baiti"/>
+        <a:font script="Viet" typeface="Arial"/>
+        <a:font script="Uigh" typeface="Microsoft Uighur"/>
+        <a:font script="Geor" typeface="Sylfaen"/>
+      </a:minorFont>
+    </a:fontScheme>
+    <a:fmtScheme name="Retrospect">
+      <a:fillStyleLst>
+        <a:solidFill>
+          <a:schemeClr val="phClr"/>
+        </a:solidFill>
+        <a:gradFill rotWithShape="1">
+          <a:gsLst>
+            <a:gs pos="0">
+              <a:schemeClr val="phClr">
+                <a:tint val="65000"/>
+                <a:shade val="92000"/>
+                <a:satMod val="130000"/>
+              </a:schemeClr>
+            </a:gs>
+            <a:gs pos="45000">
+              <a:schemeClr val="phClr">
+                <a:tint val="60000"/>
+                <a:shade val="99000"/>
+                <a:satMod val="120000"/>
+              </a:schemeClr>
+            </a:gs>
+            <a:gs pos="100000">
+              <a:schemeClr val="phClr">
+                <a:tint val="55000"/>
+                <a:satMod val="140000"/>
+              </a:schemeClr>
+            </a:gs>
+          </a:gsLst>
+          <a:path path="circle">
+            <a:fillToRect l="100000" t="100000" r="100000" b="100000"/>
+          </a:path>
+        </a:gradFill>
+        <a:gradFill rotWithShape="1">
+          <a:gsLst>
+            <a:gs pos="0">
+              <a:schemeClr val="phClr">
+                <a:shade val="85000"/>
+                <a:satMod val="130000"/>
+              </a:schemeClr>
+            </a:gs>
+            <a:gs pos="34000">
+              <a:schemeClr val="phClr">
+                <a:shade val="87000"/>
+                <a:satMod val="125000"/>
+              </a:schemeClr>
+            </a:gs>
+            <a:gs pos="70000">
+              <a:schemeClr val="phClr">
+                <a:tint val="100000"/>
+                <a:shade val="90000"/>
+                <a:satMod val="130000"/>
+              </a:schemeClr>
+            </a:gs>
+            <a:gs pos="100000">
+              <a:schemeClr val="phClr">
+                <a:tint val="100000"/>
+                <a:shade val="100000"/>
+                <a:satMod val="110000"/>
+              </a:schemeClr>
+            </a:gs>
+          </a:gsLst>
+          <a:path path="circle">
+            <a:fillToRect l="100000" t="100000" r="100000" b="100000"/>
+          </a:path>
+        </a:gradFill>
+      </a:fillStyleLst>
+      <a:lnStyleLst>
+        <a:ln w="12700" cap="flat" cmpd="sng" algn="ctr">
+          <a:solidFill>
+            <a:schemeClr val="phClr"/>
+          </a:solidFill>
+          <a:prstDash val="solid"/>
+        </a:ln>
+        <a:ln w="15875" cap="flat" cmpd="sng" algn="ctr">
+          <a:solidFill>
+            <a:schemeClr val="phClr"/>
+          </a:solidFill>
+          <a:prstDash val="solid"/>
+        </a:ln>
+        <a:ln w="25400" cap="flat" cmpd="sng" algn="ctr">
+          <a:solidFill>
+            <a:schemeClr val="phClr"/>
+          </a:solidFill>
+          <a:prstDash val="solid"/>
+        </a:ln>
+      </a:lnStyleLst>
+      <a:effectStyleLst>
+        <a:effectStyle>
+          <a:effectLst/>
+        </a:effectStyle>
+        <a:effectStyle>
+          <a:effectLst>
+            <a:outerShdw blurRad="38100" dist="25400" dir="2700000" algn="br" rotWithShape="0">
+              <a:srgbClr val="000000">
+                <a:alpha val="60000"/>
+              </a:srgbClr>
+            </a:outerShdw>
+          </a:effectLst>
+        </a:effectStyle>
+        <a:effectStyle>
+          <a:effectLst>
+            <a:outerShdw blurRad="44450" dist="25400" dir="2700000" algn="br" rotWithShape="0">
+              <a:srgbClr val="000000">
+                <a:alpha val="60000"/>
+              </a:srgbClr>
+            </a:outerShdw>
+          </a:effectLst>
+          <a:scene3d>
+            <a:camera prst="orthographicFront">
+              <a:rot lat="0" lon="0" rev="0"/>
+            </a:camera>
+            <a:lightRig rig="threePt" dir="t">
+              <a:rot lat="0" lon="0" rev="19800000"/>
+            </a:lightRig>
+          </a:scene3d>
+          <a:sp3d prstMaterial="flat">
+            <a:bevelT w="25400" h="31750"/>
+          </a:sp3d>
+        </a:effectStyle>
+      </a:effectStyleLst>
+      <a:bgFillStyleLst>
+        <a:solidFill>
+          <a:schemeClr val="phClr"/>
+        </a:solidFill>
+        <a:solidFill>
+          <a:schemeClr val="phClr">
+            <a:tint val="90000"/>
+            <a:shade val="97000"/>
+            <a:satMod val="130000"/>
+          </a:schemeClr>
+        </a:solidFill>
+        <a:gradFill rotWithShape="1">
+          <a:gsLst>
+            <a:gs pos="0">
+              <a:schemeClr val="phClr">
+                <a:tint val="96000"/>
+                <a:shade val="99000"/>
+                <a:satMod val="140000"/>
+              </a:schemeClr>
+            </a:gs>
+            <a:gs pos="65000">
+              <a:schemeClr val="phClr">
+                <a:tint val="100000"/>
+                <a:shade val="80000"/>
+                <a:satMod val="130000"/>
+              </a:schemeClr>
+            </a:gs>
+            <a:gs pos="100000">
+              <a:schemeClr val="phClr">
+                <a:tint val="100000"/>
+                <a:shade val="48000"/>
+                <a:satMod val="120000"/>
+              </a:schemeClr>
+            </a:gs>
+          </a:gsLst>
+          <a:lin ang="16200000" scaled="0"/>
+        </a:gradFill>
+      </a:bgFillStyleLst>
+    </a:fmtScheme>
+  </a:themeElements>
+  <a:objectDefaults/>
+  <a:extraClrSchemeLst/>
+  <a:extLst>
+    <a:ext uri="{05A4C25C-085E-4340-85A3-A5531E510DB2}">
+      <thm15:themeFamily xmlns:thm15="http://schemas.microsoft.com/office/thememl/2012/main" name="Retrospect" id="{5F128B03-DCCA-4EEB-AB3B-CF2899314A46}" vid="{3F1AAB62-24C6-49D2-8E01-B56FAC9A3DCD}"/>
+    </a:ext>
+  </a:extLst>
+</a:theme>
+</file>
+
+<file path=ppt/theme/theme2.xml><?xml version="1.0" encoding="utf-8"?>
 <a:theme xmlns:a="http://schemas.openxmlformats.org/drawingml/2006/main" name="Office Theme">
   <a:themeElements>
     <a:clrScheme name="Office">
